--- a/LinuxFileIO.pptx
+++ b/LinuxFileIO.pptx
@@ -1,34 +1,34 @@
 
 <file path=ppt/presentation.xml><?xml version="1.0" encoding="utf-8"?>
-<p:presentation xmlns:a="http://schemas.openxmlformats.org/drawingml/2006/main" xmlns:r="http://schemas.openxmlformats.org/officeDocument/2006/relationships" xmlns:p="http://schemas.openxmlformats.org/presentationml/2006/main" saveSubsetFonts="1">
+<p:presentation xmlns:a="http://schemas.openxmlformats.org/drawingml/2006/main" xmlns:r="http://schemas.openxmlformats.org/officeDocument/2006/relationships" xmlns:p="http://schemas.openxmlformats.org/presentationml/2006/main">
   <p:sldMasterIdLst>
     <p:sldMasterId id="2147483648" r:id="rId1"/>
   </p:sldMasterIdLst>
   <p:notesMasterIdLst>
-    <p:notesMasterId r:id="rId23"/>
+    <p:notesMasterId r:id="rId10"/>
   </p:notesMasterIdLst>
   <p:sldIdLst>
-    <p:sldId id="256" r:id="rId2"/>
-    <p:sldId id="280" r:id="rId3"/>
-    <p:sldId id="281" r:id="rId4"/>
-    <p:sldId id="282" r:id="rId5"/>
-    <p:sldId id="283" r:id="rId6"/>
-    <p:sldId id="285" r:id="rId7"/>
-    <p:sldId id="257" r:id="rId8"/>
-    <p:sldId id="258" r:id="rId9"/>
-    <p:sldId id="286" r:id="rId10"/>
-    <p:sldId id="287" r:id="rId11"/>
-    <p:sldId id="290" r:id="rId12"/>
-    <p:sldId id="289" r:id="rId13"/>
-    <p:sldId id="291" r:id="rId14"/>
-    <p:sldId id="279" r:id="rId15"/>
-    <p:sldId id="260" r:id="rId16"/>
-    <p:sldId id="261" r:id="rId17"/>
-    <p:sldId id="262" r:id="rId18"/>
-    <p:sldId id="292" r:id="rId19"/>
-    <p:sldId id="264" r:id="rId20"/>
-    <p:sldId id="293" r:id="rId21"/>
-    <p:sldId id="265" r:id="rId22"/>
+    <p:sldId id="256" r:id="rId3"/>
+    <p:sldId id="280" r:id="rId4"/>
+    <p:sldId id="281" r:id="rId5"/>
+    <p:sldId id="282" r:id="rId6"/>
+    <p:sldId id="283" r:id="rId7"/>
+    <p:sldId id="285" r:id="rId8"/>
+    <p:sldId id="257" r:id="rId9"/>
+    <p:sldId id="258" r:id="rId11"/>
+    <p:sldId id="286" r:id="rId12"/>
+    <p:sldId id="287" r:id="rId13"/>
+    <p:sldId id="290" r:id="rId14"/>
+    <p:sldId id="289" r:id="rId15"/>
+    <p:sldId id="291" r:id="rId16"/>
+    <p:sldId id="279" r:id="rId17"/>
+    <p:sldId id="260" r:id="rId18"/>
+    <p:sldId id="261" r:id="rId19"/>
+    <p:sldId id="262" r:id="rId20"/>
+    <p:sldId id="292" r:id="rId21"/>
+    <p:sldId id="264" r:id="rId22"/>
+    <p:sldId id="293" r:id="rId23"/>
+    <p:sldId id="265" r:id="rId24"/>
   </p:sldIdLst>
   <p:sldSz cx="12192000" cy="6858000"/>
   <p:notesSz cx="6858000" cy="9144000"/>
@@ -127,11 +127,6 @@
       </a:defRPr>
     </a:lvl9pPr>
   </p:defaultTextStyle>
-  <p:extLst>
-    <p:ext uri="{EFAFB233-063F-42B5-8137-9DF3F51BA10A}">
-      <p15:sldGuideLst xmlns:p15="http://schemas.microsoft.com/office/powerpoint/2012/main"/>
-    </p:ext>
-  </p:extLst>
 </p:presentation>
 </file>
 
@@ -217,7 +212,6 @@
           <a:p>
             <a:fld id="{99E4D9AA-A3DF-4E26-B966-2AA700CA6022}" type="datetimeFigureOut">
               <a:rPr lang="zh-CN" altLang="en-US" smtClean="0"/>
-              <a:t>2019/7/28</a:t>
             </a:fld>
             <a:endParaRPr lang="zh-CN" altLang="en-US"/>
           </a:p>
@@ -284,6 +278,7 @@
               <a:rPr lang="zh-CN" altLang="en-US"/>
               <a:t>单击此处编辑母版文本样式</a:t>
             </a:r>
+            <a:endParaRPr lang="zh-CN" altLang="en-US"/>
           </a:p>
           <a:p>
             <a:pPr lvl="1"/>
@@ -291,6 +286,7 @@
               <a:rPr lang="zh-CN" altLang="en-US"/>
               <a:t>二级</a:t>
             </a:r>
+            <a:endParaRPr lang="zh-CN" altLang="en-US"/>
           </a:p>
           <a:p>
             <a:pPr lvl="2"/>
@@ -298,6 +294,7 @@
               <a:rPr lang="zh-CN" altLang="en-US"/>
               <a:t>三级</a:t>
             </a:r>
+            <a:endParaRPr lang="zh-CN" altLang="en-US"/>
           </a:p>
           <a:p>
             <a:pPr lvl="3"/>
@@ -305,6 +302,7 @@
               <a:rPr lang="zh-CN" altLang="en-US"/>
               <a:t>四级</a:t>
             </a:r>
+            <a:endParaRPr lang="zh-CN" altLang="en-US"/>
           </a:p>
           <a:p>
             <a:pPr lvl="4"/>
@@ -312,6 +310,7 @@
               <a:rPr lang="zh-CN" altLang="en-US"/>
               <a:t>五级</a:t>
             </a:r>
+            <a:endParaRPr lang="zh-CN" altLang="en-US"/>
           </a:p>
         </p:txBody>
       </p:sp>
@@ -375,18 +374,12 @@
           <a:p>
             <a:fld id="{2A47CFBD-027D-4BA8-B054-1D84C3CB70C5}" type="slidenum">
               <a:rPr lang="zh-CN" altLang="en-US" smtClean="0"/>
-              <a:t>‹#›</a:t>
             </a:fld>
             <a:endParaRPr lang="zh-CN" altLang="en-US"/>
           </a:p>
         </p:txBody>
       </p:sp>
     </p:spTree>
-    <p:extLst>
-      <p:ext uri="{BB962C8B-B14F-4D97-AF65-F5344CB8AC3E}">
-        <p14:creationId xmlns:p14="http://schemas.microsoft.com/office/powerpoint/2010/main" val="2572572346"/>
-      </p:ext>
-    </p:extLst>
   </p:cSld>
   <p:clrMap bg1="lt1" tx1="dk1" bg2="lt2" tx2="dk2" accent1="accent1" accent2="accent2" accent3="accent3" accent4="accent4" accent5="accent5" accent6="accent6" hlink="hlink" folHlink="folHlink"/>
   <p:notesStyle>
@@ -549,18 +542,12 @@
           <a:p>
             <a:fld id="{2A47CFBD-027D-4BA8-B054-1D84C3CB70C5}" type="slidenum">
               <a:rPr lang="zh-CN" altLang="en-US" smtClean="0"/>
-              <a:t>7</a:t>
             </a:fld>
             <a:endParaRPr lang="zh-CN" altLang="en-US"/>
           </a:p>
         </p:txBody>
       </p:sp>
     </p:spTree>
-    <p:extLst>
-      <p:ext uri="{BB962C8B-B14F-4D97-AF65-F5344CB8AC3E}">
-        <p14:creationId xmlns:p14="http://schemas.microsoft.com/office/powerpoint/2010/main" val="2245068733"/>
-      </p:ext>
-    </p:extLst>
   </p:cSld>
   <p:clrMapOvr>
     <a:masterClrMapping/>
@@ -587,13 +574,7 @@
       </p:grpSpPr>
       <p:sp>
         <p:nvSpPr>
-          <p:cNvPr id="2" name="标题 1">
-            <a:extLst>
-              <a:ext uri="{FF2B5EF4-FFF2-40B4-BE49-F238E27FC236}">
-                <a16:creationId xmlns:a16="http://schemas.microsoft.com/office/drawing/2014/main" id="{BEE2A74D-431C-4DAD-AFB5-A3077E9063BF}"/>
-              </a:ext>
-            </a:extLst>
-          </p:cNvPr>
+          <p:cNvPr id="2" name="标题 1"/>
           <p:cNvSpPr>
             <a:spLocks noGrp="1"/>
           </p:cNvSpPr>
@@ -622,18 +603,13 @@
               <a:rPr lang="zh-CN" altLang="en-US" dirty="0"/>
               <a:t>单击此处编辑母版标题样式</a:t>
             </a:r>
+            <a:endParaRPr lang="zh-CN" altLang="en-US" dirty="0"/>
           </a:p>
         </p:txBody>
       </p:sp>
       <p:sp>
         <p:nvSpPr>
-          <p:cNvPr id="3" name="副标题 2">
-            <a:extLst>
-              <a:ext uri="{FF2B5EF4-FFF2-40B4-BE49-F238E27FC236}">
-                <a16:creationId xmlns:a16="http://schemas.microsoft.com/office/drawing/2014/main" id="{902630D5-DBBC-45EF-BD31-9EECBC3CA003}"/>
-              </a:ext>
-            </a:extLst>
-          </p:cNvPr>
+          <p:cNvPr id="3" name="副标题 2"/>
           <p:cNvSpPr>
             <a:spLocks noGrp="1"/>
           </p:cNvSpPr>
@@ -695,18 +671,13 @@
               <a:rPr lang="zh-CN" altLang="en-US" dirty="0"/>
               <a:t>单击此处编辑母版副标题样式</a:t>
             </a:r>
+            <a:endParaRPr lang="zh-CN" altLang="en-US" dirty="0"/>
           </a:p>
         </p:txBody>
       </p:sp>
       <p:sp>
         <p:nvSpPr>
-          <p:cNvPr id="4" name="日期占位符 3">
-            <a:extLst>
-              <a:ext uri="{FF2B5EF4-FFF2-40B4-BE49-F238E27FC236}">
-                <a16:creationId xmlns:a16="http://schemas.microsoft.com/office/drawing/2014/main" id="{77583308-A3F7-40B9-B699-34E49E01C86D}"/>
-              </a:ext>
-            </a:extLst>
-          </p:cNvPr>
+          <p:cNvPr id="4" name="日期占位符 3"/>
           <p:cNvSpPr>
             <a:spLocks noGrp="1"/>
           </p:cNvSpPr>
@@ -721,7 +692,6 @@
           <a:p>
             <a:fld id="{5AC361DE-562A-4F20-A86D-C55D14C1C43D}" type="datetimeFigureOut">
               <a:rPr lang="zh-CN" altLang="en-US" smtClean="0"/>
-              <a:t>2019/7/28</a:t>
             </a:fld>
             <a:endParaRPr lang="zh-CN" altLang="en-US"/>
           </a:p>
@@ -729,13 +699,7 @@
       </p:sp>
       <p:sp>
         <p:nvSpPr>
-          <p:cNvPr id="5" name="页脚占位符 4">
-            <a:extLst>
-              <a:ext uri="{FF2B5EF4-FFF2-40B4-BE49-F238E27FC236}">
-                <a16:creationId xmlns:a16="http://schemas.microsoft.com/office/drawing/2014/main" id="{28888A0B-A7DE-4149-B811-2D518B665AFE}"/>
-              </a:ext>
-            </a:extLst>
-          </p:cNvPr>
+          <p:cNvPr id="5" name="页脚占位符 4"/>
           <p:cNvSpPr>
             <a:spLocks noGrp="1"/>
           </p:cNvSpPr>
@@ -754,13 +718,7 @@
       </p:sp>
       <p:sp>
         <p:nvSpPr>
-          <p:cNvPr id="6" name="灯片编号占位符 5">
-            <a:extLst>
-              <a:ext uri="{FF2B5EF4-FFF2-40B4-BE49-F238E27FC236}">
-                <a16:creationId xmlns:a16="http://schemas.microsoft.com/office/drawing/2014/main" id="{B3650671-EBEC-4041-A68C-86785E11E8A5}"/>
-              </a:ext>
-            </a:extLst>
-          </p:cNvPr>
+          <p:cNvPr id="6" name="灯片编号占位符 5"/>
           <p:cNvSpPr>
             <a:spLocks noGrp="1"/>
           </p:cNvSpPr>
@@ -775,18 +733,12 @@
           <a:p>
             <a:fld id="{2193997A-E86B-4542-AED1-0107E1051B52}" type="slidenum">
               <a:rPr lang="zh-CN" altLang="en-US" smtClean="0"/>
-              <a:t>‹#›</a:t>
             </a:fld>
             <a:endParaRPr lang="zh-CN" altLang="en-US"/>
           </a:p>
         </p:txBody>
       </p:sp>
     </p:spTree>
-    <p:extLst>
-      <p:ext uri="{BB962C8B-B14F-4D97-AF65-F5344CB8AC3E}">
-        <p14:creationId xmlns:p14="http://schemas.microsoft.com/office/powerpoint/2010/main" val="581051655"/>
-      </p:ext>
-    </p:extLst>
   </p:cSld>
   <p:clrMapOvr>
     <a:masterClrMapping/>
@@ -813,13 +765,7 @@
       </p:grpSpPr>
       <p:sp>
         <p:nvSpPr>
-          <p:cNvPr id="2" name="标题 1">
-            <a:extLst>
-              <a:ext uri="{FF2B5EF4-FFF2-40B4-BE49-F238E27FC236}">
-                <a16:creationId xmlns:a16="http://schemas.microsoft.com/office/drawing/2014/main" id="{751F2C43-22B3-4561-816D-57477622BCEA}"/>
-              </a:ext>
-            </a:extLst>
-          </p:cNvPr>
+          <p:cNvPr id="2" name="标题 1"/>
           <p:cNvSpPr>
             <a:spLocks noGrp="1"/>
           </p:cNvSpPr>
@@ -845,18 +791,13 @@
               <a:rPr lang="zh-CN" altLang="en-US" dirty="0"/>
               <a:t>单击此处编辑母版标题样式</a:t>
             </a:r>
+            <a:endParaRPr lang="zh-CN" altLang="en-US" dirty="0"/>
           </a:p>
         </p:txBody>
       </p:sp>
       <p:sp>
         <p:nvSpPr>
-          <p:cNvPr id="3" name="内容占位符 2">
-            <a:extLst>
-              <a:ext uri="{FF2B5EF4-FFF2-40B4-BE49-F238E27FC236}">
-                <a16:creationId xmlns:a16="http://schemas.microsoft.com/office/drawing/2014/main" id="{88019145-0418-4B41-BBEB-BDB5128C77EB}"/>
-              </a:ext>
-            </a:extLst>
-          </p:cNvPr>
+          <p:cNvPr id="3" name="内容占位符 2"/>
           <p:cNvSpPr>
             <a:spLocks noGrp="1"/>
           </p:cNvSpPr>
@@ -907,6 +848,7 @@
               <a:rPr lang="zh-CN" altLang="en-US" dirty="0"/>
               <a:t>单击此处编辑母版文本样式</a:t>
             </a:r>
+            <a:endParaRPr lang="zh-CN" altLang="en-US" dirty="0"/>
           </a:p>
           <a:p>
             <a:pPr lvl="1"/>
@@ -914,6 +856,7 @@
               <a:rPr lang="zh-CN" altLang="en-US" dirty="0"/>
               <a:t>二级</a:t>
             </a:r>
+            <a:endParaRPr lang="zh-CN" altLang="en-US" dirty="0"/>
           </a:p>
           <a:p>
             <a:pPr lvl="2"/>
@@ -921,6 +864,7 @@
               <a:rPr lang="zh-CN" altLang="en-US" dirty="0"/>
               <a:t>三级</a:t>
             </a:r>
+            <a:endParaRPr lang="zh-CN" altLang="en-US" dirty="0"/>
           </a:p>
           <a:p>
             <a:pPr lvl="3"/>
@@ -928,6 +872,7 @@
               <a:rPr lang="zh-CN" altLang="en-US" dirty="0"/>
               <a:t>四级</a:t>
             </a:r>
+            <a:endParaRPr lang="zh-CN" altLang="en-US" dirty="0"/>
           </a:p>
           <a:p>
             <a:pPr lvl="4"/>
@@ -935,18 +880,13 @@
               <a:rPr lang="zh-CN" altLang="en-US" dirty="0"/>
               <a:t>五级</a:t>
             </a:r>
+            <a:endParaRPr lang="zh-CN" altLang="en-US" dirty="0"/>
           </a:p>
         </p:txBody>
       </p:sp>
       <p:sp>
         <p:nvSpPr>
-          <p:cNvPr id="4" name="日期占位符 3">
-            <a:extLst>
-              <a:ext uri="{FF2B5EF4-FFF2-40B4-BE49-F238E27FC236}">
-                <a16:creationId xmlns:a16="http://schemas.microsoft.com/office/drawing/2014/main" id="{DB7386A3-140F-4B67-B951-626F953F730C}"/>
-              </a:ext>
-            </a:extLst>
-          </p:cNvPr>
+          <p:cNvPr id="4" name="日期占位符 3"/>
           <p:cNvSpPr>
             <a:spLocks noGrp="1"/>
           </p:cNvSpPr>
@@ -961,7 +901,6 @@
           <a:p>
             <a:fld id="{5AC361DE-562A-4F20-A86D-C55D14C1C43D}" type="datetimeFigureOut">
               <a:rPr lang="zh-CN" altLang="en-US" smtClean="0"/>
-              <a:t>2019/7/28</a:t>
             </a:fld>
             <a:endParaRPr lang="zh-CN" altLang="en-US"/>
           </a:p>
@@ -969,13 +908,7 @@
       </p:sp>
       <p:sp>
         <p:nvSpPr>
-          <p:cNvPr id="5" name="页脚占位符 4">
-            <a:extLst>
-              <a:ext uri="{FF2B5EF4-FFF2-40B4-BE49-F238E27FC236}">
-                <a16:creationId xmlns:a16="http://schemas.microsoft.com/office/drawing/2014/main" id="{C9786A6E-1E20-4CEE-BEE2-F293E43162CF}"/>
-              </a:ext>
-            </a:extLst>
-          </p:cNvPr>
+          <p:cNvPr id="5" name="页脚占位符 4"/>
           <p:cNvSpPr>
             <a:spLocks noGrp="1"/>
           </p:cNvSpPr>
@@ -994,13 +927,7 @@
       </p:sp>
       <p:sp>
         <p:nvSpPr>
-          <p:cNvPr id="6" name="灯片编号占位符 5">
-            <a:extLst>
-              <a:ext uri="{FF2B5EF4-FFF2-40B4-BE49-F238E27FC236}">
-                <a16:creationId xmlns:a16="http://schemas.microsoft.com/office/drawing/2014/main" id="{09FE3C84-8C64-4A69-B7FF-CFB590D8D3B7}"/>
-              </a:ext>
-            </a:extLst>
-          </p:cNvPr>
+          <p:cNvPr id="6" name="灯片编号占位符 5"/>
           <p:cNvSpPr>
             <a:spLocks noGrp="1"/>
           </p:cNvSpPr>
@@ -1015,18 +942,12 @@
           <a:p>
             <a:fld id="{2193997A-E86B-4542-AED1-0107E1051B52}" type="slidenum">
               <a:rPr lang="zh-CN" altLang="en-US" smtClean="0"/>
-              <a:t>‹#›</a:t>
             </a:fld>
             <a:endParaRPr lang="zh-CN" altLang="en-US"/>
           </a:p>
         </p:txBody>
       </p:sp>
     </p:spTree>
-    <p:extLst>
-      <p:ext uri="{BB962C8B-B14F-4D97-AF65-F5344CB8AC3E}">
-        <p14:creationId xmlns:p14="http://schemas.microsoft.com/office/powerpoint/2010/main" val="3321308172"/>
-      </p:ext>
-    </p:extLst>
   </p:cSld>
   <p:clrMapOvr>
     <a:masterClrMapping/>
@@ -1053,13 +974,7 @@
       </p:grpSpPr>
       <p:sp>
         <p:nvSpPr>
-          <p:cNvPr id="2" name="标题 1">
-            <a:extLst>
-              <a:ext uri="{FF2B5EF4-FFF2-40B4-BE49-F238E27FC236}">
-                <a16:creationId xmlns:a16="http://schemas.microsoft.com/office/drawing/2014/main" id="{0F141755-4EBD-4F9D-9C8A-6C09EB628D55}"/>
-              </a:ext>
-            </a:extLst>
-          </p:cNvPr>
+          <p:cNvPr id="2" name="标题 1"/>
           <p:cNvSpPr>
             <a:spLocks noGrp="1"/>
           </p:cNvSpPr>
@@ -1083,18 +998,13 @@
               <a:rPr lang="zh-CN" altLang="en-US" dirty="0"/>
               <a:t>单击此处编辑母版标题样式</a:t>
             </a:r>
+            <a:endParaRPr lang="zh-CN" altLang="en-US" dirty="0"/>
           </a:p>
         </p:txBody>
       </p:sp>
       <p:sp>
         <p:nvSpPr>
-          <p:cNvPr id="3" name="内容占位符 2">
-            <a:extLst>
-              <a:ext uri="{FF2B5EF4-FFF2-40B4-BE49-F238E27FC236}">
-                <a16:creationId xmlns:a16="http://schemas.microsoft.com/office/drawing/2014/main" id="{67FAEA20-026B-421D-9275-849B34D8DCF9}"/>
-              </a:ext>
-            </a:extLst>
-          </p:cNvPr>
+          <p:cNvPr id="3" name="内容占位符 2"/>
           <p:cNvSpPr>
             <a:spLocks noGrp="1"/>
           </p:cNvSpPr>
@@ -1148,6 +1058,7 @@
               <a:rPr lang="zh-CN" altLang="en-US" dirty="0"/>
               <a:t>单击此处编辑母版文本样式</a:t>
             </a:r>
+            <a:endParaRPr lang="zh-CN" altLang="en-US" dirty="0"/>
           </a:p>
           <a:p>
             <a:pPr lvl="1"/>
@@ -1155,6 +1066,7 @@
               <a:rPr lang="zh-CN" altLang="en-US" dirty="0"/>
               <a:t>二级</a:t>
             </a:r>
+            <a:endParaRPr lang="zh-CN" altLang="en-US" dirty="0"/>
           </a:p>
           <a:p>
             <a:pPr lvl="2"/>
@@ -1162,6 +1074,7 @@
               <a:rPr lang="zh-CN" altLang="en-US" dirty="0"/>
               <a:t>三级</a:t>
             </a:r>
+            <a:endParaRPr lang="zh-CN" altLang="en-US" dirty="0"/>
           </a:p>
           <a:p>
             <a:pPr lvl="3"/>
@@ -1169,6 +1082,7 @@
               <a:rPr lang="zh-CN" altLang="en-US" dirty="0"/>
               <a:t>四级</a:t>
             </a:r>
+            <a:endParaRPr lang="zh-CN" altLang="en-US" dirty="0"/>
           </a:p>
           <a:p>
             <a:pPr lvl="4"/>
@@ -1176,18 +1090,13 @@
               <a:rPr lang="zh-CN" altLang="en-US" dirty="0"/>
               <a:t>五级</a:t>
             </a:r>
+            <a:endParaRPr lang="zh-CN" altLang="en-US" dirty="0"/>
           </a:p>
         </p:txBody>
       </p:sp>
       <p:sp>
         <p:nvSpPr>
-          <p:cNvPr id="4" name="内容占位符 3">
-            <a:extLst>
-              <a:ext uri="{FF2B5EF4-FFF2-40B4-BE49-F238E27FC236}">
-                <a16:creationId xmlns:a16="http://schemas.microsoft.com/office/drawing/2014/main" id="{53DD0A32-BC24-47AC-AF95-2DC4EF5EE93D}"/>
-              </a:ext>
-            </a:extLst>
-          </p:cNvPr>
+          <p:cNvPr id="4" name="内容占位符 3"/>
           <p:cNvSpPr>
             <a:spLocks noGrp="1"/>
           </p:cNvSpPr>
@@ -1241,6 +1150,7 @@
               <a:rPr lang="zh-CN" altLang="en-US" dirty="0"/>
               <a:t>单击此处编辑母版文本样式</a:t>
             </a:r>
+            <a:endParaRPr lang="zh-CN" altLang="en-US" dirty="0"/>
           </a:p>
           <a:p>
             <a:pPr lvl="1"/>
@@ -1248,6 +1158,7 @@
               <a:rPr lang="zh-CN" altLang="en-US" dirty="0"/>
               <a:t>二级</a:t>
             </a:r>
+            <a:endParaRPr lang="zh-CN" altLang="en-US" dirty="0"/>
           </a:p>
           <a:p>
             <a:pPr lvl="2"/>
@@ -1255,6 +1166,7 @@
               <a:rPr lang="zh-CN" altLang="en-US" dirty="0"/>
               <a:t>三级</a:t>
             </a:r>
+            <a:endParaRPr lang="zh-CN" altLang="en-US" dirty="0"/>
           </a:p>
           <a:p>
             <a:pPr lvl="3"/>
@@ -1262,6 +1174,7 @@
               <a:rPr lang="zh-CN" altLang="en-US" dirty="0"/>
               <a:t>四级</a:t>
             </a:r>
+            <a:endParaRPr lang="zh-CN" altLang="en-US" dirty="0"/>
           </a:p>
           <a:p>
             <a:pPr lvl="4"/>
@@ -1269,18 +1182,13 @@
               <a:rPr lang="zh-CN" altLang="en-US" dirty="0"/>
               <a:t>五级</a:t>
             </a:r>
+            <a:endParaRPr lang="zh-CN" altLang="en-US" dirty="0"/>
           </a:p>
         </p:txBody>
       </p:sp>
       <p:sp>
         <p:nvSpPr>
-          <p:cNvPr id="5" name="日期占位符 4">
-            <a:extLst>
-              <a:ext uri="{FF2B5EF4-FFF2-40B4-BE49-F238E27FC236}">
-                <a16:creationId xmlns:a16="http://schemas.microsoft.com/office/drawing/2014/main" id="{186E348D-C0EC-404C-BF37-BAFF3C04205A}"/>
-              </a:ext>
-            </a:extLst>
-          </p:cNvPr>
+          <p:cNvPr id="5" name="日期占位符 4"/>
           <p:cNvSpPr>
             <a:spLocks noGrp="1"/>
           </p:cNvSpPr>
@@ -1295,7 +1203,6 @@
           <a:p>
             <a:fld id="{5AC361DE-562A-4F20-A86D-C55D14C1C43D}" type="datetimeFigureOut">
               <a:rPr lang="zh-CN" altLang="en-US" smtClean="0"/>
-              <a:t>2019/7/28</a:t>
             </a:fld>
             <a:endParaRPr lang="zh-CN" altLang="en-US"/>
           </a:p>
@@ -1303,13 +1210,7 @@
       </p:sp>
       <p:sp>
         <p:nvSpPr>
-          <p:cNvPr id="6" name="页脚占位符 5">
-            <a:extLst>
-              <a:ext uri="{FF2B5EF4-FFF2-40B4-BE49-F238E27FC236}">
-                <a16:creationId xmlns:a16="http://schemas.microsoft.com/office/drawing/2014/main" id="{8DF4B5AD-607A-4BFB-A914-838081AB00C0}"/>
-              </a:ext>
-            </a:extLst>
-          </p:cNvPr>
+          <p:cNvPr id="6" name="页脚占位符 5"/>
           <p:cNvSpPr>
             <a:spLocks noGrp="1"/>
           </p:cNvSpPr>
@@ -1328,13 +1229,7 @@
       </p:sp>
       <p:sp>
         <p:nvSpPr>
-          <p:cNvPr id="7" name="灯片编号占位符 6">
-            <a:extLst>
-              <a:ext uri="{FF2B5EF4-FFF2-40B4-BE49-F238E27FC236}">
-                <a16:creationId xmlns:a16="http://schemas.microsoft.com/office/drawing/2014/main" id="{43301DD4-B309-4198-8045-4DBC5D935C0B}"/>
-              </a:ext>
-            </a:extLst>
-          </p:cNvPr>
+          <p:cNvPr id="7" name="灯片编号占位符 6"/>
           <p:cNvSpPr>
             <a:spLocks noGrp="1"/>
           </p:cNvSpPr>
@@ -1349,18 +1244,12 @@
           <a:p>
             <a:fld id="{2193997A-E86B-4542-AED1-0107E1051B52}" type="slidenum">
               <a:rPr lang="zh-CN" altLang="en-US" smtClean="0"/>
-              <a:t>‹#›</a:t>
             </a:fld>
             <a:endParaRPr lang="zh-CN" altLang="en-US"/>
           </a:p>
         </p:txBody>
       </p:sp>
     </p:spTree>
-    <p:extLst>
-      <p:ext uri="{BB962C8B-B14F-4D97-AF65-F5344CB8AC3E}">
-        <p14:creationId xmlns:p14="http://schemas.microsoft.com/office/powerpoint/2010/main" val="2240034604"/>
-      </p:ext>
-    </p:extLst>
   </p:cSld>
   <p:clrMapOvr>
     <a:masterClrMapping/>
@@ -1387,13 +1276,7 @@
       </p:grpSpPr>
       <p:sp>
         <p:nvSpPr>
-          <p:cNvPr id="2" name="标题 1">
-            <a:extLst>
-              <a:ext uri="{FF2B5EF4-FFF2-40B4-BE49-F238E27FC236}">
-                <a16:creationId xmlns:a16="http://schemas.microsoft.com/office/drawing/2014/main" id="{99E2E357-4AEE-4B2F-BA96-D7CD3D64CFE0}"/>
-              </a:ext>
-            </a:extLst>
-          </p:cNvPr>
+          <p:cNvPr id="2" name="标题 1"/>
           <p:cNvSpPr>
             <a:spLocks noGrp="1"/>
           </p:cNvSpPr>
@@ -1417,18 +1300,13 @@
               <a:rPr lang="zh-CN" altLang="en-US" dirty="0"/>
               <a:t>单击此处编辑母版标题样式</a:t>
             </a:r>
+            <a:endParaRPr lang="zh-CN" altLang="en-US" dirty="0"/>
           </a:p>
         </p:txBody>
       </p:sp>
       <p:sp>
         <p:nvSpPr>
-          <p:cNvPr id="3" name="日期占位符 2">
-            <a:extLst>
-              <a:ext uri="{FF2B5EF4-FFF2-40B4-BE49-F238E27FC236}">
-                <a16:creationId xmlns:a16="http://schemas.microsoft.com/office/drawing/2014/main" id="{E45B7899-170C-4242-840F-926764941D70}"/>
-              </a:ext>
-            </a:extLst>
-          </p:cNvPr>
+          <p:cNvPr id="3" name="日期占位符 2"/>
           <p:cNvSpPr>
             <a:spLocks noGrp="1"/>
           </p:cNvSpPr>
@@ -1443,7 +1321,6 @@
           <a:p>
             <a:fld id="{5AC361DE-562A-4F20-A86D-C55D14C1C43D}" type="datetimeFigureOut">
               <a:rPr lang="zh-CN" altLang="en-US" smtClean="0"/>
-              <a:t>2019/7/28</a:t>
             </a:fld>
             <a:endParaRPr lang="zh-CN" altLang="en-US"/>
           </a:p>
@@ -1451,13 +1328,7 @@
       </p:sp>
       <p:sp>
         <p:nvSpPr>
-          <p:cNvPr id="4" name="页脚占位符 3">
-            <a:extLst>
-              <a:ext uri="{FF2B5EF4-FFF2-40B4-BE49-F238E27FC236}">
-                <a16:creationId xmlns:a16="http://schemas.microsoft.com/office/drawing/2014/main" id="{C0854540-5150-4E28-A1A2-12E2138F5BB3}"/>
-              </a:ext>
-            </a:extLst>
-          </p:cNvPr>
+          <p:cNvPr id="4" name="页脚占位符 3"/>
           <p:cNvSpPr>
             <a:spLocks noGrp="1"/>
           </p:cNvSpPr>
@@ -1476,13 +1347,7 @@
       </p:sp>
       <p:sp>
         <p:nvSpPr>
-          <p:cNvPr id="5" name="灯片编号占位符 4">
-            <a:extLst>
-              <a:ext uri="{FF2B5EF4-FFF2-40B4-BE49-F238E27FC236}">
-                <a16:creationId xmlns:a16="http://schemas.microsoft.com/office/drawing/2014/main" id="{FCCC4B60-838C-43CA-AE75-69BF1A9F8247}"/>
-              </a:ext>
-            </a:extLst>
-          </p:cNvPr>
+          <p:cNvPr id="5" name="灯片编号占位符 4"/>
           <p:cNvSpPr>
             <a:spLocks noGrp="1"/>
           </p:cNvSpPr>
@@ -1497,18 +1362,12 @@
           <a:p>
             <a:fld id="{2193997A-E86B-4542-AED1-0107E1051B52}" type="slidenum">
               <a:rPr lang="zh-CN" altLang="en-US" smtClean="0"/>
-              <a:t>‹#›</a:t>
             </a:fld>
             <a:endParaRPr lang="zh-CN" altLang="en-US"/>
           </a:p>
         </p:txBody>
       </p:sp>
     </p:spTree>
-    <p:extLst>
-      <p:ext uri="{BB962C8B-B14F-4D97-AF65-F5344CB8AC3E}">
-        <p14:creationId xmlns:p14="http://schemas.microsoft.com/office/powerpoint/2010/main" val="765049539"/>
-      </p:ext>
-    </p:extLst>
   </p:cSld>
   <p:clrMapOvr>
     <a:masterClrMapping/>
@@ -1535,13 +1394,7 @@
       </p:grpSpPr>
       <p:sp>
         <p:nvSpPr>
-          <p:cNvPr id="2" name="日期占位符 1">
-            <a:extLst>
-              <a:ext uri="{FF2B5EF4-FFF2-40B4-BE49-F238E27FC236}">
-                <a16:creationId xmlns:a16="http://schemas.microsoft.com/office/drawing/2014/main" id="{EFF876CE-2E74-48D6-9E29-3ADED8D7632C}"/>
-              </a:ext>
-            </a:extLst>
-          </p:cNvPr>
+          <p:cNvPr id="2" name="日期占位符 1"/>
           <p:cNvSpPr>
             <a:spLocks noGrp="1"/>
           </p:cNvSpPr>
@@ -1556,7 +1409,6 @@
           <a:p>
             <a:fld id="{5AC361DE-562A-4F20-A86D-C55D14C1C43D}" type="datetimeFigureOut">
               <a:rPr lang="zh-CN" altLang="en-US" smtClean="0"/>
-              <a:t>2019/7/28</a:t>
             </a:fld>
             <a:endParaRPr lang="zh-CN" altLang="en-US"/>
           </a:p>
@@ -1564,13 +1416,7 @@
       </p:sp>
       <p:sp>
         <p:nvSpPr>
-          <p:cNvPr id="3" name="页脚占位符 2">
-            <a:extLst>
-              <a:ext uri="{FF2B5EF4-FFF2-40B4-BE49-F238E27FC236}">
-                <a16:creationId xmlns:a16="http://schemas.microsoft.com/office/drawing/2014/main" id="{6ED1FAFF-BA37-4DC5-9F6C-092A2177E3F0}"/>
-              </a:ext>
-            </a:extLst>
-          </p:cNvPr>
+          <p:cNvPr id="3" name="页脚占位符 2"/>
           <p:cNvSpPr>
             <a:spLocks noGrp="1"/>
           </p:cNvSpPr>
@@ -1589,13 +1435,7 @@
       </p:sp>
       <p:sp>
         <p:nvSpPr>
-          <p:cNvPr id="4" name="灯片编号占位符 3">
-            <a:extLst>
-              <a:ext uri="{FF2B5EF4-FFF2-40B4-BE49-F238E27FC236}">
-                <a16:creationId xmlns:a16="http://schemas.microsoft.com/office/drawing/2014/main" id="{C552A2EA-BA9B-42B9-AD1A-D957D37AAA8F}"/>
-              </a:ext>
-            </a:extLst>
-          </p:cNvPr>
+          <p:cNvPr id="4" name="灯片编号占位符 3"/>
           <p:cNvSpPr>
             <a:spLocks noGrp="1"/>
           </p:cNvSpPr>
@@ -1610,18 +1450,12 @@
           <a:p>
             <a:fld id="{2193997A-E86B-4542-AED1-0107E1051B52}" type="slidenum">
               <a:rPr lang="zh-CN" altLang="en-US" smtClean="0"/>
-              <a:t>‹#›</a:t>
             </a:fld>
             <a:endParaRPr lang="zh-CN" altLang="en-US"/>
           </a:p>
         </p:txBody>
       </p:sp>
     </p:spTree>
-    <p:extLst>
-      <p:ext uri="{BB962C8B-B14F-4D97-AF65-F5344CB8AC3E}">
-        <p14:creationId xmlns:p14="http://schemas.microsoft.com/office/powerpoint/2010/main" val="2460525843"/>
-      </p:ext>
-    </p:extLst>
   </p:cSld>
   <p:clrMapOvr>
     <a:masterClrMapping/>
@@ -1653,13 +1487,7 @@
       </p:grpSpPr>
       <p:sp>
         <p:nvSpPr>
-          <p:cNvPr id="2" name="标题占位符 1">
-            <a:extLst>
-              <a:ext uri="{FF2B5EF4-FFF2-40B4-BE49-F238E27FC236}">
-                <a16:creationId xmlns:a16="http://schemas.microsoft.com/office/drawing/2014/main" id="{C3BBF291-4737-486D-8DBF-E0E3EBA0BFAA}"/>
-              </a:ext>
-            </a:extLst>
-          </p:cNvPr>
+          <p:cNvPr id="2" name="标题占位符 1"/>
           <p:cNvSpPr>
             <a:spLocks noGrp="1"/>
           </p:cNvSpPr>
@@ -1686,18 +1514,13 @@
               <a:rPr lang="zh-CN" altLang="en-US"/>
               <a:t>单击此处编辑母版标题样式</a:t>
             </a:r>
+            <a:endParaRPr lang="zh-CN" altLang="en-US"/>
           </a:p>
         </p:txBody>
       </p:sp>
       <p:sp>
         <p:nvSpPr>
-          <p:cNvPr id="3" name="文本占位符 2">
-            <a:extLst>
-              <a:ext uri="{FF2B5EF4-FFF2-40B4-BE49-F238E27FC236}">
-                <a16:creationId xmlns:a16="http://schemas.microsoft.com/office/drawing/2014/main" id="{ABA84663-24C9-4FDC-BDC4-ACB92CE4A063}"/>
-              </a:ext>
-            </a:extLst>
-          </p:cNvPr>
+          <p:cNvPr id="3" name="文本占位符 2"/>
           <p:cNvSpPr>
             <a:spLocks noGrp="1"/>
           </p:cNvSpPr>
@@ -1725,6 +1548,7 @@
               <a:rPr lang="zh-CN" altLang="en-US"/>
               <a:t>单击此处编辑母版文本样式</a:t>
             </a:r>
+            <a:endParaRPr lang="zh-CN" altLang="en-US"/>
           </a:p>
           <a:p>
             <a:pPr lvl="1"/>
@@ -1732,6 +1556,7 @@
               <a:rPr lang="zh-CN" altLang="en-US"/>
               <a:t>二级</a:t>
             </a:r>
+            <a:endParaRPr lang="zh-CN" altLang="en-US"/>
           </a:p>
           <a:p>
             <a:pPr lvl="2"/>
@@ -1739,6 +1564,7 @@
               <a:rPr lang="zh-CN" altLang="en-US"/>
               <a:t>三级</a:t>
             </a:r>
+            <a:endParaRPr lang="zh-CN" altLang="en-US"/>
           </a:p>
           <a:p>
             <a:pPr lvl="3"/>
@@ -1746,6 +1572,7 @@
               <a:rPr lang="zh-CN" altLang="en-US"/>
               <a:t>四级</a:t>
             </a:r>
+            <a:endParaRPr lang="zh-CN" altLang="en-US"/>
           </a:p>
           <a:p>
             <a:pPr lvl="4"/>
@@ -1753,18 +1580,13 @@
               <a:rPr lang="zh-CN" altLang="en-US"/>
               <a:t>五级</a:t>
             </a:r>
+            <a:endParaRPr lang="zh-CN" altLang="en-US"/>
           </a:p>
         </p:txBody>
       </p:sp>
       <p:sp>
         <p:nvSpPr>
-          <p:cNvPr id="4" name="日期占位符 3">
-            <a:extLst>
-              <a:ext uri="{FF2B5EF4-FFF2-40B4-BE49-F238E27FC236}">
-                <a16:creationId xmlns:a16="http://schemas.microsoft.com/office/drawing/2014/main" id="{A877D4F8-94C7-449B-9FDD-5E1C0F6313CA}"/>
-              </a:ext>
-            </a:extLst>
-          </p:cNvPr>
+          <p:cNvPr id="4" name="日期占位符 3"/>
           <p:cNvSpPr>
             <a:spLocks noGrp="1"/>
           </p:cNvSpPr>
@@ -1797,7 +1619,6 @@
           <a:p>
             <a:fld id="{5AC361DE-562A-4F20-A86D-C55D14C1C43D}" type="datetimeFigureOut">
               <a:rPr lang="zh-CN" altLang="en-US" smtClean="0"/>
-              <a:t>2019/7/28</a:t>
             </a:fld>
             <a:endParaRPr lang="zh-CN" altLang="en-US"/>
           </a:p>
@@ -1805,13 +1626,7 @@
       </p:sp>
       <p:sp>
         <p:nvSpPr>
-          <p:cNvPr id="5" name="页脚占位符 4">
-            <a:extLst>
-              <a:ext uri="{FF2B5EF4-FFF2-40B4-BE49-F238E27FC236}">
-                <a16:creationId xmlns:a16="http://schemas.microsoft.com/office/drawing/2014/main" id="{62643D63-C9D1-4E4D-9305-A6DB87729901}"/>
-              </a:ext>
-            </a:extLst>
-          </p:cNvPr>
+          <p:cNvPr id="5" name="页脚占位符 4"/>
           <p:cNvSpPr>
             <a:spLocks noGrp="1"/>
           </p:cNvSpPr>
@@ -1848,13 +1663,7 @@
       </p:sp>
       <p:sp>
         <p:nvSpPr>
-          <p:cNvPr id="6" name="灯片编号占位符 5">
-            <a:extLst>
-              <a:ext uri="{FF2B5EF4-FFF2-40B4-BE49-F238E27FC236}">
-                <a16:creationId xmlns:a16="http://schemas.microsoft.com/office/drawing/2014/main" id="{40293E95-660D-4FC3-88FC-9B1BEE6C8997}"/>
-              </a:ext>
-            </a:extLst>
-          </p:cNvPr>
+          <p:cNvPr id="6" name="灯片编号占位符 5"/>
           <p:cNvSpPr>
             <a:spLocks noGrp="1"/>
           </p:cNvSpPr>
@@ -1887,26 +1696,20 @@
           <a:p>
             <a:fld id="{2193997A-E86B-4542-AED1-0107E1051B52}" type="slidenum">
               <a:rPr lang="zh-CN" altLang="en-US" smtClean="0"/>
-              <a:t>‹#›</a:t>
             </a:fld>
             <a:endParaRPr lang="zh-CN" altLang="en-US"/>
           </a:p>
         </p:txBody>
       </p:sp>
     </p:spTree>
-    <p:extLst>
-      <p:ext uri="{BB962C8B-B14F-4D97-AF65-F5344CB8AC3E}">
-        <p14:creationId xmlns:p14="http://schemas.microsoft.com/office/powerpoint/2010/main" val="1711444852"/>
-      </p:ext>
-    </p:extLst>
   </p:cSld>
   <p:clrMap bg1="lt1" tx1="dk1" bg2="lt2" tx2="dk2" accent1="accent1" accent2="accent2" accent3="accent3" accent4="accent4" accent5="accent5" accent6="accent6" hlink="hlink" folHlink="folHlink"/>
   <p:sldLayoutIdLst>
     <p:sldLayoutId id="2147483649" r:id="rId1"/>
     <p:sldLayoutId id="2147483650" r:id="rId2"/>
-    <p:sldLayoutId id="2147483652" r:id="rId3"/>
-    <p:sldLayoutId id="2147483654" r:id="rId4"/>
-    <p:sldLayoutId id="2147483655" r:id="rId5"/>
+    <p:sldLayoutId id="2147483651" r:id="rId3"/>
+    <p:sldLayoutId id="2147483652" r:id="rId4"/>
+    <p:sldLayoutId id="2147483653" r:id="rId5"/>
   </p:sldLayoutIdLst>
   <p:txStyles>
     <p:titleStyle>
@@ -1936,7 +1739,7 @@
         <a:spcBef>
           <a:spcPts val="1000"/>
         </a:spcBef>
-        <a:buFont typeface="Arial" panose="020B0604020202020204" pitchFamily="34" charset="0"/>
+        <a:buFont typeface="Arial" panose="02080604020202020204" pitchFamily="34" charset="0"/>
         <a:buChar char="•"/>
         <a:defRPr sz="2800" kern="1200">
           <a:solidFill>
@@ -1954,7 +1757,7 @@
         <a:spcBef>
           <a:spcPts val="500"/>
         </a:spcBef>
-        <a:buFont typeface="Arial" panose="020B0604020202020204" pitchFamily="34" charset="0"/>
+        <a:buFont typeface="Arial" panose="02080604020202020204" pitchFamily="34" charset="0"/>
         <a:buChar char="•"/>
         <a:defRPr sz="2400" kern="1200">
           <a:solidFill>
@@ -1972,7 +1775,7 @@
         <a:spcBef>
           <a:spcPts val="500"/>
         </a:spcBef>
-        <a:buFont typeface="Arial" panose="020B0604020202020204" pitchFamily="34" charset="0"/>
+        <a:buFont typeface="Arial" panose="02080604020202020204" pitchFamily="34" charset="0"/>
         <a:buChar char="•"/>
         <a:defRPr sz="2000" kern="1200">
           <a:solidFill>
@@ -1990,7 +1793,7 @@
         <a:spcBef>
           <a:spcPts val="500"/>
         </a:spcBef>
-        <a:buFont typeface="Arial" panose="020B0604020202020204" pitchFamily="34" charset="0"/>
+        <a:buFont typeface="Arial" panose="02080604020202020204" pitchFamily="34" charset="0"/>
         <a:buChar char="•"/>
         <a:defRPr sz="1800" kern="1200">
           <a:solidFill>
@@ -2008,7 +1811,7 @@
         <a:spcBef>
           <a:spcPts val="500"/>
         </a:spcBef>
-        <a:buFont typeface="Arial" panose="020B0604020202020204" pitchFamily="34" charset="0"/>
+        <a:buFont typeface="Arial" panose="02080604020202020204" pitchFamily="34" charset="0"/>
         <a:buChar char="•"/>
         <a:defRPr sz="1800" kern="1200">
           <a:solidFill>
@@ -2026,7 +1829,7 @@
         <a:spcBef>
           <a:spcPts val="500"/>
         </a:spcBef>
-        <a:buFont typeface="Arial" panose="020B0604020202020204" pitchFamily="34" charset="0"/>
+        <a:buFont typeface="Arial" panose="02080604020202020204" pitchFamily="34" charset="0"/>
         <a:buChar char="•"/>
         <a:defRPr sz="1800" kern="1200">
           <a:solidFill>
@@ -2044,7 +1847,7 @@
         <a:spcBef>
           <a:spcPts val="500"/>
         </a:spcBef>
-        <a:buFont typeface="Arial" panose="020B0604020202020204" pitchFamily="34" charset="0"/>
+        <a:buFont typeface="Arial" panose="02080604020202020204" pitchFamily="34" charset="0"/>
         <a:buChar char="•"/>
         <a:defRPr sz="1800" kern="1200">
           <a:solidFill>
@@ -2062,7 +1865,7 @@
         <a:spcBef>
           <a:spcPts val="500"/>
         </a:spcBef>
-        <a:buFont typeface="Arial" panose="020B0604020202020204" pitchFamily="34" charset="0"/>
+        <a:buFont typeface="Arial" panose="02080604020202020204" pitchFamily="34" charset="0"/>
         <a:buChar char="•"/>
         <a:defRPr sz="1800" kern="1200">
           <a:solidFill>
@@ -2080,7 +1883,7 @@
         <a:spcBef>
           <a:spcPts val="500"/>
         </a:spcBef>
-        <a:buFont typeface="Arial" panose="020B0604020202020204" pitchFamily="34" charset="0"/>
+        <a:buFont typeface="Arial" panose="02080604020202020204" pitchFamily="34" charset="0"/>
         <a:buChar char="•"/>
         <a:defRPr sz="1800" kern="1200">
           <a:solidFill>
@@ -2210,13 +2013,7 @@
       </p:grpSpPr>
       <p:sp>
         <p:nvSpPr>
-          <p:cNvPr id="2" name="标题 1">
-            <a:extLst>
-              <a:ext uri="{FF2B5EF4-FFF2-40B4-BE49-F238E27FC236}">
-                <a16:creationId xmlns:a16="http://schemas.microsoft.com/office/drawing/2014/main" id="{9B1EC4FD-0FC0-4E32-85D3-938B1BF8EE07}"/>
-              </a:ext>
-            </a:extLst>
-          </p:cNvPr>
+          <p:cNvPr id="2" name="标题 1"/>
           <p:cNvSpPr>
             <a:spLocks noGrp="1"/>
           </p:cNvSpPr>
@@ -2247,18 +2044,13 @@
               <a:rPr lang="zh-CN" altLang="en-US"/>
               <a:t>概述</a:t>
             </a:r>
+            <a:endParaRPr lang="zh-CN" altLang="en-US"/>
           </a:p>
         </p:txBody>
       </p:sp>
       <p:sp>
         <p:nvSpPr>
-          <p:cNvPr id="3" name="副标题 2">
-            <a:extLst>
-              <a:ext uri="{FF2B5EF4-FFF2-40B4-BE49-F238E27FC236}">
-                <a16:creationId xmlns:a16="http://schemas.microsoft.com/office/drawing/2014/main" id="{54118940-F1A8-4A12-8ED2-212A4C21C21B}"/>
-              </a:ext>
-            </a:extLst>
-          </p:cNvPr>
+          <p:cNvPr id="3" name="副标题 2"/>
           <p:cNvSpPr>
             <a:spLocks noGrp="1"/>
           </p:cNvSpPr>
@@ -2280,11 +2072,6 @@
         </p:txBody>
       </p:sp>
     </p:spTree>
-    <p:extLst>
-      <p:ext uri="{BB962C8B-B14F-4D97-AF65-F5344CB8AC3E}">
-        <p14:creationId xmlns:p14="http://schemas.microsoft.com/office/powerpoint/2010/main" val="1054673541"/>
-      </p:ext>
-    </p:extLst>
   </p:cSld>
   <p:clrMapOvr>
     <a:masterClrMapping/>
@@ -2311,13 +2098,7 @@
       </p:grpSpPr>
       <p:sp>
         <p:nvSpPr>
-          <p:cNvPr id="2" name="标题 1">
-            <a:extLst>
-              <a:ext uri="{FF2B5EF4-FFF2-40B4-BE49-F238E27FC236}">
-                <a16:creationId xmlns:a16="http://schemas.microsoft.com/office/drawing/2014/main" id="{A7DE1A29-883C-4D33-A58C-CF321F01E676}"/>
-              </a:ext>
-            </a:extLst>
-          </p:cNvPr>
+          <p:cNvPr id="2" name="标题 1"/>
           <p:cNvSpPr>
             <a:spLocks noGrp="1"/>
           </p:cNvSpPr>
@@ -2334,18 +2115,13 @@
               <a:rPr lang="zh-CN" altLang="en-US"/>
               <a:t>关闭文件</a:t>
             </a:r>
+            <a:endParaRPr lang="zh-CN" altLang="en-US"/>
           </a:p>
         </p:txBody>
       </p:sp>
       <p:sp>
         <p:nvSpPr>
-          <p:cNvPr id="3" name="内容占位符 2">
-            <a:extLst>
-              <a:ext uri="{FF2B5EF4-FFF2-40B4-BE49-F238E27FC236}">
-                <a16:creationId xmlns:a16="http://schemas.microsoft.com/office/drawing/2014/main" id="{F43D3B50-122E-4A86-AD8E-4DDCE0593EA7}"/>
-              </a:ext>
-            </a:extLst>
-          </p:cNvPr>
+          <p:cNvPr id="3" name="内容占位符 2"/>
           <p:cNvSpPr>
             <a:spLocks noGrp="1"/>
           </p:cNvSpPr>
@@ -2403,6 +2179,13 @@
               </a:rPr>
               <a:t>:</a:t>
             </a:r>
+            <a:endParaRPr lang="en-US" altLang="zh-CN">
+              <a:solidFill>
+                <a:schemeClr val="accent1">
+                  <a:lumMod val="75000"/>
+                </a:schemeClr>
+              </a:solidFill>
+            </a:endParaRPr>
           </a:p>
           <a:p>
             <a:pPr marL="0" indent="0">
@@ -2418,6 +2201,13 @@
               </a:rPr>
               <a:t>int close(int fd);</a:t>
             </a:r>
+            <a:endParaRPr lang="en-US" altLang="zh-CN">
+              <a:solidFill>
+                <a:schemeClr val="accent1">
+                  <a:lumMod val="75000"/>
+                </a:schemeClr>
+              </a:solidFill>
+            </a:endParaRPr>
           </a:p>
           <a:p>
             <a:pPr marL="0" indent="0">
@@ -2442,31 +2232,6 @@
                 </a:solidFill>
               </a:rPr>
               <a:t>:</a:t>
-            </a:r>
-          </a:p>
-          <a:p>
-            <a:pPr marL="0" indent="0">
-              <a:buNone/>
-            </a:pPr>
-            <a:r>
-              <a:rPr lang="en-US" altLang="zh-CN">
-                <a:solidFill>
-                  <a:schemeClr val="accent2">
-                    <a:lumMod val="75000"/>
-                  </a:schemeClr>
-                </a:solidFill>
-              </a:rPr>
-              <a:t>fd</a:t>
-            </a:r>
-            <a:r>
-              <a:rPr lang="zh-CN" altLang="en-US">
-                <a:solidFill>
-                  <a:schemeClr val="accent2">
-                    <a:lumMod val="75000"/>
-                  </a:schemeClr>
-                </a:solidFill>
-              </a:rPr>
-              <a:t>：文件描述符</a:t>
             </a:r>
             <a:endParaRPr lang="en-US" altLang="zh-CN">
               <a:solidFill>
@@ -2481,8 +2246,64 @@
               <a:buNone/>
             </a:pPr>
             <a:r>
+              <a:rPr lang="en-US" altLang="zh-CN">
+                <a:solidFill>
+                  <a:schemeClr val="accent2">
+                    <a:lumMod val="75000"/>
+                  </a:schemeClr>
+                </a:solidFill>
+              </a:rPr>
+              <a:t>fd</a:t>
+            </a:r>
+            <a:r>
               <a:rPr lang="zh-CN" altLang="en-US">
                 <a:solidFill>
+                  <a:schemeClr val="accent2">
+                    <a:lumMod val="75000"/>
+                  </a:schemeClr>
+                </a:solidFill>
+              </a:rPr>
+              <a:t>：文件描述符</a:t>
+            </a:r>
+            <a:endParaRPr lang="zh-CN" altLang="en-US">
+              <a:solidFill>
+                <a:schemeClr val="accent2">
+                  <a:lumMod val="75000"/>
+                </a:schemeClr>
+              </a:solidFill>
+            </a:endParaRPr>
+          </a:p>
+          <a:p>
+            <a:pPr marL="0" indent="0">
+              <a:buNone/>
+            </a:pPr>
+            <a:endParaRPr lang="zh-CN" altLang="en-US">
+              <a:solidFill>
+                <a:schemeClr val="accent2">
+                  <a:lumMod val="75000"/>
+                </a:schemeClr>
+              </a:solidFill>
+            </a:endParaRPr>
+          </a:p>
+          <a:p>
+            <a:pPr marL="0" indent="0">
+              <a:buNone/>
+            </a:pPr>
+            <a:endParaRPr lang="en-US" altLang="zh-CN">
+              <a:solidFill>
+                <a:schemeClr val="accent2">
+                  <a:lumMod val="75000"/>
+                </a:schemeClr>
+              </a:solidFill>
+            </a:endParaRPr>
+          </a:p>
+          <a:p>
+            <a:pPr marL="0" indent="0">
+              <a:buNone/>
+            </a:pPr>
+            <a:r>
+              <a:rPr lang="zh-CN" altLang="en-US">
+                <a:solidFill>
                   <a:schemeClr val="accent6">
                     <a:lumMod val="75000"/>
                   </a:schemeClr>
@@ -2500,6 +2321,13 @@
               </a:rPr>
               <a:t>:</a:t>
             </a:r>
+            <a:endParaRPr lang="en-US" altLang="zh-CN">
+              <a:solidFill>
+                <a:schemeClr val="accent6">
+                  <a:lumMod val="75000"/>
+                </a:schemeClr>
+              </a:solidFill>
+            </a:endParaRPr>
           </a:p>
           <a:p>
             <a:pPr marL="0" indent="0">
@@ -2545,6 +2373,13 @@
               </a:rPr>
               <a:t>:0</a:t>
             </a:r>
+            <a:endParaRPr lang="en-US" altLang="zh-CN">
+              <a:solidFill>
+                <a:schemeClr val="accent6">
+                  <a:lumMod val="75000"/>
+                </a:schemeClr>
+              </a:solidFill>
+            </a:endParaRPr>
           </a:p>
           <a:p>
             <a:pPr marL="0" indent="0">
@@ -2558,15 +2393,11 @@
               <a:rPr lang="en-US" altLang="zh-CN"/>
               <a:t>:&lt;unistd.h&gt;</a:t>
             </a:r>
+            <a:endParaRPr lang="en-US" altLang="zh-CN"/>
           </a:p>
         </p:txBody>
       </p:sp>
     </p:spTree>
-    <p:extLst>
-      <p:ext uri="{BB962C8B-B14F-4D97-AF65-F5344CB8AC3E}">
-        <p14:creationId xmlns:p14="http://schemas.microsoft.com/office/powerpoint/2010/main" val="2780092848"/>
-      </p:ext>
-    </p:extLst>
   </p:cSld>
   <p:clrMapOvr>
     <a:masterClrMapping/>
@@ -2593,13 +2424,7 @@
       </p:grpSpPr>
       <p:sp>
         <p:nvSpPr>
-          <p:cNvPr id="2" name="标题 1">
-            <a:extLst>
-              <a:ext uri="{FF2B5EF4-FFF2-40B4-BE49-F238E27FC236}">
-                <a16:creationId xmlns:a16="http://schemas.microsoft.com/office/drawing/2014/main" id="{A7DE1A29-883C-4D33-A58C-CF321F01E676}"/>
-              </a:ext>
-            </a:extLst>
-          </p:cNvPr>
+          <p:cNvPr id="2" name="标题 1"/>
           <p:cNvSpPr>
             <a:spLocks noGrp="1"/>
           </p:cNvSpPr>
@@ -2616,18 +2441,13 @@
               <a:rPr lang="zh-CN" altLang="en-US"/>
               <a:t>读取文件</a:t>
             </a:r>
+            <a:endParaRPr lang="zh-CN" altLang="en-US"/>
           </a:p>
         </p:txBody>
       </p:sp>
       <p:sp>
         <p:nvSpPr>
-          <p:cNvPr id="3" name="内容占位符 2">
-            <a:extLst>
-              <a:ext uri="{FF2B5EF4-FFF2-40B4-BE49-F238E27FC236}">
-                <a16:creationId xmlns:a16="http://schemas.microsoft.com/office/drawing/2014/main" id="{F43D3B50-122E-4A86-AD8E-4DDCE0593EA7}"/>
-              </a:ext>
-            </a:extLst>
-          </p:cNvPr>
+          <p:cNvPr id="3" name="内容占位符 2"/>
           <p:cNvSpPr>
             <a:spLocks noGrp="1"/>
           </p:cNvSpPr>
@@ -2685,6 +2505,13 @@
               </a:rPr>
               <a:t>:</a:t>
             </a:r>
+            <a:endParaRPr lang="en-US" altLang="zh-CN">
+              <a:solidFill>
+                <a:schemeClr val="accent1">
+                  <a:lumMod val="75000"/>
+                </a:schemeClr>
+              </a:solidFill>
+            </a:endParaRPr>
           </a:p>
           <a:p>
             <a:pPr marL="0" indent="0">
@@ -2700,6 +2527,13 @@
               </a:rPr>
               <a:t>int read(int fd,void *buf,size_t count);</a:t>
             </a:r>
+            <a:endParaRPr lang="en-US" altLang="zh-CN">
+              <a:solidFill>
+                <a:schemeClr val="accent1">
+                  <a:lumMod val="75000"/>
+                </a:schemeClr>
+              </a:solidFill>
+            </a:endParaRPr>
           </a:p>
           <a:p>
             <a:pPr marL="0" indent="0">
@@ -2724,81 +2558,6 @@
                 </a:solidFill>
               </a:rPr>
               <a:t>:</a:t>
-            </a:r>
-          </a:p>
-          <a:p>
-            <a:pPr marL="0" indent="0">
-              <a:buNone/>
-            </a:pPr>
-            <a:r>
-              <a:rPr lang="en-US" altLang="zh-CN">
-                <a:solidFill>
-                  <a:schemeClr val="accent2">
-                    <a:lumMod val="75000"/>
-                  </a:schemeClr>
-                </a:solidFill>
-              </a:rPr>
-              <a:t>fd</a:t>
-            </a:r>
-            <a:r>
-              <a:rPr lang="zh-CN" altLang="en-US">
-                <a:solidFill>
-                  <a:schemeClr val="accent2">
-                    <a:lumMod val="75000"/>
-                  </a:schemeClr>
-                </a:solidFill>
-              </a:rPr>
-              <a:t>：文件描述符</a:t>
-            </a:r>
-          </a:p>
-          <a:p>
-            <a:pPr marL="0" indent="0">
-              <a:buNone/>
-            </a:pPr>
-            <a:r>
-              <a:rPr lang="en-US" altLang="zh-CN">
-                <a:solidFill>
-                  <a:schemeClr val="accent2">
-                    <a:lumMod val="75000"/>
-                  </a:schemeClr>
-                </a:solidFill>
-              </a:rPr>
-              <a:t>buf</a:t>
-            </a:r>
-            <a:r>
-              <a:rPr lang="zh-CN" altLang="en-US">
-                <a:solidFill>
-                  <a:schemeClr val="accent2">
-                    <a:lumMod val="75000"/>
-                  </a:schemeClr>
-                </a:solidFill>
-              </a:rPr>
-              <a:t>：读取出的数据存放的缓冲区（内存地址）</a:t>
-            </a:r>
-          </a:p>
-          <a:p>
-            <a:pPr marL="0" indent="0">
-              <a:buNone/>
-            </a:pPr>
-            <a:r>
-              <a:rPr lang="en-US" altLang="zh-CN">
-                <a:solidFill>
-                  <a:schemeClr val="accent2">
-                    <a:lumMod val="75000"/>
-                  </a:schemeClr>
-                </a:solidFill>
-              </a:rPr>
-              <a:t>count</a:t>
-            </a:r>
-            <a:r>
-              <a:rPr lang="zh-CN" altLang="en-US">
-                <a:solidFill>
-                  <a:schemeClr val="accent2">
-                    <a:lumMod val="75000"/>
-                  </a:schemeClr>
-                </a:solidFill>
-              </a:rPr>
-              <a:t>：指定读取的字节数</a:t>
             </a:r>
             <a:endParaRPr lang="en-US" altLang="zh-CN">
               <a:solidFill>
@@ -2813,8 +2572,104 @@
               <a:buNone/>
             </a:pPr>
             <a:r>
+              <a:rPr lang="en-US" altLang="zh-CN">
+                <a:solidFill>
+                  <a:schemeClr val="accent2">
+                    <a:lumMod val="75000"/>
+                  </a:schemeClr>
+                </a:solidFill>
+              </a:rPr>
+              <a:t>fd</a:t>
+            </a:r>
+            <a:r>
               <a:rPr lang="zh-CN" altLang="en-US">
                 <a:solidFill>
+                  <a:schemeClr val="accent2">
+                    <a:lumMod val="75000"/>
+                  </a:schemeClr>
+                </a:solidFill>
+              </a:rPr>
+              <a:t>：文件描述符</a:t>
+            </a:r>
+            <a:endParaRPr lang="zh-CN" altLang="en-US">
+              <a:solidFill>
+                <a:schemeClr val="accent2">
+                  <a:lumMod val="75000"/>
+                </a:schemeClr>
+              </a:solidFill>
+            </a:endParaRPr>
+          </a:p>
+          <a:p>
+            <a:pPr marL="0" indent="0">
+              <a:buNone/>
+            </a:pPr>
+            <a:r>
+              <a:rPr lang="en-US" altLang="zh-CN">
+                <a:solidFill>
+                  <a:schemeClr val="accent2">
+                    <a:lumMod val="75000"/>
+                  </a:schemeClr>
+                </a:solidFill>
+              </a:rPr>
+              <a:t>buf</a:t>
+            </a:r>
+            <a:r>
+              <a:rPr lang="zh-CN" altLang="en-US">
+                <a:solidFill>
+                  <a:schemeClr val="accent2">
+                    <a:lumMod val="75000"/>
+                  </a:schemeClr>
+                </a:solidFill>
+              </a:rPr>
+              <a:t>：读取出的数据存放的缓冲区（内存地址）</a:t>
+            </a:r>
+            <a:endParaRPr lang="zh-CN" altLang="en-US">
+              <a:solidFill>
+                <a:schemeClr val="accent2">
+                  <a:lumMod val="75000"/>
+                </a:schemeClr>
+              </a:solidFill>
+            </a:endParaRPr>
+          </a:p>
+          <a:p>
+            <a:pPr marL="0" indent="0">
+              <a:buNone/>
+            </a:pPr>
+            <a:r>
+              <a:rPr lang="en-US" altLang="zh-CN">
+                <a:solidFill>
+                  <a:schemeClr val="accent2">
+                    <a:lumMod val="75000"/>
+                  </a:schemeClr>
+                </a:solidFill>
+              </a:rPr>
+              <a:t>count</a:t>
+            </a:r>
+            <a:r>
+              <a:rPr lang="zh-CN" altLang="en-US">
+                <a:solidFill>
+                  <a:schemeClr val="accent2">
+                    <a:lumMod val="75000"/>
+                  </a:schemeClr>
+                </a:solidFill>
+              </a:rPr>
+              <a:t>：指定读取的字节数</a:t>
+            </a:r>
+            <a:endParaRPr lang="en-US" altLang="zh-CN">
+              <a:solidFill>
+                <a:schemeClr val="accent2">
+                  <a:lumMod val="75000"/>
+                </a:schemeClr>
+              </a:solidFill>
+            </a:endParaRPr>
+          </a:p>
+          <a:p>
+            <a:pPr marL="0" indent="0">
+              <a:buNone/>
+            </a:pPr>
+            <a:r>
+              <a:rPr lang="zh-CN" altLang="en-US">
+                <a:solidFill>
                   <a:schemeClr val="accent6">
                     <a:lumMod val="75000"/>
                   </a:schemeClr>
@@ -2831,81 +2686,6 @@
                 </a:solidFill>
               </a:rPr>
               <a:t>:</a:t>
-            </a:r>
-          </a:p>
-          <a:p>
-            <a:pPr marL="0" indent="0">
-              <a:buNone/>
-            </a:pPr>
-            <a:r>
-              <a:rPr lang="zh-CN" altLang="en-US">
-                <a:solidFill>
-                  <a:schemeClr val="accent6">
-                    <a:lumMod val="75000"/>
-                  </a:schemeClr>
-                </a:solidFill>
-              </a:rPr>
-              <a:t>失败</a:t>
-            </a:r>
-            <a:r>
-              <a:rPr lang="en-US" altLang="zh-CN">
-                <a:solidFill>
-                  <a:schemeClr val="accent6">
-                    <a:lumMod val="75000"/>
-                  </a:schemeClr>
-                </a:solidFill>
-              </a:rPr>
-              <a:t>:-1/</a:t>
-            </a:r>
-            <a:r>
-              <a:rPr lang="zh-CN" altLang="en-US">
-                <a:solidFill>
-                  <a:schemeClr val="accent6">
-                    <a:lumMod val="75000"/>
-                  </a:schemeClr>
-                </a:solidFill>
-              </a:rPr>
-              <a:t>成功</a:t>
-            </a:r>
-            <a:r>
-              <a:rPr lang="en-US" altLang="zh-CN">
-                <a:solidFill>
-                  <a:schemeClr val="accent6">
-                    <a:lumMod val="75000"/>
-                  </a:schemeClr>
-                </a:solidFill>
-              </a:rPr>
-              <a:t>:</a:t>
-            </a:r>
-            <a:r>
-              <a:rPr lang="zh-CN" altLang="en-US">
-                <a:solidFill>
-                  <a:schemeClr val="accent6">
-                    <a:lumMod val="75000"/>
-                  </a:schemeClr>
-                </a:solidFill>
-              </a:rPr>
-              <a:t>读到的字节数或</a:t>
-            </a:r>
-            <a:r>
-              <a:rPr lang="en-US" altLang="zh-CN">
-                <a:solidFill>
-                  <a:schemeClr val="accent6">
-                    <a:lumMod val="75000"/>
-                  </a:schemeClr>
-                </a:solidFill>
-              </a:rPr>
-              <a:t>0</a:t>
-            </a:r>
-            <a:r>
-              <a:rPr lang="zh-CN" altLang="en-US">
-                <a:solidFill>
-                  <a:schemeClr val="accent6">
-                    <a:lumMod val="75000"/>
-                  </a:schemeClr>
-                </a:solidFill>
-              </a:rPr>
-              <a:t>（表示文件已结尾）</a:t>
             </a:r>
             <a:endParaRPr lang="en-US" altLang="zh-CN">
               <a:solidFill>
@@ -2920,6 +2700,88 @@
               <a:buNone/>
             </a:pPr>
             <a:r>
+              <a:rPr lang="zh-CN" altLang="en-US">
+                <a:solidFill>
+                  <a:schemeClr val="accent6">
+                    <a:lumMod val="75000"/>
+                  </a:schemeClr>
+                </a:solidFill>
+              </a:rPr>
+              <a:t>失败</a:t>
+            </a:r>
+            <a:r>
+              <a:rPr lang="en-US" altLang="zh-CN">
+                <a:solidFill>
+                  <a:schemeClr val="accent6">
+                    <a:lumMod val="75000"/>
+                  </a:schemeClr>
+                </a:solidFill>
+              </a:rPr>
+              <a:t>:-1/</a:t>
+            </a:r>
+            <a:r>
+              <a:rPr lang="zh-CN" altLang="en-US">
+                <a:solidFill>
+                  <a:schemeClr val="accent6">
+                    <a:lumMod val="75000"/>
+                  </a:schemeClr>
+                </a:solidFill>
+              </a:rPr>
+              <a:t>成功</a:t>
+            </a:r>
+            <a:r>
+              <a:rPr lang="en-US" altLang="zh-CN">
+                <a:solidFill>
+                  <a:schemeClr val="accent6">
+                    <a:lumMod val="75000"/>
+                  </a:schemeClr>
+                </a:solidFill>
+              </a:rPr>
+              <a:t>:</a:t>
+            </a:r>
+            <a:r>
+              <a:rPr lang="zh-CN" altLang="en-US">
+                <a:solidFill>
+                  <a:schemeClr val="accent6">
+                    <a:lumMod val="75000"/>
+                  </a:schemeClr>
+                </a:solidFill>
+              </a:rPr>
+              <a:t>读到的字节数或</a:t>
+            </a:r>
+            <a:r>
+              <a:rPr lang="en-US" altLang="zh-CN">
+                <a:solidFill>
+                  <a:schemeClr val="accent6">
+                    <a:lumMod val="75000"/>
+                  </a:schemeClr>
+                </a:solidFill>
+              </a:rPr>
+              <a:t>0</a:t>
+            </a:r>
+            <a:r>
+              <a:rPr lang="zh-CN" altLang="en-US">
+                <a:solidFill>
+                  <a:schemeClr val="accent6">
+                    <a:lumMod val="75000"/>
+                  </a:schemeClr>
+                </a:solidFill>
+              </a:rPr>
+              <a:t>（表示文件已结尾）</a:t>
+            </a:r>
+            <a:endParaRPr lang="en-US" altLang="zh-CN">
+              <a:solidFill>
+                <a:schemeClr val="accent6">
+                  <a:lumMod val="75000"/>
+                </a:schemeClr>
+              </a:solidFill>
+            </a:endParaRPr>
+          </a:p>
+          <a:p>
+            <a:pPr marL="0" indent="0">
+              <a:buNone/>
+            </a:pPr>
+            <a:r>
               <a:rPr lang="zh-CN" altLang="en-US"/>
               <a:t>头文件</a:t>
             </a:r>
@@ -2927,15 +2789,11 @@
               <a:rPr lang="en-US" altLang="zh-CN"/>
               <a:t>:&lt;unistd.h&gt;</a:t>
             </a:r>
+            <a:endParaRPr lang="en-US" altLang="zh-CN"/>
           </a:p>
         </p:txBody>
       </p:sp>
     </p:spTree>
-    <p:extLst>
-      <p:ext uri="{BB962C8B-B14F-4D97-AF65-F5344CB8AC3E}">
-        <p14:creationId xmlns:p14="http://schemas.microsoft.com/office/powerpoint/2010/main" val="2526587802"/>
-      </p:ext>
-    </p:extLst>
   </p:cSld>
   <p:clrMapOvr>
     <a:masterClrMapping/>
@@ -2962,13 +2820,7 @@
       </p:grpSpPr>
       <p:sp>
         <p:nvSpPr>
-          <p:cNvPr id="2" name="标题 1">
-            <a:extLst>
-              <a:ext uri="{FF2B5EF4-FFF2-40B4-BE49-F238E27FC236}">
-                <a16:creationId xmlns:a16="http://schemas.microsoft.com/office/drawing/2014/main" id="{A7DE1A29-883C-4D33-A58C-CF321F01E676}"/>
-              </a:ext>
-            </a:extLst>
-          </p:cNvPr>
+          <p:cNvPr id="2" name="标题 1"/>
           <p:cNvSpPr>
             <a:spLocks noGrp="1"/>
           </p:cNvSpPr>
@@ -2985,18 +2837,13 @@
               <a:rPr lang="zh-CN" altLang="en-US"/>
               <a:t>写入文件</a:t>
             </a:r>
+            <a:endParaRPr lang="zh-CN" altLang="en-US"/>
           </a:p>
         </p:txBody>
       </p:sp>
       <p:sp>
         <p:nvSpPr>
-          <p:cNvPr id="3" name="内容占位符 2">
-            <a:extLst>
-              <a:ext uri="{FF2B5EF4-FFF2-40B4-BE49-F238E27FC236}">
-                <a16:creationId xmlns:a16="http://schemas.microsoft.com/office/drawing/2014/main" id="{F43D3B50-122E-4A86-AD8E-4DDCE0593EA7}"/>
-              </a:ext>
-            </a:extLst>
-          </p:cNvPr>
+          <p:cNvPr id="3" name="内容占位符 2"/>
           <p:cNvSpPr>
             <a:spLocks noGrp="1"/>
           </p:cNvSpPr>
@@ -3054,6 +2901,13 @@
               </a:rPr>
               <a:t>:</a:t>
             </a:r>
+            <a:endParaRPr lang="en-US" altLang="zh-CN">
+              <a:solidFill>
+                <a:schemeClr val="accent1">
+                  <a:lumMod val="75000"/>
+                </a:schemeClr>
+              </a:solidFill>
+            </a:endParaRPr>
           </a:p>
           <a:p>
             <a:pPr marL="0" indent="0">
@@ -3069,6 +2923,13 @@
               </a:rPr>
               <a:t>ssize_t write(int fd,void *buf,size_t count);</a:t>
             </a:r>
+            <a:endParaRPr lang="en-US" altLang="zh-CN">
+              <a:solidFill>
+                <a:schemeClr val="accent1">
+                  <a:lumMod val="75000"/>
+                </a:schemeClr>
+              </a:solidFill>
+            </a:endParaRPr>
           </a:p>
           <a:p>
             <a:pPr marL="0" indent="0">
@@ -3093,81 +2954,6 @@
                 </a:solidFill>
               </a:rPr>
               <a:t>:</a:t>
-            </a:r>
-          </a:p>
-          <a:p>
-            <a:pPr marL="0" indent="0">
-              <a:buNone/>
-            </a:pPr>
-            <a:r>
-              <a:rPr lang="en-US" altLang="zh-CN">
-                <a:solidFill>
-                  <a:schemeClr val="accent2">
-                    <a:lumMod val="75000"/>
-                  </a:schemeClr>
-                </a:solidFill>
-              </a:rPr>
-              <a:t>fd</a:t>
-            </a:r>
-            <a:r>
-              <a:rPr lang="zh-CN" altLang="en-US">
-                <a:solidFill>
-                  <a:schemeClr val="accent2">
-                    <a:lumMod val="75000"/>
-                  </a:schemeClr>
-                </a:solidFill>
-              </a:rPr>
-              <a:t>：文件描述符</a:t>
-            </a:r>
-          </a:p>
-          <a:p>
-            <a:pPr marL="0" indent="0">
-              <a:buNone/>
-            </a:pPr>
-            <a:r>
-              <a:rPr lang="en-US" altLang="zh-CN">
-                <a:solidFill>
-                  <a:schemeClr val="accent2">
-                    <a:lumMod val="75000"/>
-                  </a:schemeClr>
-                </a:solidFill>
-              </a:rPr>
-              <a:t>buf</a:t>
-            </a:r>
-            <a:r>
-              <a:rPr lang="zh-CN" altLang="en-US">
-                <a:solidFill>
-                  <a:schemeClr val="accent2">
-                    <a:lumMod val="75000"/>
-                  </a:schemeClr>
-                </a:solidFill>
-              </a:rPr>
-              <a:t>：待写入的数据存放的缓冲区</a:t>
-            </a:r>
-          </a:p>
-          <a:p>
-            <a:pPr marL="0" indent="0">
-              <a:buNone/>
-            </a:pPr>
-            <a:r>
-              <a:rPr lang="en-US" altLang="zh-CN">
-                <a:solidFill>
-                  <a:schemeClr val="accent2">
-                    <a:lumMod val="75000"/>
-                  </a:schemeClr>
-                </a:solidFill>
-              </a:rPr>
-              <a:t>count</a:t>
-            </a:r>
-            <a:r>
-              <a:rPr lang="zh-CN" altLang="en-US">
-                <a:solidFill>
-                  <a:schemeClr val="accent2">
-                    <a:lumMod val="75000"/>
-                  </a:schemeClr>
-                </a:solidFill>
-              </a:rPr>
-              <a:t>：指定写入的字节数</a:t>
             </a:r>
             <a:endParaRPr lang="en-US" altLang="zh-CN">
               <a:solidFill>
@@ -3182,8 +2968,104 @@
               <a:buNone/>
             </a:pPr>
             <a:r>
+              <a:rPr lang="en-US" altLang="zh-CN">
+                <a:solidFill>
+                  <a:schemeClr val="accent2">
+                    <a:lumMod val="75000"/>
+                  </a:schemeClr>
+                </a:solidFill>
+              </a:rPr>
+              <a:t>fd</a:t>
+            </a:r>
+            <a:r>
               <a:rPr lang="zh-CN" altLang="en-US">
                 <a:solidFill>
+                  <a:schemeClr val="accent2">
+                    <a:lumMod val="75000"/>
+                  </a:schemeClr>
+                </a:solidFill>
+              </a:rPr>
+              <a:t>：文件描述符</a:t>
+            </a:r>
+            <a:endParaRPr lang="zh-CN" altLang="en-US">
+              <a:solidFill>
+                <a:schemeClr val="accent2">
+                  <a:lumMod val="75000"/>
+                </a:schemeClr>
+              </a:solidFill>
+            </a:endParaRPr>
+          </a:p>
+          <a:p>
+            <a:pPr marL="0" indent="0">
+              <a:buNone/>
+            </a:pPr>
+            <a:r>
+              <a:rPr lang="en-US" altLang="zh-CN">
+                <a:solidFill>
+                  <a:schemeClr val="accent2">
+                    <a:lumMod val="75000"/>
+                  </a:schemeClr>
+                </a:solidFill>
+              </a:rPr>
+              <a:t>buf</a:t>
+            </a:r>
+            <a:r>
+              <a:rPr lang="zh-CN" altLang="en-US">
+                <a:solidFill>
+                  <a:schemeClr val="accent2">
+                    <a:lumMod val="75000"/>
+                  </a:schemeClr>
+                </a:solidFill>
+              </a:rPr>
+              <a:t>：待写入的数据存放的缓冲区</a:t>
+            </a:r>
+            <a:endParaRPr lang="zh-CN" altLang="en-US">
+              <a:solidFill>
+                <a:schemeClr val="accent2">
+                  <a:lumMod val="75000"/>
+                </a:schemeClr>
+              </a:solidFill>
+            </a:endParaRPr>
+          </a:p>
+          <a:p>
+            <a:pPr marL="0" indent="0">
+              <a:buNone/>
+            </a:pPr>
+            <a:r>
+              <a:rPr lang="en-US" altLang="zh-CN">
+                <a:solidFill>
+                  <a:schemeClr val="accent2">
+                    <a:lumMod val="75000"/>
+                  </a:schemeClr>
+                </a:solidFill>
+              </a:rPr>
+              <a:t>count</a:t>
+            </a:r>
+            <a:r>
+              <a:rPr lang="zh-CN" altLang="en-US">
+                <a:solidFill>
+                  <a:schemeClr val="accent2">
+                    <a:lumMod val="75000"/>
+                  </a:schemeClr>
+                </a:solidFill>
+              </a:rPr>
+              <a:t>：指定写入的字节数</a:t>
+            </a:r>
+            <a:endParaRPr lang="en-US" altLang="zh-CN">
+              <a:solidFill>
+                <a:schemeClr val="accent2">
+                  <a:lumMod val="75000"/>
+                </a:schemeClr>
+              </a:solidFill>
+            </a:endParaRPr>
+          </a:p>
+          <a:p>
+            <a:pPr marL="0" indent="0">
+              <a:buNone/>
+            </a:pPr>
+            <a:r>
+              <a:rPr lang="zh-CN" altLang="en-US">
+                <a:solidFill>
                   <a:schemeClr val="accent6">
                     <a:lumMod val="75000"/>
                   </a:schemeClr>
@@ -3200,61 +3082,6 @@
                 </a:solidFill>
               </a:rPr>
               <a:t>:</a:t>
-            </a:r>
-          </a:p>
-          <a:p>
-            <a:pPr marL="0" indent="0">
-              <a:buNone/>
-            </a:pPr>
-            <a:r>
-              <a:rPr lang="zh-CN" altLang="en-US">
-                <a:solidFill>
-                  <a:schemeClr val="accent6">
-                    <a:lumMod val="75000"/>
-                  </a:schemeClr>
-                </a:solidFill>
-              </a:rPr>
-              <a:t>失败</a:t>
-            </a:r>
-            <a:r>
-              <a:rPr lang="en-US" altLang="zh-CN">
-                <a:solidFill>
-                  <a:schemeClr val="accent6">
-                    <a:lumMod val="75000"/>
-                  </a:schemeClr>
-                </a:solidFill>
-              </a:rPr>
-              <a:t>:-1/</a:t>
-            </a:r>
-            <a:r>
-              <a:rPr lang="zh-CN" altLang="en-US">
-                <a:solidFill>
-                  <a:schemeClr val="accent6">
-                    <a:lumMod val="75000"/>
-                  </a:schemeClr>
-                </a:solidFill>
-              </a:rPr>
-              <a:t>成功</a:t>
-            </a:r>
-            <a:r>
-              <a:rPr lang="en-US" altLang="zh-CN">
-                <a:solidFill>
-                  <a:schemeClr val="accent6">
-                    <a:lumMod val="75000"/>
-                  </a:schemeClr>
-                </a:solidFill>
-              </a:rPr>
-              <a:t>:</a:t>
-            </a:r>
-            <a:r>
-              <a:rPr lang="zh-CN" altLang="en-US">
-                <a:solidFill>
-                  <a:schemeClr val="accent6">
-                    <a:lumMod val="75000"/>
-                  </a:schemeClr>
-                </a:solidFill>
-              </a:rPr>
-              <a:t>已写的字节数</a:t>
             </a:r>
             <a:endParaRPr lang="en-US" altLang="zh-CN">
               <a:solidFill>
@@ -3269,6 +3096,68 @@
               <a:buNone/>
             </a:pPr>
             <a:r>
+              <a:rPr lang="zh-CN" altLang="en-US">
+                <a:solidFill>
+                  <a:schemeClr val="accent6">
+                    <a:lumMod val="75000"/>
+                  </a:schemeClr>
+                </a:solidFill>
+              </a:rPr>
+              <a:t>失败</a:t>
+            </a:r>
+            <a:r>
+              <a:rPr lang="en-US" altLang="zh-CN">
+                <a:solidFill>
+                  <a:schemeClr val="accent6">
+                    <a:lumMod val="75000"/>
+                  </a:schemeClr>
+                </a:solidFill>
+              </a:rPr>
+              <a:t>:-1/</a:t>
+            </a:r>
+            <a:r>
+              <a:rPr lang="zh-CN" altLang="en-US">
+                <a:solidFill>
+                  <a:schemeClr val="accent6">
+                    <a:lumMod val="75000"/>
+                  </a:schemeClr>
+                </a:solidFill>
+              </a:rPr>
+              <a:t>成功</a:t>
+            </a:r>
+            <a:r>
+              <a:rPr lang="en-US" altLang="zh-CN">
+                <a:solidFill>
+                  <a:schemeClr val="accent6">
+                    <a:lumMod val="75000"/>
+                  </a:schemeClr>
+                </a:solidFill>
+              </a:rPr>
+              <a:t>:</a:t>
+            </a:r>
+            <a:r>
+              <a:rPr lang="zh-CN" altLang="en-US">
+                <a:solidFill>
+                  <a:schemeClr val="accent6">
+                    <a:lumMod val="75000"/>
+                  </a:schemeClr>
+                </a:solidFill>
+              </a:rPr>
+              <a:t>已写的字节数</a:t>
+            </a:r>
+            <a:endParaRPr lang="en-US" altLang="zh-CN">
+              <a:solidFill>
+                <a:schemeClr val="accent6">
+                  <a:lumMod val="75000"/>
+                </a:schemeClr>
+              </a:solidFill>
+            </a:endParaRPr>
+          </a:p>
+          <a:p>
+            <a:pPr marL="0" indent="0">
+              <a:buNone/>
+            </a:pPr>
+            <a:r>
               <a:rPr lang="zh-CN" altLang="en-US"/>
               <a:t>头文件</a:t>
             </a:r>
@@ -3276,15 +3165,11 @@
               <a:rPr lang="en-US" altLang="zh-CN"/>
               <a:t>:&lt;unistd.h&gt;</a:t>
             </a:r>
+            <a:endParaRPr lang="en-US" altLang="zh-CN"/>
           </a:p>
         </p:txBody>
       </p:sp>
     </p:spTree>
-    <p:extLst>
-      <p:ext uri="{BB962C8B-B14F-4D97-AF65-F5344CB8AC3E}">
-        <p14:creationId xmlns:p14="http://schemas.microsoft.com/office/powerpoint/2010/main" val="345318648"/>
-      </p:ext>
-    </p:extLst>
   </p:cSld>
   <p:clrMapOvr>
     <a:masterClrMapping/>
@@ -3311,13 +3196,7 @@
       </p:grpSpPr>
       <p:sp>
         <p:nvSpPr>
-          <p:cNvPr id="2" name="标题 1">
-            <a:extLst>
-              <a:ext uri="{FF2B5EF4-FFF2-40B4-BE49-F238E27FC236}">
-                <a16:creationId xmlns:a16="http://schemas.microsoft.com/office/drawing/2014/main" id="{A7DE1A29-883C-4D33-A58C-CF321F01E676}"/>
-              </a:ext>
-            </a:extLst>
-          </p:cNvPr>
+          <p:cNvPr id="2" name="标题 1"/>
           <p:cNvSpPr>
             <a:spLocks noGrp="1"/>
           </p:cNvSpPr>
@@ -3334,18 +3213,13 @@
               <a:rPr lang="zh-CN" altLang="en-US"/>
               <a:t>文件定位</a:t>
             </a:r>
+            <a:endParaRPr lang="zh-CN" altLang="en-US"/>
           </a:p>
         </p:txBody>
       </p:sp>
       <p:sp>
         <p:nvSpPr>
-          <p:cNvPr id="3" name="内容占位符 2">
-            <a:extLst>
-              <a:ext uri="{FF2B5EF4-FFF2-40B4-BE49-F238E27FC236}">
-                <a16:creationId xmlns:a16="http://schemas.microsoft.com/office/drawing/2014/main" id="{F43D3B50-122E-4A86-AD8E-4DDCE0593EA7}"/>
-              </a:ext>
-            </a:extLst>
-          </p:cNvPr>
+          <p:cNvPr id="3" name="内容占位符 2"/>
           <p:cNvSpPr>
             <a:spLocks noGrp="1"/>
           </p:cNvSpPr>
@@ -3403,6 +3277,13 @@
               </a:rPr>
               <a:t>:</a:t>
             </a:r>
+            <a:endParaRPr lang="en-US" altLang="zh-CN">
+              <a:solidFill>
+                <a:schemeClr val="accent1">
+                  <a:lumMod val="75000"/>
+                </a:schemeClr>
+              </a:solidFill>
+            </a:endParaRPr>
           </a:p>
           <a:p>
             <a:pPr marL="0" indent="0">
@@ -3418,6 +3299,13 @@
               </a:rPr>
               <a:t>off_t lseek(int fd,off_t offset,int whence);</a:t>
             </a:r>
+            <a:endParaRPr lang="en-US" altLang="zh-CN">
+              <a:solidFill>
+                <a:schemeClr val="accent1">
+                  <a:lumMod val="75000"/>
+                </a:schemeClr>
+              </a:solidFill>
+            </a:endParaRPr>
           </a:p>
           <a:p>
             <a:pPr marL="0" indent="0">
@@ -3442,76 +3330,6 @@
                 </a:solidFill>
               </a:rPr>
               <a:t>:</a:t>
-            </a:r>
-          </a:p>
-          <a:p>
-            <a:pPr marL="0" indent="0">
-              <a:buNone/>
-            </a:pPr>
-            <a:r>
-              <a:rPr lang="en-US" altLang="zh-CN">
-                <a:solidFill>
-                  <a:schemeClr val="accent2">
-                    <a:lumMod val="75000"/>
-                  </a:schemeClr>
-                </a:solidFill>
-              </a:rPr>
-              <a:t>fd</a:t>
-            </a:r>
-            <a:r>
-              <a:rPr lang="zh-CN" altLang="en-US">
-                <a:solidFill>
-                  <a:schemeClr val="accent2">
-                    <a:lumMod val="75000"/>
-                  </a:schemeClr>
-                </a:solidFill>
-              </a:rPr>
-              <a:t>：文件描述符</a:t>
-            </a:r>
-          </a:p>
-          <a:p>
-            <a:pPr marL="0" indent="0">
-              <a:buNone/>
-            </a:pPr>
-            <a:r>
-              <a:rPr lang="en-US" altLang="zh-CN">
-                <a:solidFill>
-                  <a:schemeClr val="accent2">
-                    <a:lumMod val="75000"/>
-                  </a:schemeClr>
-                </a:solidFill>
-              </a:rPr>
-              <a:t>offset</a:t>
-            </a:r>
-            <a:r>
-              <a:rPr lang="zh-CN" altLang="en-US">
-                <a:solidFill>
-                  <a:schemeClr val="accent2">
-                    <a:lumMod val="75000"/>
-                  </a:schemeClr>
-                </a:solidFill>
-              </a:rPr>
-              <a:t>：相对于基准点</a:t>
-            </a:r>
-            <a:r>
-              <a:rPr lang="en-US" altLang="zh-CN">
-                <a:solidFill>
-                  <a:schemeClr val="accent2">
-                    <a:lumMod val="75000"/>
-                  </a:schemeClr>
-                </a:solidFill>
-              </a:rPr>
-              <a:t>whence</a:t>
-            </a:r>
-            <a:r>
-              <a:rPr lang="zh-CN" altLang="en-US">
-                <a:solidFill>
-                  <a:schemeClr val="accent2">
-                    <a:lumMod val="75000"/>
-                  </a:schemeClr>
-                </a:solidFill>
-              </a:rPr>
-              <a:t>的偏移量</a:t>
             </a:r>
             <a:endParaRPr lang="en-US" altLang="zh-CN">
               <a:solidFill>
@@ -3533,6 +3351,58 @@
                   </a:schemeClr>
                 </a:solidFill>
               </a:rPr>
+              <a:t>fd</a:t>
+            </a:r>
+            <a:r>
+              <a:rPr lang="zh-CN" altLang="en-US">
+                <a:solidFill>
+                  <a:schemeClr val="accent2">
+                    <a:lumMod val="75000"/>
+                  </a:schemeClr>
+                </a:solidFill>
+              </a:rPr>
+              <a:t>：文件描述符</a:t>
+            </a:r>
+            <a:endParaRPr lang="zh-CN" altLang="en-US">
+              <a:solidFill>
+                <a:schemeClr val="accent2">
+                  <a:lumMod val="75000"/>
+                </a:schemeClr>
+              </a:solidFill>
+            </a:endParaRPr>
+          </a:p>
+          <a:p>
+            <a:pPr marL="0" indent="0">
+              <a:buNone/>
+            </a:pPr>
+            <a:r>
+              <a:rPr lang="en-US" altLang="zh-CN">
+                <a:solidFill>
+                  <a:schemeClr val="accent2">
+                    <a:lumMod val="75000"/>
+                  </a:schemeClr>
+                </a:solidFill>
+              </a:rPr>
+              <a:t>offset</a:t>
+            </a:r>
+            <a:r>
+              <a:rPr lang="zh-CN" altLang="en-US">
+                <a:solidFill>
+                  <a:schemeClr val="accent2">
+                    <a:lumMod val="75000"/>
+                  </a:schemeClr>
+                </a:solidFill>
+              </a:rPr>
+              <a:t>：相对于基准点</a:t>
+            </a:r>
+            <a:r>
+              <a:rPr lang="en-US" altLang="zh-CN">
+                <a:solidFill>
+                  <a:schemeClr val="accent2">
+                    <a:lumMod val="75000"/>
+                  </a:schemeClr>
+                </a:solidFill>
+              </a:rPr>
               <a:t>whence</a:t>
             </a:r>
             <a:r>
@@ -3543,7 +3413,7 @@
                   </a:schemeClr>
                 </a:solidFill>
               </a:rPr>
-              <a:t>：基准点</a:t>
+              <a:t>的偏移量</a:t>
             </a:r>
             <a:endParaRPr lang="en-US" altLang="zh-CN">
               <a:solidFill>
@@ -3558,8 +3428,40 @@
               <a:buNone/>
             </a:pPr>
             <a:r>
+              <a:rPr lang="en-US" altLang="zh-CN">
+                <a:solidFill>
+                  <a:schemeClr val="accent2">
+                    <a:lumMod val="75000"/>
+                  </a:schemeClr>
+                </a:solidFill>
+              </a:rPr>
+              <a:t>whence</a:t>
+            </a:r>
+            <a:r>
               <a:rPr lang="zh-CN" altLang="en-US">
                 <a:solidFill>
+                  <a:schemeClr val="accent2">
+                    <a:lumMod val="75000"/>
+                  </a:schemeClr>
+                </a:solidFill>
+              </a:rPr>
+              <a:t>：基准点</a:t>
+            </a:r>
+            <a:endParaRPr lang="en-US" altLang="zh-CN">
+              <a:solidFill>
+                <a:schemeClr val="accent2">
+                  <a:lumMod val="75000"/>
+                </a:schemeClr>
+              </a:solidFill>
+            </a:endParaRPr>
+          </a:p>
+          <a:p>
+            <a:pPr marL="0" indent="0">
+              <a:buNone/>
+            </a:pPr>
+            <a:r>
+              <a:rPr lang="zh-CN" altLang="en-US">
+                <a:solidFill>
                   <a:schemeClr val="accent6">
                     <a:lumMod val="75000"/>
                   </a:schemeClr>
@@ -3576,61 +3478,6 @@
                 </a:solidFill>
               </a:rPr>
               <a:t>:</a:t>
-            </a:r>
-          </a:p>
-          <a:p>
-            <a:pPr marL="0" indent="0">
-              <a:buNone/>
-            </a:pPr>
-            <a:r>
-              <a:rPr lang="zh-CN" altLang="en-US">
-                <a:solidFill>
-                  <a:schemeClr val="accent6">
-                    <a:lumMod val="75000"/>
-                  </a:schemeClr>
-                </a:solidFill>
-              </a:rPr>
-              <a:t>失败</a:t>
-            </a:r>
-            <a:r>
-              <a:rPr lang="en-US" altLang="zh-CN">
-                <a:solidFill>
-                  <a:schemeClr val="accent6">
-                    <a:lumMod val="75000"/>
-                  </a:schemeClr>
-                </a:solidFill>
-              </a:rPr>
-              <a:t>:-1/</a:t>
-            </a:r>
-            <a:r>
-              <a:rPr lang="zh-CN" altLang="en-US">
-                <a:solidFill>
-                  <a:schemeClr val="accent6">
-                    <a:lumMod val="75000"/>
-                  </a:schemeClr>
-                </a:solidFill>
-              </a:rPr>
-              <a:t>成功</a:t>
-            </a:r>
-            <a:r>
-              <a:rPr lang="en-US" altLang="zh-CN">
-                <a:solidFill>
-                  <a:schemeClr val="accent6">
-                    <a:lumMod val="75000"/>
-                  </a:schemeClr>
-                </a:solidFill>
-              </a:rPr>
-              <a:t>:</a:t>
-            </a:r>
-            <a:r>
-              <a:rPr lang="zh-CN" altLang="en-US">
-                <a:solidFill>
-                  <a:schemeClr val="accent6">
-                    <a:lumMod val="75000"/>
-                  </a:schemeClr>
-                </a:solidFill>
-              </a:rPr>
-              <a:t>已写的字节数</a:t>
             </a:r>
             <a:endParaRPr lang="en-US" altLang="zh-CN">
               <a:solidFill>
@@ -3645,6 +3492,68 @@
               <a:buNone/>
             </a:pPr>
             <a:r>
+              <a:rPr lang="zh-CN" altLang="en-US">
+                <a:solidFill>
+                  <a:schemeClr val="accent6">
+                    <a:lumMod val="75000"/>
+                  </a:schemeClr>
+                </a:solidFill>
+              </a:rPr>
+              <a:t>失败</a:t>
+            </a:r>
+            <a:r>
+              <a:rPr lang="en-US" altLang="zh-CN">
+                <a:solidFill>
+                  <a:schemeClr val="accent6">
+                    <a:lumMod val="75000"/>
+                  </a:schemeClr>
+                </a:solidFill>
+              </a:rPr>
+              <a:t>:-1/</a:t>
+            </a:r>
+            <a:r>
+              <a:rPr lang="zh-CN" altLang="en-US">
+                <a:solidFill>
+                  <a:schemeClr val="accent6">
+                    <a:lumMod val="75000"/>
+                  </a:schemeClr>
+                </a:solidFill>
+              </a:rPr>
+              <a:t>成功</a:t>
+            </a:r>
+            <a:r>
+              <a:rPr lang="en-US" altLang="zh-CN">
+                <a:solidFill>
+                  <a:schemeClr val="accent6">
+                    <a:lumMod val="75000"/>
+                  </a:schemeClr>
+                </a:solidFill>
+              </a:rPr>
+              <a:t>:</a:t>
+            </a:r>
+            <a:r>
+              <a:rPr lang="zh-CN" altLang="en-US">
+                <a:solidFill>
+                  <a:schemeClr val="accent6">
+                    <a:lumMod val="75000"/>
+                  </a:schemeClr>
+                </a:solidFill>
+              </a:rPr>
+              <a:t>已写的字节数</a:t>
+            </a:r>
+            <a:endParaRPr lang="en-US" altLang="zh-CN">
+              <a:solidFill>
+                <a:schemeClr val="accent6">
+                  <a:lumMod val="75000"/>
+                </a:schemeClr>
+              </a:solidFill>
+            </a:endParaRPr>
+          </a:p>
+          <a:p>
+            <a:pPr marL="0" indent="0">
+              <a:buNone/>
+            </a:pPr>
+            <a:r>
               <a:rPr lang="zh-CN" altLang="en-US"/>
               <a:t>头文件</a:t>
             </a:r>
@@ -3652,15 +3561,11 @@
               <a:rPr lang="en-US" altLang="zh-CN"/>
               <a:t>:&lt;unistd.h&gt;&lt;sys/types.h&gt;</a:t>
             </a:r>
+            <a:endParaRPr lang="en-US" altLang="zh-CN"/>
           </a:p>
         </p:txBody>
       </p:sp>
     </p:spTree>
-    <p:extLst>
-      <p:ext uri="{BB962C8B-B14F-4D97-AF65-F5344CB8AC3E}">
-        <p14:creationId xmlns:p14="http://schemas.microsoft.com/office/powerpoint/2010/main" val="2108434971"/>
-      </p:ext>
-    </p:extLst>
   </p:cSld>
   <p:clrMapOvr>
     <a:masterClrMapping/>
@@ -3687,13 +3592,7 @@
       </p:grpSpPr>
       <p:sp>
         <p:nvSpPr>
-          <p:cNvPr id="2" name="标题 1">
-            <a:extLst>
-              <a:ext uri="{FF2B5EF4-FFF2-40B4-BE49-F238E27FC236}">
-                <a16:creationId xmlns:a16="http://schemas.microsoft.com/office/drawing/2014/main" id="{4A928BFD-E24D-4C06-93ED-04832F76C82E}"/>
-              </a:ext>
-            </a:extLst>
-          </p:cNvPr>
+          <p:cNvPr id="2" name="标题 1"/>
           <p:cNvSpPr>
             <a:spLocks noGrp="1"/>
           </p:cNvSpPr>
@@ -3718,18 +3617,13 @@
               <a:rPr lang="zh-CN" altLang="en-US"/>
               <a:t>基准点所用常量</a:t>
             </a:r>
+            <a:endParaRPr lang="zh-CN" altLang="en-US"/>
           </a:p>
         </p:txBody>
       </p:sp>
       <p:sp>
         <p:nvSpPr>
-          <p:cNvPr id="3" name="内容占位符 2">
-            <a:extLst>
-              <a:ext uri="{FF2B5EF4-FFF2-40B4-BE49-F238E27FC236}">
-                <a16:creationId xmlns:a16="http://schemas.microsoft.com/office/drawing/2014/main" id="{86B635BE-34C0-48D1-872C-7C6ABC1571F7}"/>
-              </a:ext>
-            </a:extLst>
-          </p:cNvPr>
+          <p:cNvPr id="3" name="内容占位符 2"/>
           <p:cNvSpPr>
             <a:spLocks noGrp="1"/>
           </p:cNvSpPr>
@@ -3787,6 +3681,7 @@
               <a:rPr lang="zh-CN" altLang="en-US"/>
               <a:t>操作。</a:t>
             </a:r>
+            <a:endParaRPr lang="zh-CN" altLang="en-US"/>
           </a:p>
           <a:p>
             <a:pPr marL="0" indent="0">
@@ -3826,28 +3721,17 @@
               <a:rPr lang="zh-CN" altLang="en-US"/>
               <a:t>函数。</a:t>
             </a:r>
+            <a:endParaRPr lang="zh-CN" altLang="en-US"/>
           </a:p>
         </p:txBody>
       </p:sp>
       <p:graphicFrame>
         <p:nvGraphicFramePr>
-          <p:cNvPr id="4" name="表格 3">
-            <a:extLst>
-              <a:ext uri="{FF2B5EF4-FFF2-40B4-BE49-F238E27FC236}">
-                <a16:creationId xmlns:a16="http://schemas.microsoft.com/office/drawing/2014/main" id="{1F875504-E21D-477C-8696-E0A7352939A6}"/>
-              </a:ext>
-            </a:extLst>
-          </p:cNvPr>
+          <p:cNvPr id="4" name="表格 3"/>
           <p:cNvGraphicFramePr>
             <a:graphicFrameLocks noGrp="1"/>
           </p:cNvGraphicFramePr>
-          <p:nvPr>
-            <p:extLst>
-              <p:ext uri="{D42A27DB-BD31-4B8C-83A1-F6EECF244321}">
-                <p14:modId xmlns:p14="http://schemas.microsoft.com/office/powerpoint/2010/main" val="3274611627"/>
-              </p:ext>
-            </p:extLst>
-          </p:nvPr>
+          <p:nvPr/>
         </p:nvGraphicFramePr>
         <p:xfrm>
           <a:off x="838200" y="1825625"/>
@@ -3858,20 +3742,8 @@
             <a:tbl>
               <a:tblPr/>
               <a:tblGrid>
-                <a:gridCol w="1526931">
-                  <a:extLst>
-                    <a:ext uri="{9D8B030D-6E8A-4147-A177-3AD203B41FA5}">
-                      <a16:colId xmlns:a16="http://schemas.microsoft.com/office/drawing/2014/main" val="3080392293"/>
-                    </a:ext>
-                  </a:extLst>
-                </a:gridCol>
-                <a:gridCol w="8988668">
-                  <a:extLst>
-                    <a:ext uri="{9D8B030D-6E8A-4147-A177-3AD203B41FA5}">
-                      <a16:colId xmlns:a16="http://schemas.microsoft.com/office/drawing/2014/main" val="332216927"/>
-                    </a:ext>
-                  </a:extLst>
-                </a:gridCol>
+                <a:gridCol w="1526931"/>
+                <a:gridCol w="8988668"/>
               </a:tblGrid>
               <a:tr h="170815">
                 <a:tc>
@@ -3889,6 +3761,12 @@
                         </a:rPr>
                         <a:t>常量</a:t>
                       </a:r>
+                      <a:endParaRPr lang="zh-CN" altLang="en-US">
+                        <a:solidFill>
+                          <a:srgbClr val="FFFFFF"/>
+                        </a:solidFill>
+                        <a:effectLst/>
+                      </a:endParaRPr>
                     </a:p>
                   </a:txBody>
                   <a:tcPr marL="28575" marR="28575" marT="28575" marB="28575">
@@ -3948,6 +3826,12 @@
                         </a:rPr>
                         <a:t>描述</a:t>
                       </a:r>
+                      <a:endParaRPr lang="zh-CN" altLang="en-US">
+                        <a:solidFill>
+                          <a:srgbClr val="FFFFFF"/>
+                        </a:solidFill>
+                        <a:effectLst/>
+                      </a:endParaRPr>
                     </a:p>
                   </a:txBody>
                   <a:tcPr marL="28575" marR="28575" marT="28575" marB="28575">
@@ -3992,11 +3876,6 @@
                     </a:solidFill>
                   </a:tcPr>
                 </a:tc>
-                <a:extLst>
-                  <a:ext uri="{0D108BD9-81ED-4DB2-BD59-A6C34878D82A}">
-                    <a16:rowId xmlns:a16="http://schemas.microsoft.com/office/drawing/2014/main" val="866218583"/>
-                  </a:ext>
-                </a:extLst>
               </a:tr>
               <a:tr h="0">
                 <a:tc>
@@ -4011,6 +3890,9 @@
                         </a:rPr>
                         <a:t>SEEK_SET</a:t>
                       </a:r>
+                      <a:endParaRPr lang="en-US">
+                        <a:effectLst/>
+                      </a:endParaRPr>
                     </a:p>
                   </a:txBody>
                   <a:tcPr marL="47625" marR="47625" marT="66675" marB="66675">
@@ -4067,6 +3949,9 @@
                         </a:rPr>
                         <a:t>文件的开头</a:t>
                       </a:r>
+                      <a:endParaRPr lang="zh-CN" altLang="en-US">
+                        <a:effectLst/>
+                      </a:endParaRPr>
                     </a:p>
                   </a:txBody>
                   <a:tcPr marL="47625" marR="47625" marT="66675" marB="66675">
@@ -4111,11 +3996,6 @@
                     </a:solidFill>
                   </a:tcPr>
                 </a:tc>
-                <a:extLst>
-                  <a:ext uri="{0D108BD9-81ED-4DB2-BD59-A6C34878D82A}">
-                    <a16:rowId xmlns:a16="http://schemas.microsoft.com/office/drawing/2014/main" val="2225968184"/>
-                  </a:ext>
-                </a:extLst>
               </a:tr>
               <a:tr h="210083">
                 <a:tc>
@@ -4130,6 +4010,9 @@
                         </a:rPr>
                         <a:t>SEEK_CUR</a:t>
                       </a:r>
+                      <a:endParaRPr lang="en-US">
+                        <a:effectLst/>
+                      </a:endParaRPr>
                     </a:p>
                   </a:txBody>
                   <a:tcPr marL="47625" marR="47625" marT="66675" marB="66675">
@@ -4186,6 +4069,9 @@
                         </a:rPr>
                         <a:t>文件指针的当前位置</a:t>
                       </a:r>
+                      <a:endParaRPr lang="zh-CN" altLang="en-US">
+                        <a:effectLst/>
+                      </a:endParaRPr>
                     </a:p>
                   </a:txBody>
                   <a:tcPr marL="47625" marR="47625" marT="66675" marB="66675">
@@ -4230,11 +4116,6 @@
                     </a:solidFill>
                   </a:tcPr>
                 </a:tc>
-                <a:extLst>
-                  <a:ext uri="{0D108BD9-81ED-4DB2-BD59-A6C34878D82A}">
-                    <a16:rowId xmlns:a16="http://schemas.microsoft.com/office/drawing/2014/main" val="2644955620"/>
-                  </a:ext>
-                </a:extLst>
               </a:tr>
               <a:tr h="210083">
                 <a:tc>
@@ -4249,6 +4130,9 @@
                         </a:rPr>
                         <a:t>SEEK_END</a:t>
                       </a:r>
+                      <a:endParaRPr lang="en-US">
+                        <a:effectLst/>
+                      </a:endParaRPr>
                     </a:p>
                   </a:txBody>
                   <a:tcPr marL="47625" marR="47625" marT="66675" marB="66675">
@@ -4305,6 +4189,9 @@
                         </a:rPr>
                         <a:t>文件的末尾</a:t>
                       </a:r>
+                      <a:endParaRPr lang="zh-CN" altLang="en-US">
+                        <a:effectLst/>
+                      </a:endParaRPr>
                     </a:p>
                   </a:txBody>
                   <a:tcPr marL="47625" marR="47625" marT="66675" marB="66675">
@@ -4349,22 +4236,12 @@
                     </a:solidFill>
                   </a:tcPr>
                 </a:tc>
-                <a:extLst>
-                  <a:ext uri="{0D108BD9-81ED-4DB2-BD59-A6C34878D82A}">
-                    <a16:rowId xmlns:a16="http://schemas.microsoft.com/office/drawing/2014/main" val="3323931978"/>
-                  </a:ext>
-                </a:extLst>
               </a:tr>
             </a:tbl>
           </a:graphicData>
         </a:graphic>
       </p:graphicFrame>
     </p:spTree>
-    <p:extLst>
-      <p:ext uri="{BB962C8B-B14F-4D97-AF65-F5344CB8AC3E}">
-        <p14:creationId xmlns:p14="http://schemas.microsoft.com/office/powerpoint/2010/main" val="1896462679"/>
-      </p:ext>
-    </p:extLst>
   </p:cSld>
   <p:clrMapOvr>
     <a:masterClrMapping/>
@@ -4391,13 +4268,7 @@
       </p:grpSpPr>
       <p:sp>
         <p:nvSpPr>
-          <p:cNvPr id="2" name="标题 1">
-            <a:extLst>
-              <a:ext uri="{FF2B5EF4-FFF2-40B4-BE49-F238E27FC236}">
-                <a16:creationId xmlns:a16="http://schemas.microsoft.com/office/drawing/2014/main" id="{82A057DB-197B-41E2-9D69-2CE7AA8F83CC}"/>
-              </a:ext>
-            </a:extLst>
-          </p:cNvPr>
+          <p:cNvPr id="2" name="标题 1"/>
           <p:cNvSpPr>
             <a:spLocks noGrp="1"/>
           </p:cNvSpPr>
@@ -4414,18 +4285,13 @@
               <a:rPr lang="zh-CN" altLang="en-US"/>
               <a:t>文件锁</a:t>
             </a:r>
+            <a:endParaRPr lang="zh-CN" altLang="en-US"/>
           </a:p>
         </p:txBody>
       </p:sp>
       <p:sp>
         <p:nvSpPr>
-          <p:cNvPr id="3" name="内容占位符 2">
-            <a:extLst>
-              <a:ext uri="{FF2B5EF4-FFF2-40B4-BE49-F238E27FC236}">
-                <a16:creationId xmlns:a16="http://schemas.microsoft.com/office/drawing/2014/main" id="{666919E0-5E22-4DAB-92CE-9C818F241308}"/>
-              </a:ext>
-            </a:extLst>
-          </p:cNvPr>
+          <p:cNvPr id="3" name="内容占位符 2"/>
           <p:cNvSpPr>
             <a:spLocks noGrp="1"/>
           </p:cNvSpPr>
@@ -4487,15 +4353,11 @@
               <a:rPr lang="zh-CN" altLang="en-US"/>
               <a:t>系统中，通常采用“文件锁”的方式，当某个进程独占资源的时候，该资源被锁定，其他进程无法访问，这样就解决了共享资源的竞争问题。</a:t>
             </a:r>
+            <a:endParaRPr lang="zh-CN" altLang="en-US"/>
           </a:p>
         </p:txBody>
       </p:sp>
     </p:spTree>
-    <p:extLst>
-      <p:ext uri="{BB962C8B-B14F-4D97-AF65-F5344CB8AC3E}">
-        <p14:creationId xmlns:p14="http://schemas.microsoft.com/office/powerpoint/2010/main" val="3487933512"/>
-      </p:ext>
-    </p:extLst>
   </p:cSld>
   <p:clrMapOvr>
     <a:masterClrMapping/>
@@ -4522,13 +4384,7 @@
       </p:grpSpPr>
       <p:sp>
         <p:nvSpPr>
-          <p:cNvPr id="2" name="标题 1">
-            <a:extLst>
-              <a:ext uri="{FF2B5EF4-FFF2-40B4-BE49-F238E27FC236}">
-                <a16:creationId xmlns:a16="http://schemas.microsoft.com/office/drawing/2014/main" id="{63710A67-17FC-4899-9300-B064F6E0658E}"/>
-              </a:ext>
-            </a:extLst>
-          </p:cNvPr>
+          <p:cNvPr id="2" name="标题 1"/>
           <p:cNvSpPr>
             <a:spLocks noGrp="1"/>
           </p:cNvSpPr>
@@ -4545,18 +4401,13 @@
               <a:rPr lang="zh-CN" altLang="en-US"/>
               <a:t>文件锁</a:t>
             </a:r>
+            <a:endParaRPr lang="zh-CN" altLang="en-US"/>
           </a:p>
         </p:txBody>
       </p:sp>
       <p:sp>
         <p:nvSpPr>
-          <p:cNvPr id="3" name="内容占位符 2">
-            <a:extLst>
-              <a:ext uri="{FF2B5EF4-FFF2-40B4-BE49-F238E27FC236}">
-                <a16:creationId xmlns:a16="http://schemas.microsoft.com/office/drawing/2014/main" id="{361AA4D6-399D-4305-8C27-D257E311A562}"/>
-              </a:ext>
-            </a:extLst>
-          </p:cNvPr>
+          <p:cNvPr id="3" name="内容占位符 2"/>
           <p:cNvSpPr>
             <a:spLocks noGrp="1"/>
           </p:cNvSpPr>
@@ -4598,11 +4449,6 @@
         </p:txBody>
       </p:sp>
     </p:spTree>
-    <p:extLst>
-      <p:ext uri="{BB962C8B-B14F-4D97-AF65-F5344CB8AC3E}">
-        <p14:creationId xmlns:p14="http://schemas.microsoft.com/office/powerpoint/2010/main" val="1232901501"/>
-      </p:ext>
-    </p:extLst>
   </p:cSld>
   <p:clrMapOvr>
     <a:masterClrMapping/>
@@ -4629,13 +4475,7 @@
       </p:grpSpPr>
       <p:sp>
         <p:nvSpPr>
-          <p:cNvPr id="2" name="标题 1">
-            <a:extLst>
-              <a:ext uri="{FF2B5EF4-FFF2-40B4-BE49-F238E27FC236}">
-                <a16:creationId xmlns:a16="http://schemas.microsoft.com/office/drawing/2014/main" id="{1F32C057-4E85-4B06-B09F-3D278F322119}"/>
-              </a:ext>
-            </a:extLst>
-          </p:cNvPr>
+          <p:cNvPr id="2" name="标题 1"/>
           <p:cNvSpPr>
             <a:spLocks noGrp="1"/>
           </p:cNvSpPr>
@@ -4652,18 +4492,13 @@
               <a:rPr lang="zh-CN" altLang="en-US"/>
               <a:t>文件锁</a:t>
             </a:r>
+            <a:endParaRPr lang="zh-CN" altLang="en-US"/>
           </a:p>
         </p:txBody>
       </p:sp>
       <p:sp>
         <p:nvSpPr>
-          <p:cNvPr id="3" name="内容占位符 2">
-            <a:extLst>
-              <a:ext uri="{FF2B5EF4-FFF2-40B4-BE49-F238E27FC236}">
-                <a16:creationId xmlns:a16="http://schemas.microsoft.com/office/drawing/2014/main" id="{97275BBC-C52E-4A44-8D64-AFD22AC3197C}"/>
-              </a:ext>
-            </a:extLst>
-          </p:cNvPr>
+          <p:cNvPr id="3" name="内容占位符 2"/>
           <p:cNvSpPr>
             <a:spLocks noGrp="1"/>
           </p:cNvSpPr>
@@ -4756,11 +4591,6 @@
         </p:txBody>
       </p:sp>
     </p:spTree>
-    <p:extLst>
-      <p:ext uri="{BB962C8B-B14F-4D97-AF65-F5344CB8AC3E}">
-        <p14:creationId xmlns:p14="http://schemas.microsoft.com/office/powerpoint/2010/main" val="2544223480"/>
-      </p:ext>
-    </p:extLst>
   </p:cSld>
   <p:clrMapOvr>
     <a:masterClrMapping/>
@@ -4787,13 +4617,7 @@
       </p:grpSpPr>
       <p:sp>
         <p:nvSpPr>
-          <p:cNvPr id="2" name="标题 1">
-            <a:extLst>
-              <a:ext uri="{FF2B5EF4-FFF2-40B4-BE49-F238E27FC236}">
-                <a16:creationId xmlns:a16="http://schemas.microsoft.com/office/drawing/2014/main" id="{A7DE1A29-883C-4D33-A58C-CF321F01E676}"/>
-              </a:ext>
-            </a:extLst>
-          </p:cNvPr>
+          <p:cNvPr id="2" name="标题 1"/>
           <p:cNvSpPr>
             <a:spLocks noGrp="1"/>
           </p:cNvSpPr>
@@ -4810,18 +4634,13 @@
               <a:rPr lang="zh-CN" altLang="en-US"/>
               <a:t>文件锁</a:t>
             </a:r>
+            <a:endParaRPr lang="zh-CN" altLang="en-US"/>
           </a:p>
         </p:txBody>
       </p:sp>
       <p:sp>
         <p:nvSpPr>
-          <p:cNvPr id="3" name="内容占位符 2">
-            <a:extLst>
-              <a:ext uri="{FF2B5EF4-FFF2-40B4-BE49-F238E27FC236}">
-                <a16:creationId xmlns:a16="http://schemas.microsoft.com/office/drawing/2014/main" id="{F43D3B50-122E-4A86-AD8E-4DDCE0593EA7}"/>
-              </a:ext>
-            </a:extLst>
-          </p:cNvPr>
+          <p:cNvPr id="3" name="内容占位符 2"/>
           <p:cNvSpPr>
             <a:spLocks noGrp="1"/>
           </p:cNvSpPr>
@@ -4884,6 +4703,13 @@
               </a:rPr>
               <a:t>:</a:t>
             </a:r>
+            <a:endParaRPr lang="en-US" altLang="zh-CN">
+              <a:solidFill>
+                <a:schemeClr val="accent1">
+                  <a:lumMod val="75000"/>
+                </a:schemeClr>
+              </a:solidFill>
+            </a:endParaRPr>
           </a:p>
           <a:p>
             <a:pPr marL="0" indent="0">
@@ -4899,6 +4725,13 @@
               </a:rPr>
               <a:t>int fcntl(int fd,int cmd,struct flock *lock_set);</a:t>
             </a:r>
+            <a:endParaRPr lang="en-US" altLang="zh-CN">
+              <a:solidFill>
+                <a:schemeClr val="accent1">
+                  <a:lumMod val="75000"/>
+                </a:schemeClr>
+              </a:solidFill>
+            </a:endParaRPr>
           </a:p>
           <a:p>
             <a:pPr marL="0" indent="0">
@@ -4923,56 +4756,6 @@
                 </a:solidFill>
               </a:rPr>
               <a:t>:</a:t>
-            </a:r>
-          </a:p>
-          <a:p>
-            <a:pPr marL="0" indent="0">
-              <a:buNone/>
-            </a:pPr>
-            <a:r>
-              <a:rPr lang="en-US" altLang="zh-CN">
-                <a:solidFill>
-                  <a:schemeClr val="accent2">
-                    <a:lumMod val="75000"/>
-                  </a:schemeClr>
-                </a:solidFill>
-              </a:rPr>
-              <a:t>fd</a:t>
-            </a:r>
-            <a:r>
-              <a:rPr lang="zh-CN" altLang="en-US">
-                <a:solidFill>
-                  <a:schemeClr val="accent2">
-                    <a:lumMod val="75000"/>
-                  </a:schemeClr>
-                </a:solidFill>
-              </a:rPr>
-              <a:t>：文件描述符</a:t>
-            </a:r>
-          </a:p>
-          <a:p>
-            <a:pPr marL="0" indent="0">
-              <a:buNone/>
-            </a:pPr>
-            <a:r>
-              <a:rPr lang="en-US" altLang="zh-CN">
-                <a:solidFill>
-                  <a:schemeClr val="accent2">
-                    <a:lumMod val="75000"/>
-                  </a:schemeClr>
-                </a:solidFill>
-              </a:rPr>
-              <a:t>cmd</a:t>
-            </a:r>
-            <a:r>
-              <a:rPr lang="zh-CN" altLang="en-US">
-                <a:solidFill>
-                  <a:schemeClr val="accent2">
-                    <a:lumMod val="75000"/>
-                  </a:schemeClr>
-                </a:solidFill>
-              </a:rPr>
-              <a:t>：检测锁或设置锁</a:t>
             </a:r>
             <a:endParaRPr lang="en-US" altLang="zh-CN">
               <a:solidFill>
@@ -4984,9 +4767,6 @@
           </a:p>
           <a:p>
             <a:pPr marL="0" indent="0">
-              <a:lnSpc>
-                <a:spcPct val="100000"/>
-              </a:lnSpc>
               <a:buNone/>
             </a:pPr>
             <a:r>
@@ -4997,7 +4777,7 @@
                   </a:schemeClr>
                 </a:solidFill>
               </a:rPr>
-              <a:t>lock_set</a:t>
+              <a:t>fd</a:t>
             </a:r>
             <a:r>
               <a:rPr lang="zh-CN" altLang="en-US">
@@ -5007,7 +4787,39 @@
                   </a:schemeClr>
                 </a:solidFill>
               </a:rPr>
-              <a:t>：结构体类型指针</a:t>
+              <a:t>：文件描述符</a:t>
+            </a:r>
+            <a:endParaRPr lang="zh-CN" altLang="en-US">
+              <a:solidFill>
+                <a:schemeClr val="accent2">
+                  <a:lumMod val="75000"/>
+                </a:schemeClr>
+              </a:solidFill>
+            </a:endParaRPr>
+          </a:p>
+          <a:p>
+            <a:pPr marL="0" indent="0">
+              <a:buNone/>
+            </a:pPr>
+            <a:r>
+              <a:rPr lang="en-US" altLang="zh-CN">
+                <a:solidFill>
+                  <a:schemeClr val="accent2">
+                    <a:lumMod val="75000"/>
+                  </a:schemeClr>
+                </a:solidFill>
+              </a:rPr>
+              <a:t>cmd</a:t>
+            </a:r>
+            <a:r>
+              <a:rPr lang="zh-CN" altLang="en-US">
+                <a:solidFill>
+                  <a:schemeClr val="accent2">
+                    <a:lumMod val="75000"/>
+                  </a:schemeClr>
+                </a:solidFill>
+              </a:rPr>
+              <a:t>：检测锁或设置锁</a:t>
             </a:r>
             <a:endParaRPr lang="en-US" altLang="zh-CN">
               <a:solidFill>
@@ -5019,11 +4831,46 @@
           </a:p>
           <a:p>
             <a:pPr marL="0" indent="0">
-              <a:buNone/>
-            </a:pPr>
+              <a:lnSpc>
+                <a:spcPct val="100000"/>
+              </a:lnSpc>
+              <a:buNone/>
+            </a:pPr>
+            <a:r>
+              <a:rPr lang="en-US" altLang="zh-CN">
+                <a:solidFill>
+                  <a:schemeClr val="accent2">
+                    <a:lumMod val="75000"/>
+                  </a:schemeClr>
+                </a:solidFill>
+              </a:rPr>
+              <a:t>lock_set</a:t>
+            </a:r>
             <a:r>
               <a:rPr lang="zh-CN" altLang="en-US">
                 <a:solidFill>
+                  <a:schemeClr val="accent2">
+                    <a:lumMod val="75000"/>
+                  </a:schemeClr>
+                </a:solidFill>
+              </a:rPr>
+              <a:t>：结构体类型指针</a:t>
+            </a:r>
+            <a:endParaRPr lang="en-US" altLang="zh-CN">
+              <a:solidFill>
+                <a:schemeClr val="accent2">
+                  <a:lumMod val="75000"/>
+                </a:schemeClr>
+              </a:solidFill>
+            </a:endParaRPr>
+          </a:p>
+          <a:p>
+            <a:pPr marL="0" indent="0">
+              <a:buNone/>
+            </a:pPr>
+            <a:r>
+              <a:rPr lang="zh-CN" altLang="en-US">
+                <a:solidFill>
                   <a:schemeClr val="accent6">
                     <a:lumMod val="75000"/>
                   </a:schemeClr>
@@ -5041,6 +4888,13 @@
               </a:rPr>
               <a:t>:</a:t>
             </a:r>
+            <a:endParaRPr lang="en-US" altLang="zh-CN">
+              <a:solidFill>
+                <a:schemeClr val="accent6">
+                  <a:lumMod val="75000"/>
+                </a:schemeClr>
+              </a:solidFill>
+            </a:endParaRPr>
           </a:p>
           <a:p>
             <a:pPr marL="0" indent="0">
@@ -5086,6 +4940,13 @@
               </a:rPr>
               <a:t>:0</a:t>
             </a:r>
+            <a:endParaRPr lang="en-US" altLang="zh-CN">
+              <a:solidFill>
+                <a:schemeClr val="accent6">
+                  <a:lumMod val="75000"/>
+                </a:schemeClr>
+              </a:solidFill>
+            </a:endParaRPr>
           </a:p>
           <a:p>
             <a:pPr marL="0" indent="0">
@@ -5099,15 +4960,11 @@
               <a:rPr lang="en-US" altLang="zh-CN"/>
               <a:t>:&lt;unistd.h&gt;&lt;sys/types.h&gt;&lt;fcntl.h&gt;</a:t>
             </a:r>
+            <a:endParaRPr lang="en-US" altLang="zh-CN"/>
           </a:p>
         </p:txBody>
       </p:sp>
     </p:spTree>
-    <p:extLst>
-      <p:ext uri="{BB962C8B-B14F-4D97-AF65-F5344CB8AC3E}">
-        <p14:creationId xmlns:p14="http://schemas.microsoft.com/office/powerpoint/2010/main" val="1178030723"/>
-      </p:ext>
-    </p:extLst>
   </p:cSld>
   <p:clrMapOvr>
     <a:masterClrMapping/>
@@ -5134,13 +4991,7 @@
       </p:grpSpPr>
       <p:sp>
         <p:nvSpPr>
-          <p:cNvPr id="2" name="标题 1">
-            <a:extLst>
-              <a:ext uri="{FF2B5EF4-FFF2-40B4-BE49-F238E27FC236}">
-                <a16:creationId xmlns:a16="http://schemas.microsoft.com/office/drawing/2014/main" id="{6CD3A32E-EFCB-4605-A18A-1947FA5BEBE8}"/>
-              </a:ext>
-            </a:extLst>
-          </p:cNvPr>
+          <p:cNvPr id="2" name="标题 1"/>
           <p:cNvSpPr>
             <a:spLocks noGrp="1"/>
           </p:cNvSpPr>
@@ -5165,18 +5016,13 @@
               <a:rPr lang="zh-CN" altLang="en-US"/>
               <a:t>命令</a:t>
             </a:r>
+            <a:endParaRPr lang="zh-CN" altLang="en-US"/>
           </a:p>
         </p:txBody>
       </p:sp>
       <p:sp>
         <p:nvSpPr>
-          <p:cNvPr id="3" name="内容占位符 2">
-            <a:extLst>
-              <a:ext uri="{FF2B5EF4-FFF2-40B4-BE49-F238E27FC236}">
-                <a16:creationId xmlns:a16="http://schemas.microsoft.com/office/drawing/2014/main" id="{D68D449F-C4F1-475A-9A7E-78DF67729A3F}"/>
-              </a:ext>
-            </a:extLst>
-          </p:cNvPr>
+          <p:cNvPr id="3" name="内容占位符 2"/>
           <p:cNvSpPr>
             <a:spLocks noGrp="1"/>
           </p:cNvSpPr>
@@ -5254,23 +5100,11 @@
       </p:sp>
       <p:graphicFrame>
         <p:nvGraphicFramePr>
-          <p:cNvPr id="4" name="表格 3">
-            <a:extLst>
-              <a:ext uri="{FF2B5EF4-FFF2-40B4-BE49-F238E27FC236}">
-                <a16:creationId xmlns:a16="http://schemas.microsoft.com/office/drawing/2014/main" id="{F6CB9C20-E76B-44F4-99DD-B064F41DC428}"/>
-              </a:ext>
-            </a:extLst>
-          </p:cNvPr>
+          <p:cNvPr id="4" name="表格 3"/>
           <p:cNvGraphicFramePr>
             <a:graphicFrameLocks noGrp="1"/>
           </p:cNvGraphicFramePr>
-          <p:nvPr>
-            <p:extLst>
-              <p:ext uri="{D42A27DB-BD31-4B8C-83A1-F6EECF244321}">
-                <p14:modId xmlns:p14="http://schemas.microsoft.com/office/powerpoint/2010/main" val="3280646546"/>
-              </p:ext>
-            </p:extLst>
-          </p:nvPr>
+          <p:nvPr/>
         </p:nvGraphicFramePr>
         <p:xfrm>
           <a:off x="838201" y="1825625"/>
@@ -5281,20 +5115,8 @@
             <a:tbl>
               <a:tblPr/>
               <a:tblGrid>
-                <a:gridCol w="1526931">
-                  <a:extLst>
-                    <a:ext uri="{9D8B030D-6E8A-4147-A177-3AD203B41FA5}">
-                      <a16:colId xmlns:a16="http://schemas.microsoft.com/office/drawing/2014/main" val="3080392293"/>
-                    </a:ext>
-                  </a:extLst>
-                </a:gridCol>
-                <a:gridCol w="8988668">
-                  <a:extLst>
-                    <a:ext uri="{9D8B030D-6E8A-4147-A177-3AD203B41FA5}">
-                      <a16:colId xmlns:a16="http://schemas.microsoft.com/office/drawing/2014/main" val="332216927"/>
-                    </a:ext>
-                  </a:extLst>
-                </a:gridCol>
+                <a:gridCol w="1526931"/>
+                <a:gridCol w="8988668"/>
               </a:tblGrid>
               <a:tr h="166659">
                 <a:tc>
@@ -5312,6 +5134,12 @@
                         </a:rPr>
                         <a:t>命令</a:t>
                       </a:r>
+                      <a:endParaRPr lang="zh-CN" altLang="en-US">
+                        <a:solidFill>
+                          <a:srgbClr val="FFFFFF"/>
+                        </a:solidFill>
+                        <a:effectLst/>
+                      </a:endParaRPr>
                     </a:p>
                   </a:txBody>
                   <a:tcPr marL="28575" marR="28575" marT="28575" marB="28575">
@@ -5371,6 +5199,12 @@
                         </a:rPr>
                         <a:t>解释</a:t>
                       </a:r>
+                      <a:endParaRPr lang="zh-CN" altLang="en-US">
+                        <a:solidFill>
+                          <a:srgbClr val="FFFFFF"/>
+                        </a:solidFill>
+                        <a:effectLst/>
+                      </a:endParaRPr>
                     </a:p>
                   </a:txBody>
                   <a:tcPr marL="28575" marR="28575" marT="28575" marB="28575">
@@ -5415,11 +5249,6 @@
                     </a:solidFill>
                   </a:tcPr>
                 </a:tc>
-                <a:extLst>
-                  <a:ext uri="{0D108BD9-81ED-4DB2-BD59-A6C34878D82A}">
-                    <a16:rowId xmlns:a16="http://schemas.microsoft.com/office/drawing/2014/main" val="866218583"/>
-                  </a:ext>
-                </a:extLst>
               </a:tr>
               <a:tr h="0">
                 <a:tc>
@@ -5576,11 +5405,6 @@
                     </a:solidFill>
                   </a:tcPr>
                 </a:tc>
-                <a:extLst>
-                  <a:ext uri="{0D108BD9-81ED-4DB2-BD59-A6C34878D82A}">
-                    <a16:rowId xmlns:a16="http://schemas.microsoft.com/office/drawing/2014/main" val="2225968184"/>
-                  </a:ext>
-                </a:extLst>
               </a:tr>
               <a:tr h="210083">
                 <a:tc>
@@ -5737,11 +5561,6 @@
                     </a:solidFill>
                   </a:tcPr>
                 </a:tc>
-                <a:extLst>
-                  <a:ext uri="{0D108BD9-81ED-4DB2-BD59-A6C34878D82A}">
-                    <a16:rowId xmlns:a16="http://schemas.microsoft.com/office/drawing/2014/main" val="2644955620"/>
-                  </a:ext>
-                </a:extLst>
               </a:tr>
               <a:tr h="210083">
                 <a:tc>
@@ -5946,22 +5765,12 @@
                     </a:solidFill>
                   </a:tcPr>
                 </a:tc>
-                <a:extLst>
-                  <a:ext uri="{0D108BD9-81ED-4DB2-BD59-A6C34878D82A}">
-                    <a16:rowId xmlns:a16="http://schemas.microsoft.com/office/drawing/2014/main" val="3323931978"/>
-                  </a:ext>
-                </a:extLst>
               </a:tr>
             </a:tbl>
           </a:graphicData>
         </a:graphic>
       </p:graphicFrame>
     </p:spTree>
-    <p:extLst>
-      <p:ext uri="{BB962C8B-B14F-4D97-AF65-F5344CB8AC3E}">
-        <p14:creationId xmlns:p14="http://schemas.microsoft.com/office/powerpoint/2010/main" val="2558406539"/>
-      </p:ext>
-    </p:extLst>
   </p:cSld>
   <p:clrMapOvr>
     <a:masterClrMapping/>
@@ -5988,13 +5797,7 @@
       </p:grpSpPr>
       <p:sp>
         <p:nvSpPr>
-          <p:cNvPr id="2" name="标题 1">
-            <a:extLst>
-              <a:ext uri="{FF2B5EF4-FFF2-40B4-BE49-F238E27FC236}">
-                <a16:creationId xmlns:a16="http://schemas.microsoft.com/office/drawing/2014/main" id="{12FF6D28-FB7D-4630-82A2-71C1DE887405}"/>
-              </a:ext>
-            </a:extLst>
-          </p:cNvPr>
+          <p:cNvPr id="2" name="标题 1"/>
           <p:cNvSpPr>
             <a:spLocks noGrp="1"/>
           </p:cNvSpPr>
@@ -6015,18 +5818,13 @@
               <a:rPr lang="zh-CN" altLang="en-US"/>
               <a:t>规范</a:t>
             </a:r>
+            <a:endParaRPr lang="zh-CN" altLang="en-US"/>
           </a:p>
         </p:txBody>
       </p:sp>
       <p:sp>
         <p:nvSpPr>
-          <p:cNvPr id="3" name="内容占位符 2">
-            <a:extLst>
-              <a:ext uri="{FF2B5EF4-FFF2-40B4-BE49-F238E27FC236}">
-                <a16:creationId xmlns:a16="http://schemas.microsoft.com/office/drawing/2014/main" id="{BC7BE8C1-A2E7-4AB8-9AE8-08D81B3114A4}"/>
-              </a:ext>
-            </a:extLst>
-          </p:cNvPr>
+          <p:cNvPr id="3" name="内容占位符 2"/>
           <p:cNvSpPr>
             <a:spLocks noGrp="1"/>
           </p:cNvSpPr>
@@ -6162,15 +5960,11 @@
               <a:rPr lang="zh-CN" altLang="en-US"/>
               <a:t>标准。</a:t>
             </a:r>
+            <a:endParaRPr lang="zh-CN" altLang="en-US"/>
           </a:p>
         </p:txBody>
       </p:sp>
     </p:spTree>
-    <p:extLst>
-      <p:ext uri="{BB962C8B-B14F-4D97-AF65-F5344CB8AC3E}">
-        <p14:creationId xmlns:p14="http://schemas.microsoft.com/office/powerpoint/2010/main" val="1603236387"/>
-      </p:ext>
-    </p:extLst>
   </p:cSld>
   <p:clrMapOvr>
     <a:masterClrMapping/>
@@ -6197,13 +5991,7 @@
       </p:grpSpPr>
       <p:sp>
         <p:nvSpPr>
-          <p:cNvPr id="2" name="标题 1">
-            <a:extLst>
-              <a:ext uri="{FF2B5EF4-FFF2-40B4-BE49-F238E27FC236}">
-                <a16:creationId xmlns:a16="http://schemas.microsoft.com/office/drawing/2014/main" id="{CE975B4F-CE43-49F5-88BC-1BBBA8210814}"/>
-              </a:ext>
-            </a:extLst>
-          </p:cNvPr>
+          <p:cNvPr id="2" name="标题 1"/>
           <p:cNvSpPr>
             <a:spLocks noGrp="1"/>
           </p:cNvSpPr>
@@ -6228,23 +6016,13 @@
               <a:rPr lang="zh-CN" altLang="en-US"/>
               <a:t>结构体</a:t>
             </a:r>
-            <a:r>
-              <a:rPr lang="en-US" altLang="zh-CN"/>
-              <a:t>1</a:t>
-            </a:r>
             <a:endParaRPr lang="zh-CN" altLang="en-US"/>
           </a:p>
         </p:txBody>
       </p:sp>
       <p:sp>
         <p:nvSpPr>
-          <p:cNvPr id="3" name="内容占位符 2">
-            <a:extLst>
-              <a:ext uri="{FF2B5EF4-FFF2-40B4-BE49-F238E27FC236}">
-                <a16:creationId xmlns:a16="http://schemas.microsoft.com/office/drawing/2014/main" id="{D104537F-EC1B-46A8-9C58-44E7F9D5F518}"/>
-              </a:ext>
-            </a:extLst>
-          </p:cNvPr>
+          <p:cNvPr id="3" name="内容占位符 2"/>
           <p:cNvSpPr>
             <a:spLocks noGrp="1"/>
           </p:cNvSpPr>
@@ -6269,6 +6047,7 @@
               <a:rPr lang="zh-CN" altLang="en-US"/>
               <a:t>第三个参数是对文件施加锁操作的相关参数设置的结构体</a:t>
             </a:r>
+            <a:endParaRPr lang="zh-CN" altLang="en-US"/>
           </a:p>
           <a:p>
             <a:pPr marL="0" indent="0">
@@ -6310,6 +6089,7 @@
               <a:rPr lang="en-US" altLang="zh-CN"/>
               <a:t>struct flock{</a:t>
             </a:r>
+            <a:endParaRPr lang="en-US" altLang="zh-CN"/>
           </a:p>
           <a:p>
             <a:pPr marL="0" indent="0">
@@ -6322,6 +6102,7 @@
               <a:rPr lang="en-US" altLang="zh-CN"/>
               <a:t>    short l_type;</a:t>
             </a:r>
+            <a:endParaRPr lang="en-US" altLang="zh-CN"/>
           </a:p>
           <a:p>
             <a:pPr marL="0" indent="0">
@@ -6334,6 +6115,7 @@
               <a:rPr lang="en-US" altLang="zh-CN"/>
               <a:t>    short l_whence;</a:t>
             </a:r>
+            <a:endParaRPr lang="en-US" altLang="zh-CN"/>
           </a:p>
           <a:p>
             <a:pPr marL="0" indent="0">
@@ -6346,6 +6128,7 @@
               <a:rPr lang="en-US" altLang="zh-CN"/>
               <a:t>    off_t l_start;</a:t>
             </a:r>
+            <a:endParaRPr lang="en-US" altLang="zh-CN"/>
           </a:p>
           <a:p>
             <a:pPr marL="0" indent="0">
@@ -6358,6 +6141,7 @@
               <a:rPr lang="en-US" altLang="zh-CN"/>
               <a:t>    off_t l_len;</a:t>
             </a:r>
+            <a:endParaRPr lang="en-US" altLang="zh-CN"/>
           </a:p>
           <a:p>
             <a:pPr marL="0" indent="0">
@@ -6388,11 +6172,6 @@
         </p:txBody>
       </p:sp>
     </p:spTree>
-    <p:extLst>
-      <p:ext uri="{BB962C8B-B14F-4D97-AF65-F5344CB8AC3E}">
-        <p14:creationId xmlns:p14="http://schemas.microsoft.com/office/powerpoint/2010/main" val="2319750801"/>
-      </p:ext>
-    </p:extLst>
   </p:cSld>
   <p:clrMapOvr>
     <a:masterClrMapping/>
@@ -6419,13 +6198,7 @@
       </p:grpSpPr>
       <p:sp>
         <p:nvSpPr>
-          <p:cNvPr id="2" name="标题 1">
-            <a:extLst>
-              <a:ext uri="{FF2B5EF4-FFF2-40B4-BE49-F238E27FC236}">
-                <a16:creationId xmlns:a16="http://schemas.microsoft.com/office/drawing/2014/main" id="{6D778FA2-170C-4B1E-9D50-36F11A735CED}"/>
-              </a:ext>
-            </a:extLst>
-          </p:cNvPr>
+          <p:cNvPr id="2" name="标题 1"/>
           <p:cNvSpPr>
             <a:spLocks noGrp="1"/>
           </p:cNvSpPr>
@@ -6451,8 +6224,10 @@
               <a:t>结构体</a:t>
             </a:r>
             <a:r>
-              <a:rPr lang="en-US" altLang="zh-CN"/>
-              <a:t>2</a:t>
+              <a:rPr lang="zh-CN" altLang="en-US">
+                <a:sym typeface="+mn-ea"/>
+              </a:rPr>
+              <a:t>成员说明</a:t>
             </a:r>
             <a:endParaRPr lang="zh-CN" altLang="en-US"/>
           </a:p>
@@ -6460,13 +6235,7 @@
       </p:sp>
       <p:sp>
         <p:nvSpPr>
-          <p:cNvPr id="3" name="内容占位符 2">
-            <a:extLst>
-              <a:ext uri="{FF2B5EF4-FFF2-40B4-BE49-F238E27FC236}">
-                <a16:creationId xmlns:a16="http://schemas.microsoft.com/office/drawing/2014/main" id="{F38F81CB-B76E-4F44-85E1-5713282BD415}"/>
-              </a:ext>
-            </a:extLst>
-          </p:cNvPr>
+          <p:cNvPr id="3" name="内容占位符 2"/>
           <p:cNvSpPr>
             <a:spLocks noGrp="1"/>
           </p:cNvSpPr>
@@ -6493,9 +6262,14 @@
               <a:buNone/>
             </a:pPr>
             <a:r>
+              <a:rPr lang="en-US" altLang="zh-CN" sz="1800"/>
+              <a:t>l_type</a:t>
+            </a:r>
+            <a:r>
               <a:rPr lang="zh-CN" altLang="en-US" sz="1800"/>
-              <a:t>结构体成员说明：</a:t>
-            </a:r>
+              <a:t>：加锁的类型，有如下三个宏可选</a:t>
+            </a:r>
+            <a:endParaRPr lang="zh-CN" altLang="en-US" sz="1800"/>
           </a:p>
           <a:p>
             <a:pPr marL="0" indent="0">
@@ -6506,12 +6280,13 @@
             </a:pPr>
             <a:r>
               <a:rPr lang="en-US" altLang="zh-CN" sz="1800"/>
-              <a:t>	l_type</a:t>
+              <a:t>	F_RDLCK</a:t>
             </a:r>
             <a:r>
               <a:rPr lang="zh-CN" altLang="en-US" sz="1800"/>
-              <a:t>：有三个参数</a:t>
-            </a:r>
+              <a:t>：读锁（共享锁）</a:t>
+            </a:r>
+            <a:endParaRPr lang="zh-CN" altLang="en-US" sz="1800"/>
           </a:p>
           <a:p>
             <a:pPr marL="0" indent="0">
@@ -6522,12 +6297,13 @@
             </a:pPr>
             <a:r>
               <a:rPr lang="en-US" altLang="zh-CN" sz="1800"/>
-              <a:t>		F_RDLCK</a:t>
+              <a:t>	F_WRLCK</a:t>
             </a:r>
             <a:r>
               <a:rPr lang="zh-CN" altLang="en-US" sz="1800"/>
-              <a:t>：读锁（共享锁）</a:t>
-            </a:r>
+              <a:t>：写锁（排斥锁）</a:t>
+            </a:r>
+            <a:endParaRPr lang="zh-CN" altLang="en-US" sz="1800"/>
           </a:p>
           <a:p>
             <a:pPr marL="0" indent="0">
@@ -6538,12 +6314,21 @@
             </a:pPr>
             <a:r>
               <a:rPr lang="en-US" altLang="zh-CN" sz="1800"/>
-              <a:t>		F_WRLCK</a:t>
+              <a:t>	F_UNLCK</a:t>
             </a:r>
             <a:r>
               <a:rPr lang="zh-CN" altLang="en-US" sz="1800"/>
-              <a:t>：写锁（排斥锁）</a:t>
-            </a:r>
+              <a:t>：无锁</a:t>
+            </a:r>
+            <a:r>
+              <a:rPr lang="en-US" altLang="zh-CN" sz="1800"/>
+              <a:t>/</a:t>
+            </a:r>
+            <a:r>
+              <a:rPr lang="zh-CN" altLang="en-US" sz="1800"/>
+              <a:t>解锁</a:t>
+            </a:r>
+            <a:endParaRPr lang="zh-CN" altLang="en-US" sz="1800"/>
           </a:p>
           <a:p>
             <a:pPr marL="0" indent="0">
@@ -6554,20 +6339,41 @@
             </a:pPr>
             <a:r>
               <a:rPr lang="en-US" altLang="zh-CN" sz="1800"/>
-              <a:t>		F_UNLCK</a:t>
+              <a:t>l_whence</a:t>
             </a:r>
             <a:r>
               <a:rPr lang="zh-CN" altLang="en-US" sz="1800"/>
-              <a:t>：无锁</a:t>
+              <a:t>：相对于偏移量的</a:t>
+            </a:r>
+            <a:r>
+              <a:rPr lang="zh-CN" altLang="en-US" sz="1800">
+                <a:solidFill>
+                  <a:srgbClr val="FF0000"/>
+                </a:solidFill>
+              </a:rPr>
+              <a:t>起点</a:t>
+            </a:r>
+            <a:r>
+              <a:rPr lang="zh-CN" altLang="en-US" sz="1800"/>
+              <a:t>，参数等同于</a:t>
             </a:r>
             <a:r>
               <a:rPr lang="en-US" altLang="zh-CN" sz="1800"/>
-              <a:t>/</a:t>
+              <a:t>lseek()</a:t>
             </a:r>
             <a:r>
               <a:rPr lang="zh-CN" altLang="en-US" sz="1800"/>
-              <a:t>解锁</a:t>
-            </a:r>
+              <a:t>中的</a:t>
+            </a:r>
+            <a:r>
+              <a:rPr lang="en-US" altLang="zh-CN" sz="1800"/>
+              <a:t>whence</a:t>
+            </a:r>
+            <a:r>
+              <a:rPr lang="zh-CN" altLang="en-US" sz="1800"/>
+              <a:t>参数</a:t>
+            </a:r>
+            <a:endParaRPr lang="zh-CN" altLang="en-US" sz="1800"/>
           </a:p>
           <a:p>
             <a:pPr marL="0" indent="0">
@@ -6578,28 +6384,9 @@
             </a:pPr>
             <a:r>
               <a:rPr lang="en-US" altLang="zh-CN" sz="1800"/>
-              <a:t>	l_whence</a:t>
-            </a:r>
-            <a:r>
-              <a:rPr lang="zh-CN" altLang="en-US" sz="1800"/>
-              <a:t>：相对于偏移量的起点，参数等同于</a:t>
-            </a:r>
-            <a:r>
-              <a:rPr lang="en-US" altLang="zh-CN" sz="1800"/>
-              <a:t>lseek()</a:t>
-            </a:r>
-            <a:r>
-              <a:rPr lang="zh-CN" altLang="en-US" sz="1800"/>
-              <a:t>中的</a:t>
-            </a:r>
-            <a:r>
-              <a:rPr lang="en-US" altLang="zh-CN" sz="1800"/>
-              <a:t>whence</a:t>
-            </a:r>
-            <a:r>
-              <a:rPr lang="zh-CN" altLang="en-US" sz="1800"/>
-              <a:t>参数</a:t>
-            </a:r>
+              <a:t>	SEEK_SET/SEEK_CUR/SEEK_END</a:t>
+            </a:r>
+            <a:endParaRPr lang="en-US" altLang="zh-CN" sz="1800"/>
           </a:p>
           <a:p>
             <a:pPr marL="0" indent="0">
@@ -6610,8 +6397,21 @@
             </a:pPr>
             <a:r>
               <a:rPr lang="en-US" altLang="zh-CN" sz="1800"/>
-              <a:t>		SEEK_SET/SEEK_CUR/SEEK_END</a:t>
-            </a:r>
+              <a:t>l_start</a:t>
+            </a:r>
+            <a:r>
+              <a:rPr lang="zh-CN" altLang="en-US" sz="1800"/>
+              <a:t>：加锁区域在文件中的相对位移，与</a:t>
+            </a:r>
+            <a:r>
+              <a:rPr lang="en-US" altLang="zh-CN" sz="1800"/>
+              <a:t>l_whence</a:t>
+            </a:r>
+            <a:r>
+              <a:rPr lang="zh-CN" altLang="en-US" sz="1800"/>
+              <a:t>共同决定加锁区域的起始位置</a:t>
+            </a:r>
+            <a:endParaRPr lang="zh-CN" altLang="en-US" sz="1800"/>
           </a:p>
           <a:p>
             <a:pPr marL="0" indent="0">
@@ -6622,20 +6422,25 @@
             </a:pPr>
             <a:r>
               <a:rPr lang="en-US" altLang="zh-CN" sz="1800"/>
-              <a:t>	l_start</a:t>
+              <a:t>l_len</a:t>
             </a:r>
             <a:r>
               <a:rPr lang="zh-CN" altLang="en-US" sz="1800"/>
-              <a:t>：加锁区域在文件中的相对位移，与</a:t>
+              <a:t>：加锁区域的长度，若为</a:t>
             </a:r>
             <a:r>
               <a:rPr lang="en-US" altLang="zh-CN" sz="1800"/>
-              <a:t>l_whence</a:t>
+              <a:t>0</a:t>
             </a:r>
             <a:r>
               <a:rPr lang="zh-CN" altLang="en-US" sz="1800"/>
-              <a:t>共同决定加锁区域的起始位置</a:t>
-            </a:r>
+              <a:t>则表示直至文件结尾</a:t>
+            </a:r>
+            <a:r>
+              <a:rPr lang="en-US" altLang="zh-CN" sz="1800"/>
+              <a:t>EOF</a:t>
+            </a:r>
+            <a:endParaRPr lang="en-US" altLang="zh-CN" sz="1800"/>
           </a:p>
           <a:p>
             <a:pPr marL="0" indent="0">
@@ -6646,35 +6451,7 @@
             </a:pPr>
             <a:r>
               <a:rPr lang="en-US" altLang="zh-CN" sz="1800"/>
-              <a:t>	l_len</a:t>
-            </a:r>
-            <a:r>
-              <a:rPr lang="zh-CN" altLang="en-US" sz="1800"/>
-              <a:t>：加锁区域的长度，若为</a:t>
-            </a:r>
-            <a:r>
-              <a:rPr lang="en-US" altLang="zh-CN" sz="1800"/>
-              <a:t>0</a:t>
-            </a:r>
-            <a:r>
-              <a:rPr lang="zh-CN" altLang="en-US" sz="1800"/>
-              <a:t>则表示直至文件结尾</a:t>
-            </a:r>
-            <a:r>
-              <a:rPr lang="en-US" altLang="zh-CN" sz="1800"/>
-              <a:t>EOF</a:t>
-            </a:r>
-          </a:p>
-          <a:p>
-            <a:pPr marL="0" indent="0">
-              <a:lnSpc>
-                <a:spcPct val="100000"/>
-              </a:lnSpc>
-              <a:buNone/>
-            </a:pPr>
-            <a:r>
-              <a:rPr lang="en-US" altLang="zh-CN" sz="1800"/>
-              <a:t>	l_pid</a:t>
+              <a:t>l_pid</a:t>
             </a:r>
             <a:r>
               <a:rPr lang="zh-CN" altLang="en-US" sz="1800"/>
@@ -6696,15 +6473,11 @@
               <a:rPr lang="zh-CN" altLang="en-US" sz="1800"/>
               <a:t>返回</a:t>
             </a:r>
+            <a:endParaRPr lang="zh-CN" altLang="en-US" sz="1800"/>
           </a:p>
         </p:txBody>
       </p:sp>
     </p:spTree>
-    <p:extLst>
-      <p:ext uri="{BB962C8B-B14F-4D97-AF65-F5344CB8AC3E}">
-        <p14:creationId xmlns:p14="http://schemas.microsoft.com/office/powerpoint/2010/main" val="3114712166"/>
-      </p:ext>
-    </p:extLst>
   </p:cSld>
   <p:clrMapOvr>
     <a:masterClrMapping/>
@@ -6731,13 +6504,7 @@
       </p:grpSpPr>
       <p:sp>
         <p:nvSpPr>
-          <p:cNvPr id="2" name="标题 1">
-            <a:extLst>
-              <a:ext uri="{FF2B5EF4-FFF2-40B4-BE49-F238E27FC236}">
-                <a16:creationId xmlns:a16="http://schemas.microsoft.com/office/drawing/2014/main" id="{4B493D01-6C9D-4225-A089-5E19E30AA2F7}"/>
-              </a:ext>
-            </a:extLst>
-          </p:cNvPr>
+          <p:cNvPr id="2" name="标题 1"/>
           <p:cNvSpPr>
             <a:spLocks noGrp="1"/>
           </p:cNvSpPr>
@@ -6764,13 +6531,7 @@
       </p:sp>
       <p:sp>
         <p:nvSpPr>
-          <p:cNvPr id="3" name="内容占位符 2">
-            <a:extLst>
-              <a:ext uri="{FF2B5EF4-FFF2-40B4-BE49-F238E27FC236}">
-                <a16:creationId xmlns:a16="http://schemas.microsoft.com/office/drawing/2014/main" id="{DEED4179-6A87-471D-8690-6A5B56FD2D11}"/>
-              </a:ext>
-            </a:extLst>
-          </p:cNvPr>
+          <p:cNvPr id="3" name="内容占位符 2"/>
           <p:cNvSpPr>
             <a:spLocks noGrp="1"/>
           </p:cNvSpPr>
@@ -6914,6 +6675,11 @@
               </a:rPr>
               <a:t>cat /proc/filesystems</a:t>
             </a:r>
+            <a:endParaRPr lang="en-US" altLang="zh-CN" sz="2000">
+              <a:solidFill>
+                <a:srgbClr val="FF0000"/>
+              </a:solidFill>
+            </a:endParaRPr>
           </a:p>
           <a:p>
             <a:pPr marL="0" indent="0">
@@ -6930,15 +6696,11 @@
               <a:rPr lang="zh-CN" altLang="en-US" sz="2000"/>
               <a:t>查看当前操作系统支持哪些具体文件系统。</a:t>
             </a:r>
+            <a:endParaRPr lang="zh-CN" altLang="en-US" sz="2000"/>
           </a:p>
         </p:txBody>
       </p:sp>
     </p:spTree>
-    <p:extLst>
-      <p:ext uri="{BB962C8B-B14F-4D97-AF65-F5344CB8AC3E}">
-        <p14:creationId xmlns:p14="http://schemas.microsoft.com/office/powerpoint/2010/main" val="434517381"/>
-      </p:ext>
-    </p:extLst>
   </p:cSld>
   <p:clrMapOvr>
     <a:masterClrMapping/>
@@ -6965,13 +6727,7 @@
       </p:grpSpPr>
       <p:sp>
         <p:nvSpPr>
-          <p:cNvPr id="2" name="标题 1">
-            <a:extLst>
-              <a:ext uri="{FF2B5EF4-FFF2-40B4-BE49-F238E27FC236}">
-                <a16:creationId xmlns:a16="http://schemas.microsoft.com/office/drawing/2014/main" id="{AEEBD95E-574D-48A6-B8FC-209FF35A6FDB}"/>
-              </a:ext>
-            </a:extLst>
-          </p:cNvPr>
+          <p:cNvPr id="2" name="标题 1"/>
           <p:cNvSpPr>
             <a:spLocks noGrp="1"/>
           </p:cNvSpPr>
@@ -6988,18 +6744,13 @@
               <a:rPr lang="zh-CN" altLang="en-US"/>
               <a:t>文件与文件描述符</a:t>
             </a:r>
+            <a:endParaRPr lang="zh-CN" altLang="en-US"/>
           </a:p>
         </p:txBody>
       </p:sp>
       <p:sp>
         <p:nvSpPr>
-          <p:cNvPr id="3" name="内容占位符 2">
-            <a:extLst>
-              <a:ext uri="{FF2B5EF4-FFF2-40B4-BE49-F238E27FC236}">
-                <a16:creationId xmlns:a16="http://schemas.microsoft.com/office/drawing/2014/main" id="{AA612083-2A87-4194-A977-45385B10EDB6}"/>
-              </a:ext>
-            </a:extLst>
-          </p:cNvPr>
+          <p:cNvPr id="3" name="内容占位符 2"/>
           <p:cNvSpPr>
             <a:spLocks noGrp="1"/>
           </p:cNvSpPr>
@@ -7155,15 +6906,11 @@
               <a:rPr lang="zh-CN" altLang="en-US" sz="1800"/>
               <a:t>查看相关定义。</a:t>
             </a:r>
+            <a:endParaRPr lang="zh-CN" altLang="en-US" sz="1800"/>
           </a:p>
         </p:txBody>
       </p:sp>
     </p:spTree>
-    <p:extLst>
-      <p:ext uri="{BB962C8B-B14F-4D97-AF65-F5344CB8AC3E}">
-        <p14:creationId xmlns:p14="http://schemas.microsoft.com/office/powerpoint/2010/main" val="915240316"/>
-      </p:ext>
-    </p:extLst>
   </p:cSld>
   <p:clrMapOvr>
     <a:masterClrMapping/>
@@ -7190,13 +6937,7 @@
       </p:grpSpPr>
       <p:sp>
         <p:nvSpPr>
-          <p:cNvPr id="2" name="标题 1">
-            <a:extLst>
-              <a:ext uri="{FF2B5EF4-FFF2-40B4-BE49-F238E27FC236}">
-                <a16:creationId xmlns:a16="http://schemas.microsoft.com/office/drawing/2014/main" id="{F238B161-9109-4D85-A09A-B92212C4539F}"/>
-              </a:ext>
-            </a:extLst>
-          </p:cNvPr>
+          <p:cNvPr id="2" name="标题 1"/>
           <p:cNvSpPr>
             <a:spLocks noGrp="1"/>
           </p:cNvSpPr>
@@ -7213,18 +6954,13 @@
               <a:rPr lang="zh-CN" altLang="en-US"/>
               <a:t>文件与文件描述符</a:t>
             </a:r>
+            <a:endParaRPr lang="zh-CN" altLang="en-US"/>
           </a:p>
         </p:txBody>
       </p:sp>
       <p:sp>
         <p:nvSpPr>
-          <p:cNvPr id="3" name="内容占位符 2">
-            <a:extLst>
-              <a:ext uri="{FF2B5EF4-FFF2-40B4-BE49-F238E27FC236}">
-                <a16:creationId xmlns:a16="http://schemas.microsoft.com/office/drawing/2014/main" id="{D5FF3C68-73FD-4F04-90FC-C9604383309C}"/>
-              </a:ext>
-            </a:extLst>
-          </p:cNvPr>
+          <p:cNvPr id="3" name="内容占位符 2"/>
           <p:cNvSpPr>
             <a:spLocks noGrp="1"/>
           </p:cNvSpPr>
@@ -7287,28 +7023,17 @@
               <a:rPr lang="zh-CN" altLang="en-US"/>
               <a:t>、网络连接等）是唯一的操作途径。</a:t>
             </a:r>
+            <a:endParaRPr lang="zh-CN" altLang="en-US"/>
           </a:p>
         </p:txBody>
       </p:sp>
       <p:graphicFrame>
         <p:nvGraphicFramePr>
-          <p:cNvPr id="4" name="表格 3">
-            <a:extLst>
-              <a:ext uri="{FF2B5EF4-FFF2-40B4-BE49-F238E27FC236}">
-                <a16:creationId xmlns:a16="http://schemas.microsoft.com/office/drawing/2014/main" id="{91D67E6F-6334-496F-B375-2963E09E4C90}"/>
-              </a:ext>
-            </a:extLst>
-          </p:cNvPr>
+          <p:cNvPr id="4" name="表格 3"/>
           <p:cNvGraphicFramePr>
             <a:graphicFrameLocks noGrp="1"/>
           </p:cNvGraphicFramePr>
-          <p:nvPr>
-            <p:extLst>
-              <p:ext uri="{D42A27DB-BD31-4B8C-83A1-F6EECF244321}">
-                <p14:modId xmlns:p14="http://schemas.microsoft.com/office/powerpoint/2010/main" val="108486405"/>
-              </p:ext>
-            </p:extLst>
-          </p:nvPr>
+          <p:nvPr/>
         </p:nvGraphicFramePr>
         <p:xfrm>
           <a:off x="838200" y="4300362"/>
@@ -7319,27 +7044,9 @@
             <a:tbl>
               <a:tblPr/>
               <a:tblGrid>
-                <a:gridCol w="3110064">
-                  <a:extLst>
-                    <a:ext uri="{9D8B030D-6E8A-4147-A177-3AD203B41FA5}">
-                      <a16:colId xmlns:a16="http://schemas.microsoft.com/office/drawing/2014/main" val="668605350"/>
-                    </a:ext>
-                  </a:extLst>
-                </a:gridCol>
-                <a:gridCol w="2911410">
-                  <a:extLst>
-                    <a:ext uri="{9D8B030D-6E8A-4147-A177-3AD203B41FA5}">
-                      <a16:colId xmlns:a16="http://schemas.microsoft.com/office/drawing/2014/main" val="1674991128"/>
-                    </a:ext>
-                  </a:extLst>
-                </a:gridCol>
-                <a:gridCol w="4494126">
-                  <a:extLst>
-                    <a:ext uri="{9D8B030D-6E8A-4147-A177-3AD203B41FA5}">
-                      <a16:colId xmlns:a16="http://schemas.microsoft.com/office/drawing/2014/main" val="2278373914"/>
-                    </a:ext>
-                  </a:extLst>
-                </a:gridCol>
+                <a:gridCol w="3110064"/>
+                <a:gridCol w="2911410"/>
+                <a:gridCol w="4494126"/>
               </a:tblGrid>
               <a:tr h="394286">
                 <a:tc>
@@ -7357,6 +7064,12 @@
                         </a:rPr>
                         <a:t>流的名称</a:t>
                       </a:r>
+                      <a:endParaRPr lang="zh-CN" altLang="en-US" sz="1600">
+                        <a:solidFill>
+                          <a:srgbClr val="FFFFFF"/>
+                        </a:solidFill>
+                        <a:effectLst/>
+                      </a:endParaRPr>
                     </a:p>
                   </a:txBody>
                   <a:tcPr marL="28575" marR="28575" marT="28575" marB="28575">
@@ -7416,6 +7129,12 @@
                         </a:rPr>
                         <a:t>文件描述符</a:t>
                       </a:r>
+                      <a:endParaRPr lang="zh-CN" altLang="en-US" sz="1600">
+                        <a:solidFill>
+                          <a:srgbClr val="FFFFFF"/>
+                        </a:solidFill>
+                        <a:effectLst/>
+                      </a:endParaRPr>
                     </a:p>
                   </a:txBody>
                   <a:tcPr marL="28575" marR="28575" marT="28575" marB="28575">
@@ -7475,6 +7194,12 @@
                         </a:rPr>
                         <a:t>宏定义</a:t>
                       </a:r>
+                      <a:endParaRPr lang="zh-CN" altLang="en-US" sz="1600">
+                        <a:solidFill>
+                          <a:srgbClr val="FFFFFF"/>
+                        </a:solidFill>
+                        <a:effectLst/>
+                      </a:endParaRPr>
                     </a:p>
                   </a:txBody>
                   <a:tcPr marL="28575" marR="28575" marT="28575" marB="28575">
@@ -7519,11 +7244,6 @@
                     </a:solidFill>
                   </a:tcPr>
                 </a:tc>
-                <a:extLst>
-                  <a:ext uri="{0D108BD9-81ED-4DB2-BD59-A6C34878D82A}">
-                    <a16:rowId xmlns:a16="http://schemas.microsoft.com/office/drawing/2014/main" val="187700984"/>
-                  </a:ext>
-                </a:extLst>
               </a:tr>
               <a:tr h="494105">
                 <a:tc>
@@ -7538,6 +7258,9 @@
                         </a:rPr>
                         <a:t>标准输入</a:t>
                       </a:r>
+                      <a:endParaRPr lang="zh-CN" altLang="en-US" sz="1600">
+                        <a:effectLst/>
+                      </a:endParaRPr>
                     </a:p>
                   </a:txBody>
                   <a:tcPr marL="47625" marR="47625" marT="66675" marB="66675">
@@ -7700,11 +7423,6 @@
                     </a:solidFill>
                   </a:tcPr>
                 </a:tc>
-                <a:extLst>
-                  <a:ext uri="{0D108BD9-81ED-4DB2-BD59-A6C34878D82A}">
-                    <a16:rowId xmlns:a16="http://schemas.microsoft.com/office/drawing/2014/main" val="3137039010"/>
-                  </a:ext>
-                </a:extLst>
               </a:tr>
               <a:tr h="494105">
                 <a:tc>
@@ -7884,11 +7602,6 @@
                     </a:solidFill>
                   </a:tcPr>
                 </a:tc>
-                <a:extLst>
-                  <a:ext uri="{0D108BD9-81ED-4DB2-BD59-A6C34878D82A}">
-                    <a16:rowId xmlns:a16="http://schemas.microsoft.com/office/drawing/2014/main" val="1807297819"/>
-                  </a:ext>
-                </a:extLst>
               </a:tr>
               <a:tr h="494105">
                 <a:tc>
@@ -8068,22 +7781,12 @@
                     </a:solidFill>
                   </a:tcPr>
                 </a:tc>
-                <a:extLst>
-                  <a:ext uri="{0D108BD9-81ED-4DB2-BD59-A6C34878D82A}">
-                    <a16:rowId xmlns:a16="http://schemas.microsoft.com/office/drawing/2014/main" val="813492609"/>
-                  </a:ext>
-                </a:extLst>
               </a:tr>
             </a:tbl>
           </a:graphicData>
         </a:graphic>
       </p:graphicFrame>
     </p:spTree>
-    <p:extLst>
-      <p:ext uri="{BB962C8B-B14F-4D97-AF65-F5344CB8AC3E}">
-        <p14:creationId xmlns:p14="http://schemas.microsoft.com/office/powerpoint/2010/main" val="3463187174"/>
-      </p:ext>
-    </p:extLst>
   </p:cSld>
   <p:clrMapOvr>
     <a:masterClrMapping/>
@@ -8110,13 +7813,7 @@
       </p:grpSpPr>
       <p:sp>
         <p:nvSpPr>
-          <p:cNvPr id="2" name="标题 1">
-            <a:extLst>
-              <a:ext uri="{FF2B5EF4-FFF2-40B4-BE49-F238E27FC236}">
-                <a16:creationId xmlns:a16="http://schemas.microsoft.com/office/drawing/2014/main" id="{AAE690E2-16A9-4CD5-836A-470A6FFABF01}"/>
-              </a:ext>
-            </a:extLst>
-          </p:cNvPr>
+          <p:cNvPr id="2" name="标题 1"/>
           <p:cNvSpPr>
             <a:spLocks noGrp="1"/>
           </p:cNvSpPr>
@@ -8169,18 +7866,13 @@
               <a:rPr lang="zh-CN" altLang="en-US"/>
               <a:t>的区别</a:t>
             </a:r>
+            <a:endParaRPr lang="zh-CN" altLang="en-US"/>
           </a:p>
         </p:txBody>
       </p:sp>
       <p:sp>
         <p:nvSpPr>
-          <p:cNvPr id="3" name="内容占位符 2">
-            <a:extLst>
-              <a:ext uri="{FF2B5EF4-FFF2-40B4-BE49-F238E27FC236}">
-                <a16:creationId xmlns:a16="http://schemas.microsoft.com/office/drawing/2014/main" id="{8D8226BD-43AA-4412-8DA4-262D8F18E025}"/>
-              </a:ext>
-            </a:extLst>
-          </p:cNvPr>
+          <p:cNvPr id="3" name="内容占位符 2"/>
           <p:cNvSpPr>
             <a:spLocks noGrp="1"/>
           </p:cNvSpPr>
@@ -8598,6 +8290,11 @@
               </a:rPr>
               <a:t>指针来表示一个打开的文件，通常只能访问普通文件。</a:t>
             </a:r>
+            <a:endParaRPr lang="zh-CN" altLang="en-US">
+              <a:solidFill>
+                <a:schemeClr val="accent2"/>
+              </a:solidFill>
+            </a:endParaRPr>
           </a:p>
           <a:p>
             <a:pPr marL="0" indent="0">
@@ -8608,11 +8305,6 @@
         </p:txBody>
       </p:sp>
     </p:spTree>
-    <p:extLst>
-      <p:ext uri="{BB962C8B-B14F-4D97-AF65-F5344CB8AC3E}">
-        <p14:creationId xmlns:p14="http://schemas.microsoft.com/office/powerpoint/2010/main" val="4217945975"/>
-      </p:ext>
-    </p:extLst>
   </p:cSld>
   <p:clrMapOvr>
     <a:masterClrMapping/>
@@ -8639,13 +8331,7 @@
       </p:grpSpPr>
       <p:sp>
         <p:nvSpPr>
-          <p:cNvPr id="4" name="标题 3">
-            <a:extLst>
-              <a:ext uri="{FF2B5EF4-FFF2-40B4-BE49-F238E27FC236}">
-                <a16:creationId xmlns:a16="http://schemas.microsoft.com/office/drawing/2014/main" id="{6630479A-6936-4B8F-9221-19656F48C3C4}"/>
-              </a:ext>
-            </a:extLst>
-          </p:cNvPr>
+          <p:cNvPr id="4" name="标题 3"/>
           <p:cNvSpPr>
             <a:spLocks noGrp="1"/>
           </p:cNvSpPr>
@@ -8664,18 +8350,13 @@
               <a:rPr lang="zh-CN" altLang="en-US" sz="3200"/>
               <a:t>打开文件</a:t>
             </a:r>
+            <a:endParaRPr lang="zh-CN" altLang="en-US" sz="3200"/>
           </a:p>
         </p:txBody>
       </p:sp>
       <p:sp>
         <p:nvSpPr>
-          <p:cNvPr id="5" name="内容占位符 4">
-            <a:extLst>
-              <a:ext uri="{FF2B5EF4-FFF2-40B4-BE49-F238E27FC236}">
-                <a16:creationId xmlns:a16="http://schemas.microsoft.com/office/drawing/2014/main" id="{F3E035F9-5224-4882-BA29-471E00C99C1A}"/>
-              </a:ext>
-            </a:extLst>
-          </p:cNvPr>
+          <p:cNvPr id="5" name="内容占位符 4"/>
           <p:cNvSpPr>
             <a:spLocks noGrp="1"/>
           </p:cNvSpPr>
@@ -8738,6 +8419,13 @@
               </a:rPr>
               <a:t>:</a:t>
             </a:r>
+            <a:endParaRPr lang="en-US" altLang="zh-CN" sz="2400">
+              <a:solidFill>
+                <a:schemeClr val="accent1">
+                  <a:lumMod val="75000"/>
+                </a:schemeClr>
+              </a:solidFill>
+            </a:endParaRPr>
           </a:p>
           <a:p>
             <a:pPr marL="0" indent="0">
@@ -8753,6 +8441,13 @@
               </a:rPr>
               <a:t>int open(const char *pathname,int flags,int perms);</a:t>
             </a:r>
+            <a:endParaRPr lang="en-US" altLang="zh-CN" sz="2400">
+              <a:solidFill>
+                <a:schemeClr val="accent1">
+                  <a:lumMod val="75000"/>
+                </a:schemeClr>
+              </a:solidFill>
+            </a:endParaRPr>
           </a:p>
           <a:p>
             <a:pPr marL="0" indent="0">
@@ -8777,31 +8472,6 @@
                 </a:solidFill>
               </a:rPr>
               <a:t>:</a:t>
-            </a:r>
-          </a:p>
-          <a:p>
-            <a:pPr marL="0" indent="0">
-              <a:buNone/>
-            </a:pPr>
-            <a:r>
-              <a:rPr lang="en-US" altLang="zh-CN" sz="2400">
-                <a:solidFill>
-                  <a:schemeClr val="accent2">
-                    <a:lumMod val="75000"/>
-                  </a:schemeClr>
-                </a:solidFill>
-              </a:rPr>
-              <a:t>pathname</a:t>
-            </a:r>
-            <a:r>
-              <a:rPr lang="zh-CN" altLang="en-US" sz="2400">
-                <a:solidFill>
-                  <a:schemeClr val="accent2">
-                    <a:lumMod val="75000"/>
-                  </a:schemeClr>
-                </a:solidFill>
-              </a:rPr>
-              <a:t>：打开文件名（可以包含具体路径名）</a:t>
             </a:r>
             <a:endParaRPr lang="en-US" altLang="zh-CN" sz="2400">
               <a:solidFill>
@@ -8823,7 +8493,7 @@
                   </a:schemeClr>
                 </a:solidFill>
               </a:rPr>
-              <a:t>flags</a:t>
+              <a:t>pathname</a:t>
             </a:r>
             <a:r>
               <a:rPr lang="zh-CN" altLang="en-US" sz="2400">
@@ -8833,7 +8503,7 @@
                   </a:schemeClr>
                 </a:solidFill>
               </a:rPr>
-              <a:t>：打开文件的方式</a:t>
+              <a:t>：打开文件名（可以包含具体路径名）</a:t>
             </a:r>
             <a:endParaRPr lang="en-US" altLang="zh-CN" sz="2400">
               <a:solidFill>
@@ -8855,7 +8525,7 @@
                   </a:schemeClr>
                 </a:solidFill>
               </a:rPr>
-              <a:t>perms</a:t>
+              <a:t>flags</a:t>
             </a:r>
             <a:r>
               <a:rPr lang="zh-CN" altLang="en-US" sz="2400">
@@ -8865,7 +8535,7 @@
                   </a:schemeClr>
                 </a:solidFill>
               </a:rPr>
-              <a:t>：新建文件的权限，可以使用宏定义或者八进制文件权限码</a:t>
+              <a:t>：打开文件的方式</a:t>
             </a:r>
             <a:endParaRPr lang="en-US" altLang="zh-CN" sz="2400">
               <a:solidFill>
@@ -8880,8 +8550,40 @@
               <a:buNone/>
             </a:pPr>
             <a:r>
+              <a:rPr lang="en-US" altLang="zh-CN" sz="2400">
+                <a:solidFill>
+                  <a:schemeClr val="accent2">
+                    <a:lumMod val="75000"/>
+                  </a:schemeClr>
+                </a:solidFill>
+              </a:rPr>
+              <a:t>perms</a:t>
+            </a:r>
+            <a:r>
               <a:rPr lang="zh-CN" altLang="en-US" sz="2400">
                 <a:solidFill>
+                  <a:schemeClr val="accent2">
+                    <a:lumMod val="75000"/>
+                  </a:schemeClr>
+                </a:solidFill>
+              </a:rPr>
+              <a:t>：新建文件的权限，可以使用宏定义或者八进制文件权限码</a:t>
+            </a:r>
+            <a:endParaRPr lang="en-US" altLang="zh-CN" sz="2400">
+              <a:solidFill>
+                <a:schemeClr val="accent2">
+                  <a:lumMod val="75000"/>
+                </a:schemeClr>
+              </a:solidFill>
+            </a:endParaRPr>
+          </a:p>
+          <a:p>
+            <a:pPr marL="0" indent="0">
+              <a:buNone/>
+            </a:pPr>
+            <a:r>
+              <a:rPr lang="zh-CN" altLang="en-US" sz="2400">
+                <a:solidFill>
                   <a:schemeClr val="accent6">
                     <a:lumMod val="75000"/>
                   </a:schemeClr>
@@ -8898,61 +8600,6 @@
                 </a:solidFill>
               </a:rPr>
               <a:t>:</a:t>
-            </a:r>
-          </a:p>
-          <a:p>
-            <a:pPr marL="0" indent="0">
-              <a:buNone/>
-            </a:pPr>
-            <a:r>
-              <a:rPr lang="zh-CN" altLang="en-US" sz="2400">
-                <a:solidFill>
-                  <a:schemeClr val="accent6">
-                    <a:lumMod val="75000"/>
-                  </a:schemeClr>
-                </a:solidFill>
-              </a:rPr>
-              <a:t>失败</a:t>
-            </a:r>
-            <a:r>
-              <a:rPr lang="en-US" altLang="zh-CN" sz="2400">
-                <a:solidFill>
-                  <a:schemeClr val="accent6">
-                    <a:lumMod val="75000"/>
-                  </a:schemeClr>
-                </a:solidFill>
-              </a:rPr>
-              <a:t>:-1/</a:t>
-            </a:r>
-            <a:r>
-              <a:rPr lang="zh-CN" altLang="en-US" sz="2400">
-                <a:solidFill>
-                  <a:schemeClr val="accent6">
-                    <a:lumMod val="75000"/>
-                  </a:schemeClr>
-                </a:solidFill>
-              </a:rPr>
-              <a:t>成功</a:t>
-            </a:r>
-            <a:r>
-              <a:rPr lang="en-US" altLang="zh-CN" sz="2400">
-                <a:solidFill>
-                  <a:schemeClr val="accent6">
-                    <a:lumMod val="75000"/>
-                  </a:schemeClr>
-                </a:solidFill>
-              </a:rPr>
-              <a:t>:</a:t>
-            </a:r>
-            <a:r>
-              <a:rPr lang="zh-CN" altLang="en-US" sz="2400">
-                <a:solidFill>
-                  <a:schemeClr val="accent6">
-                    <a:lumMod val="75000"/>
-                  </a:schemeClr>
-                </a:solidFill>
-              </a:rPr>
-              <a:t>文件描述符</a:t>
             </a:r>
             <a:endParaRPr lang="en-US" altLang="zh-CN" sz="2400">
               <a:solidFill>
@@ -8967,6 +8614,68 @@
               <a:buNone/>
             </a:pPr>
             <a:r>
+              <a:rPr lang="zh-CN" altLang="en-US" sz="2400">
+                <a:solidFill>
+                  <a:schemeClr val="accent6">
+                    <a:lumMod val="75000"/>
+                  </a:schemeClr>
+                </a:solidFill>
+              </a:rPr>
+              <a:t>失败</a:t>
+            </a:r>
+            <a:r>
+              <a:rPr lang="en-US" altLang="zh-CN" sz="2400">
+                <a:solidFill>
+                  <a:schemeClr val="accent6">
+                    <a:lumMod val="75000"/>
+                  </a:schemeClr>
+                </a:solidFill>
+              </a:rPr>
+              <a:t>:-1/</a:t>
+            </a:r>
+            <a:r>
+              <a:rPr lang="zh-CN" altLang="en-US" sz="2400">
+                <a:solidFill>
+                  <a:schemeClr val="accent6">
+                    <a:lumMod val="75000"/>
+                  </a:schemeClr>
+                </a:solidFill>
+              </a:rPr>
+              <a:t>成功</a:t>
+            </a:r>
+            <a:r>
+              <a:rPr lang="en-US" altLang="zh-CN" sz="2400">
+                <a:solidFill>
+                  <a:schemeClr val="accent6">
+                    <a:lumMod val="75000"/>
+                  </a:schemeClr>
+                </a:solidFill>
+              </a:rPr>
+              <a:t>:</a:t>
+            </a:r>
+            <a:r>
+              <a:rPr lang="zh-CN" altLang="en-US" sz="2400">
+                <a:solidFill>
+                  <a:schemeClr val="accent6">
+                    <a:lumMod val="75000"/>
+                  </a:schemeClr>
+                </a:solidFill>
+              </a:rPr>
+              <a:t>文件描述符</a:t>
+            </a:r>
+            <a:endParaRPr lang="en-US" altLang="zh-CN" sz="2400">
+              <a:solidFill>
+                <a:schemeClr val="accent6">
+                  <a:lumMod val="75000"/>
+                </a:schemeClr>
+              </a:solidFill>
+            </a:endParaRPr>
+          </a:p>
+          <a:p>
+            <a:pPr marL="0" indent="0">
+              <a:buNone/>
+            </a:pPr>
+            <a:r>
               <a:rPr lang="zh-CN" altLang="en-US" sz="2400"/>
               <a:t>头文件</a:t>
             </a:r>
@@ -8979,11 +8688,6 @@
         </p:txBody>
       </p:sp>
     </p:spTree>
-    <p:extLst>
-      <p:ext uri="{BB962C8B-B14F-4D97-AF65-F5344CB8AC3E}">
-        <p14:creationId xmlns:p14="http://schemas.microsoft.com/office/powerpoint/2010/main" val="1951755431"/>
-      </p:ext>
-    </p:extLst>
   </p:cSld>
   <p:clrMapOvr>
     <a:masterClrMapping/>
@@ -9010,13 +8714,7 @@
       </p:grpSpPr>
       <p:sp>
         <p:nvSpPr>
-          <p:cNvPr id="5" name="标题 4">
-            <a:extLst>
-              <a:ext uri="{FF2B5EF4-FFF2-40B4-BE49-F238E27FC236}">
-                <a16:creationId xmlns:a16="http://schemas.microsoft.com/office/drawing/2014/main" id="{04DF0DCA-E9E1-4D22-80E4-6CA5BDE81A0B}"/>
-              </a:ext>
-            </a:extLst>
-          </p:cNvPr>
+          <p:cNvPr id="5" name="标题 4"/>
           <p:cNvSpPr>
             <a:spLocks noGrp="1"/>
           </p:cNvSpPr>
@@ -9049,13 +8747,7 @@
       </p:sp>
       <p:sp>
         <p:nvSpPr>
-          <p:cNvPr id="6" name="内容占位符 5">
-            <a:extLst>
-              <a:ext uri="{FF2B5EF4-FFF2-40B4-BE49-F238E27FC236}">
-                <a16:creationId xmlns:a16="http://schemas.microsoft.com/office/drawing/2014/main" id="{F94CEC96-E820-4BCB-9F76-901CAEC7BCB1}"/>
-              </a:ext>
-            </a:extLst>
-          </p:cNvPr>
+          <p:cNvPr id="6" name="内容占位符 5"/>
           <p:cNvSpPr>
             <a:spLocks noGrp="1"/>
           </p:cNvSpPr>
@@ -9162,23 +8854,11 @@
       </p:sp>
       <p:graphicFrame>
         <p:nvGraphicFramePr>
-          <p:cNvPr id="4" name="表格 3">
-            <a:extLst>
-              <a:ext uri="{FF2B5EF4-FFF2-40B4-BE49-F238E27FC236}">
-                <a16:creationId xmlns:a16="http://schemas.microsoft.com/office/drawing/2014/main" id="{93043179-6452-41E4-B3F6-AB99A5CDF61A}"/>
-              </a:ext>
-            </a:extLst>
-          </p:cNvPr>
+          <p:cNvPr id="4" name="表格 3"/>
           <p:cNvGraphicFramePr>
             <a:graphicFrameLocks noGrp="1"/>
           </p:cNvGraphicFramePr>
-          <p:nvPr>
-            <p:extLst>
-              <p:ext uri="{D42A27DB-BD31-4B8C-83A1-F6EECF244321}">
-                <p14:modId xmlns:p14="http://schemas.microsoft.com/office/powerpoint/2010/main" val="487804519"/>
-              </p:ext>
-            </p:extLst>
-          </p:nvPr>
+          <p:nvPr/>
         </p:nvGraphicFramePr>
         <p:xfrm>
           <a:off x="838200" y="3603940"/>
@@ -9189,20 +8869,8 @@
             <a:tbl>
               <a:tblPr/>
               <a:tblGrid>
-                <a:gridCol w="1447800">
-                  <a:extLst>
-                    <a:ext uri="{9D8B030D-6E8A-4147-A177-3AD203B41FA5}">
-                      <a16:colId xmlns:a16="http://schemas.microsoft.com/office/drawing/2014/main" val="2598255258"/>
-                    </a:ext>
-                  </a:extLst>
-                </a:gridCol>
-                <a:gridCol w="9067800">
-                  <a:extLst>
-                    <a:ext uri="{9D8B030D-6E8A-4147-A177-3AD203B41FA5}">
-                      <a16:colId xmlns:a16="http://schemas.microsoft.com/office/drawing/2014/main" val="2168334581"/>
-                    </a:ext>
-                  </a:extLst>
-                </a:gridCol>
+                <a:gridCol w="1447800"/>
+                <a:gridCol w="9067800"/>
               </a:tblGrid>
               <a:tr h="199210">
                 <a:tc>
@@ -9220,6 +8888,12 @@
                         </a:rPr>
                         <a:t>宏定义</a:t>
                       </a:r>
+                      <a:endParaRPr lang="zh-CN" altLang="en-US" sz="1600">
+                        <a:solidFill>
+                          <a:srgbClr val="FFFFFF"/>
+                        </a:solidFill>
+                        <a:effectLst/>
+                      </a:endParaRPr>
                     </a:p>
                   </a:txBody>
                   <a:tcPr marL="20046" marR="20046" marT="20046" marB="20046">
@@ -9279,6 +8953,12 @@
                         </a:rPr>
                         <a:t>含义</a:t>
                       </a:r>
+                      <a:endParaRPr lang="zh-CN" altLang="en-US" sz="1600">
+                        <a:solidFill>
+                          <a:srgbClr val="FFFFFF"/>
+                        </a:solidFill>
+                        <a:effectLst/>
+                      </a:endParaRPr>
                     </a:p>
                   </a:txBody>
                   <a:tcPr marL="20046" marR="20046" marT="20046" marB="20046">
@@ -9323,11 +9003,6 @@
                     </a:solidFill>
                   </a:tcPr>
                 </a:tc>
-                <a:extLst>
-                  <a:ext uri="{0D108BD9-81ED-4DB2-BD59-A6C34878D82A}">
-                    <a16:rowId xmlns:a16="http://schemas.microsoft.com/office/drawing/2014/main" val="933473937"/>
-                  </a:ext>
-                </a:extLst>
               </a:tr>
               <a:tr h="340935">
                 <a:tc>
@@ -9342,6 +9017,9 @@
                         </a:rPr>
                         <a:t>O_RDONLY</a:t>
                       </a:r>
+                      <a:endParaRPr lang="en-US" sz="1600">
+                        <a:effectLst/>
+                      </a:endParaRPr>
                     </a:p>
                   </a:txBody>
                   <a:tcPr marL="33410" marR="33410" marT="46774" marB="46774">
@@ -9398,6 +9076,9 @@
                         </a:rPr>
                         <a:t>以只读方式打开文件</a:t>
                       </a:r>
+                      <a:endParaRPr lang="zh-CN" altLang="en-US" sz="1600">
+                        <a:effectLst/>
+                      </a:endParaRPr>
                     </a:p>
                   </a:txBody>
                   <a:tcPr marL="33410" marR="33410" marT="46774" marB="46774">
@@ -9442,11 +9123,6 @@
                     </a:solidFill>
                   </a:tcPr>
                 </a:tc>
-                <a:extLst>
-                  <a:ext uri="{0D108BD9-81ED-4DB2-BD59-A6C34878D82A}">
-                    <a16:rowId xmlns:a16="http://schemas.microsoft.com/office/drawing/2014/main" val="1944093786"/>
-                  </a:ext>
-                </a:extLst>
               </a:tr>
               <a:tr h="236715">
                 <a:tc>
@@ -9461,6 +9137,9 @@
                         </a:rPr>
                         <a:t>O_WRONLY</a:t>
                       </a:r>
+                      <a:endParaRPr lang="en-US" sz="1600">
+                        <a:effectLst/>
+                      </a:endParaRPr>
                     </a:p>
                   </a:txBody>
                   <a:tcPr marL="33410" marR="33410" marT="46774" marB="46774">
@@ -9519,6 +9198,9 @@
                         </a:rPr>
                         <a:t>以只写方式打开文件</a:t>
                       </a:r>
+                      <a:endParaRPr lang="zh-CN" altLang="en-US" sz="1600">
+                        <a:effectLst/>
+                      </a:endParaRPr>
                     </a:p>
                   </a:txBody>
                   <a:tcPr marL="33410" marR="33410" marT="46774" marB="46774">
@@ -9565,11 +9247,6 @@
                     </a:solidFill>
                   </a:tcPr>
                 </a:tc>
-                <a:extLst>
-                  <a:ext uri="{0D108BD9-81ED-4DB2-BD59-A6C34878D82A}">
-                    <a16:rowId xmlns:a16="http://schemas.microsoft.com/office/drawing/2014/main" val="2981874467"/>
-                  </a:ext>
-                </a:extLst>
               </a:tr>
               <a:tr h="335509">
                 <a:tc>
@@ -9584,6 +9261,9 @@
                         </a:rPr>
                         <a:t>O_RDWR</a:t>
                       </a:r>
+                      <a:endParaRPr lang="en-US" sz="1600">
+                        <a:effectLst/>
+                      </a:endParaRPr>
                     </a:p>
                   </a:txBody>
                   <a:tcPr marL="33410" marR="33410" marT="46774" marB="46774">
@@ -9687,11 +9367,6 @@
                     </a:solidFill>
                   </a:tcPr>
                 </a:tc>
-                <a:extLst>
-                  <a:ext uri="{0D108BD9-81ED-4DB2-BD59-A6C34878D82A}">
-                    <a16:rowId xmlns:a16="http://schemas.microsoft.com/office/drawing/2014/main" val="1488491693"/>
-                  </a:ext>
-                </a:extLst>
               </a:tr>
               <a:tr h="236715">
                 <a:tc>
@@ -9706,6 +9381,9 @@
                         </a:rPr>
                         <a:t>O_CREAT</a:t>
                       </a:r>
+                      <a:endParaRPr lang="en-US" sz="1600">
+                        <a:effectLst/>
+                      </a:endParaRPr>
                     </a:p>
                   </a:txBody>
                   <a:tcPr marL="33410" marR="33410" marT="46774" marB="46774">
@@ -9776,6 +9454,9 @@
                         </a:rPr>
                         <a:t>为其设置权限</a:t>
                       </a:r>
+                      <a:endParaRPr lang="zh-CN" altLang="en-US" sz="1600">
+                        <a:effectLst/>
+                      </a:endParaRPr>
                     </a:p>
                   </a:txBody>
                   <a:tcPr marL="33410" marR="33410" marT="46774" marB="46774">
@@ -9822,11 +9503,6 @@
                     </a:solidFill>
                   </a:tcPr>
                 </a:tc>
-                <a:extLst>
-                  <a:ext uri="{0D108BD9-81ED-4DB2-BD59-A6C34878D82A}">
-                    <a16:rowId xmlns:a16="http://schemas.microsoft.com/office/drawing/2014/main" val="3106339741"/>
-                  </a:ext>
-                </a:extLst>
               </a:tr>
               <a:tr h="407796">
                 <a:tc>
@@ -9841,6 +9517,9 @@
                         </a:rPr>
                         <a:t>O_EXCL</a:t>
                       </a:r>
+                      <a:endParaRPr lang="en-US" sz="1600">
+                        <a:effectLst/>
+                      </a:endParaRPr>
                     </a:p>
                   </a:txBody>
                   <a:tcPr marL="33410" marR="33410" marT="46774" marB="46774">
@@ -9909,6 +9588,9 @@
                         </a:rPr>
                         <a:t>创建文件时文件已存在则返回错误信息。使用这个参数可以测试文件是否已存在</a:t>
                       </a:r>
+                      <a:endParaRPr lang="zh-CN" altLang="en-US" sz="1600">
+                        <a:effectLst/>
+                      </a:endParaRPr>
                     </a:p>
                   </a:txBody>
                   <a:tcPr marL="33410" marR="33410" marT="46774" marB="46774">
@@ -9953,11 +9635,6 @@
                     </a:solidFill>
                   </a:tcPr>
                 </a:tc>
-                <a:extLst>
-                  <a:ext uri="{0D108BD9-81ED-4DB2-BD59-A6C34878D82A}">
-                    <a16:rowId xmlns:a16="http://schemas.microsoft.com/office/drawing/2014/main" val="3229487396"/>
-                  </a:ext>
-                </a:extLst>
               </a:tr>
               <a:tr h="236715">
                 <a:tc>
@@ -9972,6 +9649,9 @@
                         </a:rPr>
                         <a:t>O_NOCTTY</a:t>
                       </a:r>
+                      <a:endParaRPr lang="en-US" sz="1600">
+                        <a:effectLst/>
+                      </a:endParaRPr>
                     </a:p>
                   </a:txBody>
                   <a:tcPr marL="33410" marR="33410" marT="46774" marB="46774">
@@ -10030,6 +9710,9 @@
                         </a:rPr>
                         <a:t>若打开的是一个终端文件，则该终端不会成为当前进程的控制终端</a:t>
                       </a:r>
+                      <a:endParaRPr lang="zh-CN" altLang="en-US" sz="1600">
+                        <a:effectLst/>
+                      </a:endParaRPr>
                     </a:p>
                   </a:txBody>
                   <a:tcPr marL="33410" marR="33410" marT="46774" marB="46774">
@@ -10076,11 +9759,6 @@
                     </a:solidFill>
                   </a:tcPr>
                 </a:tc>
-                <a:extLst>
-                  <a:ext uri="{0D108BD9-81ED-4DB2-BD59-A6C34878D82A}">
-                    <a16:rowId xmlns:a16="http://schemas.microsoft.com/office/drawing/2014/main" val="4200347004"/>
-                  </a:ext>
-                </a:extLst>
               </a:tr>
               <a:tr h="236715">
                 <a:tc>
@@ -10095,6 +9773,9 @@
                         </a:rPr>
                         <a:t>O_TRUNC</a:t>
                       </a:r>
+                      <a:endParaRPr lang="en-US" sz="1600">
+                        <a:effectLst/>
+                      </a:endParaRPr>
                     </a:p>
                   </a:txBody>
                   <a:tcPr marL="33410" marR="33410" marT="46774" marB="46774">
@@ -10204,11 +9885,6 @@
                     </a:solidFill>
                   </a:tcPr>
                 </a:tc>
-                <a:extLst>
-                  <a:ext uri="{0D108BD9-81ED-4DB2-BD59-A6C34878D82A}">
-                    <a16:rowId xmlns:a16="http://schemas.microsoft.com/office/drawing/2014/main" val="2483667143"/>
-                  </a:ext>
-                </a:extLst>
               </a:tr>
               <a:tr h="236715">
                 <a:tc>
@@ -10229,6 +9905,15 @@
                         </a:rPr>
                         <a:t>O_APPEND</a:t>
                       </a:r>
+                      <a:endParaRPr lang="en-US" sz="1600" kern="1200">
+                        <a:solidFill>
+                          <a:schemeClr val="tx1"/>
+                        </a:solidFill>
+                        <a:effectLst/>
+                        <a:latin typeface="+mn-lt"/>
+                        <a:ea typeface="+mn-ea"/>
+                        <a:cs typeface="+mn-cs"/>
+                      </a:endParaRPr>
                     </a:p>
                   </a:txBody>
                   <a:tcPr marL="33410" marR="33410" marT="46774" marB="46774">
@@ -10293,6 +9978,15 @@
                         </a:rPr>
                         <a:t>以添加形式打开文件，在对文件进行写数据操作时数据添加到文件末尾</a:t>
                       </a:r>
+                      <a:endParaRPr lang="zh-CN" altLang="en-US" sz="1600" kern="1200">
+                        <a:solidFill>
+                          <a:schemeClr val="tx1"/>
+                        </a:solidFill>
+                        <a:effectLst/>
+                        <a:latin typeface="+mn-lt"/>
+                        <a:ea typeface="+mn-ea"/>
+                        <a:cs typeface="+mn-cs"/>
+                      </a:endParaRPr>
                     </a:p>
                   </a:txBody>
                   <a:tcPr marL="33410" marR="33410" marT="46774" marB="46774">
@@ -10339,22 +10033,12 @@
                     </a:solidFill>
                   </a:tcPr>
                 </a:tc>
-                <a:extLst>
-                  <a:ext uri="{0D108BD9-81ED-4DB2-BD59-A6C34878D82A}">
-                    <a16:rowId xmlns:a16="http://schemas.microsoft.com/office/drawing/2014/main" val="3710163402"/>
-                  </a:ext>
-                </a:extLst>
               </a:tr>
             </a:tbl>
           </a:graphicData>
         </a:graphic>
       </p:graphicFrame>
     </p:spTree>
-    <p:extLst>
-      <p:ext uri="{BB962C8B-B14F-4D97-AF65-F5344CB8AC3E}">
-        <p14:creationId xmlns:p14="http://schemas.microsoft.com/office/powerpoint/2010/main" val="2598896610"/>
-      </p:ext>
-    </p:extLst>
   </p:cSld>
   <p:clrMapOvr>
     <a:masterClrMapping/>
@@ -10381,13 +10065,7 @@
       </p:grpSpPr>
       <p:sp>
         <p:nvSpPr>
-          <p:cNvPr id="2" name="标题 1">
-            <a:extLst>
-              <a:ext uri="{FF2B5EF4-FFF2-40B4-BE49-F238E27FC236}">
-                <a16:creationId xmlns:a16="http://schemas.microsoft.com/office/drawing/2014/main" id="{2737C3AD-9EFB-4CE6-A73C-836F271CDBFA}"/>
-              </a:ext>
-            </a:extLst>
-          </p:cNvPr>
+          <p:cNvPr id="2" name="标题 1"/>
           <p:cNvSpPr>
             <a:spLocks noGrp="1"/>
           </p:cNvSpPr>
@@ -10412,18 +10090,13 @@
               <a:rPr lang="zh-CN" altLang="en-US"/>
               <a:t>新建文件的权限</a:t>
             </a:r>
+            <a:endParaRPr lang="zh-CN" altLang="en-US"/>
           </a:p>
         </p:txBody>
       </p:sp>
       <p:sp>
         <p:nvSpPr>
-          <p:cNvPr id="3" name="内容占位符 2">
-            <a:extLst>
-              <a:ext uri="{FF2B5EF4-FFF2-40B4-BE49-F238E27FC236}">
-                <a16:creationId xmlns:a16="http://schemas.microsoft.com/office/drawing/2014/main" id="{DBCCC043-0DAB-4A3F-9BA5-68E659CDFF09}"/>
-              </a:ext>
-            </a:extLst>
-          </p:cNvPr>
+          <p:cNvPr id="3" name="内容占位符 2"/>
           <p:cNvSpPr>
             <a:spLocks noGrp="1"/>
           </p:cNvSpPr>
@@ -10563,15 +10236,11 @@
               <a:rPr lang="zh-CN" altLang="en-US"/>
               <a:t>。</a:t>
             </a:r>
+            <a:endParaRPr lang="zh-CN" altLang="en-US"/>
           </a:p>
         </p:txBody>
       </p:sp>
     </p:spTree>
-    <p:extLst>
-      <p:ext uri="{BB962C8B-B14F-4D97-AF65-F5344CB8AC3E}">
-        <p14:creationId xmlns:p14="http://schemas.microsoft.com/office/powerpoint/2010/main" val="3610928085"/>
-      </p:ext>
-    </p:extLst>
   </p:cSld>
   <p:clrMapOvr>
     <a:masterClrMapping/>
@@ -10622,7 +10291,7 @@
     </a:clrScheme>
     <a:fontScheme name="Office">
       <a:majorFont>
-        <a:latin typeface="等线 Light" panose="020F0302020204030204"/>
+        <a:latin typeface="等线 Light"/>
         <a:ea typeface=""/>
         <a:cs typeface=""/>
         <a:font script="Jpan" typeface="游ゴシック Light"/>
@@ -10655,26 +10324,9 @@
         <a:font script="Viet" typeface="Times New Roman"/>
         <a:font script="Uigh" typeface="Microsoft Uighur"/>
         <a:font script="Geor" typeface="Sylfaen"/>
-        <a:font script="Armn" typeface="Arial"/>
-        <a:font script="Bugi" typeface="Leelawadee UI"/>
-        <a:font script="Bopo" typeface="Microsoft JhengHei"/>
-        <a:font script="Java" typeface="Javanese Text"/>
-        <a:font script="Lisu" typeface="Segoe UI"/>
-        <a:font script="Mymr" typeface="Myanmar Text"/>
-        <a:font script="Nkoo" typeface="Ebrima"/>
-        <a:font script="Olck" typeface="Nirmala UI"/>
-        <a:font script="Osma" typeface="Ebrima"/>
-        <a:font script="Phag" typeface="Phagspa"/>
-        <a:font script="Syrn" typeface="Estrangelo Edessa"/>
-        <a:font script="Syrj" typeface="Estrangelo Edessa"/>
-        <a:font script="Syre" typeface="Estrangelo Edessa"/>
-        <a:font script="Sora" typeface="Nirmala UI"/>
-        <a:font script="Tale" typeface="Microsoft Tai Le"/>
-        <a:font script="Talu" typeface="Microsoft New Tai Lue"/>
-        <a:font script="Tfng" typeface="Ebrima"/>
       </a:majorFont>
       <a:minorFont>
-        <a:latin typeface="等线" panose="020F0502020204030204"/>
+        <a:latin typeface="等线"/>
         <a:ea typeface=""/>
         <a:cs typeface=""/>
         <a:font script="Jpan" typeface="游ゴシック"/>
@@ -10707,23 +10359,6 @@
         <a:font script="Viet" typeface="Arial"/>
         <a:font script="Uigh" typeface="Microsoft Uighur"/>
         <a:font script="Geor" typeface="Sylfaen"/>
-        <a:font script="Armn" typeface="Arial"/>
-        <a:font script="Bugi" typeface="Leelawadee UI"/>
-        <a:font script="Bopo" typeface="Microsoft JhengHei"/>
-        <a:font script="Java" typeface="Javanese Text"/>
-        <a:font script="Lisu" typeface="Segoe UI"/>
-        <a:font script="Mymr" typeface="Myanmar Text"/>
-        <a:font script="Nkoo" typeface="Ebrima"/>
-        <a:font script="Olck" typeface="Nirmala UI"/>
-        <a:font script="Osma" typeface="Ebrima"/>
-        <a:font script="Phag" typeface="Phagspa"/>
-        <a:font script="Syrn" typeface="Estrangelo Edessa"/>
-        <a:font script="Syrj" typeface="Estrangelo Edessa"/>
-        <a:font script="Syre" typeface="Estrangelo Edessa"/>
-        <a:font script="Sora" typeface="Nirmala UI"/>
-        <a:font script="Tale" typeface="Microsoft Tai Le"/>
-        <a:font script="Talu" typeface="Microsoft New Tai Lue"/>
-        <a:font script="Tfng" typeface="Ebrima"/>
       </a:minorFont>
     </a:fontScheme>
     <a:fmtScheme name="Office">
@@ -10864,8 +10499,6 @@
       </a:bgFillStyleLst>
     </a:fmtScheme>
   </a:themeElements>
-  <a:objectDefaults/>
-  <a:extraClrSchemeLst/>
   <a:extLst>
     <a:ext uri="{05A4C25C-085E-4340-85A3-A5531E510DB2}">
       <thm15:themeFamily xmlns:thm15="http://schemas.microsoft.com/office/thememl/2012/main" name="Office Theme" id="{62F939B6-93AF-4DB8-9C6B-D6C7DFDC589F}" vid="{4A3C46E8-61CC-4603-A589-7422A47A8E4A}"/>
@@ -10917,7 +10550,7 @@
     </a:clrScheme>
     <a:fontScheme name="Office">
       <a:majorFont>
-        <a:latin typeface="等线 Light" panose="020F0302020204030204"/>
+        <a:latin typeface="等线 Light"/>
         <a:ea typeface=""/>
         <a:cs typeface=""/>
         <a:font script="Jpan" typeface="游ゴシック Light"/>
@@ -10950,26 +10583,9 @@
         <a:font script="Viet" typeface="Times New Roman"/>
         <a:font script="Uigh" typeface="Microsoft Uighur"/>
         <a:font script="Geor" typeface="Sylfaen"/>
-        <a:font script="Armn" typeface="Arial"/>
-        <a:font script="Bugi" typeface="Leelawadee UI"/>
-        <a:font script="Bopo" typeface="Microsoft JhengHei"/>
-        <a:font script="Java" typeface="Javanese Text"/>
-        <a:font script="Lisu" typeface="Segoe UI"/>
-        <a:font script="Mymr" typeface="Myanmar Text"/>
-        <a:font script="Nkoo" typeface="Ebrima"/>
-        <a:font script="Olck" typeface="Nirmala UI"/>
-        <a:font script="Osma" typeface="Ebrima"/>
-        <a:font script="Phag" typeface="Phagspa"/>
-        <a:font script="Syrn" typeface="Estrangelo Edessa"/>
-        <a:font script="Syrj" typeface="Estrangelo Edessa"/>
-        <a:font script="Syre" typeface="Estrangelo Edessa"/>
-        <a:font script="Sora" typeface="Nirmala UI"/>
-        <a:font script="Tale" typeface="Microsoft Tai Le"/>
-        <a:font script="Talu" typeface="Microsoft New Tai Lue"/>
-        <a:font script="Tfng" typeface="Ebrima"/>
       </a:majorFont>
       <a:minorFont>
-        <a:latin typeface="等线" panose="020F0502020204030204"/>
+        <a:latin typeface="等线"/>
         <a:ea typeface=""/>
         <a:cs typeface=""/>
         <a:font script="Jpan" typeface="游ゴシック"/>
@@ -11002,23 +10618,6 @@
         <a:font script="Viet" typeface="Arial"/>
         <a:font script="Uigh" typeface="Microsoft Uighur"/>
         <a:font script="Geor" typeface="Sylfaen"/>
-        <a:font script="Armn" typeface="Arial"/>
-        <a:font script="Bugi" typeface="Leelawadee UI"/>
-        <a:font script="Bopo" typeface="Microsoft JhengHei"/>
-        <a:font script="Java" typeface="Javanese Text"/>
-        <a:font script="Lisu" typeface="Segoe UI"/>
-        <a:font script="Mymr" typeface="Myanmar Text"/>
-        <a:font script="Nkoo" typeface="Ebrima"/>
-        <a:font script="Olck" typeface="Nirmala UI"/>
-        <a:font script="Osma" typeface="Ebrima"/>
-        <a:font script="Phag" typeface="Phagspa"/>
-        <a:font script="Syrn" typeface="Estrangelo Edessa"/>
-        <a:font script="Syrj" typeface="Estrangelo Edessa"/>
-        <a:font script="Syre" typeface="Estrangelo Edessa"/>
-        <a:font script="Sora" typeface="Nirmala UI"/>
-        <a:font script="Tale" typeface="Microsoft Tai Le"/>
-        <a:font script="Talu" typeface="Microsoft New Tai Lue"/>
-        <a:font script="Tfng" typeface="Ebrima"/>
       </a:minorFont>
     </a:fontScheme>
     <a:fmtScheme name="Office">
@@ -11159,8 +10758,6 @@
       </a:bgFillStyleLst>
     </a:fmtScheme>
   </a:themeElements>
-  <a:objectDefaults/>
-  <a:extraClrSchemeLst/>
   <a:extLst>
     <a:ext uri="{05A4C25C-085E-4340-85A3-A5531E510DB2}">
       <thm15:themeFamily xmlns:thm15="http://schemas.microsoft.com/office/thememl/2012/main" name="Office Theme" id="{62F939B6-93AF-4DB8-9C6B-D6C7DFDC589F}" vid="{4A3C46E8-61CC-4603-A589-7422A47A8E4A}"/>

--- a/LinuxFileIO.pptx
+++ b/LinuxFileIO.pptx
@@ -29,6 +29,9 @@
     <p:sldId id="264" r:id="rId22"/>
     <p:sldId id="293" r:id="rId23"/>
     <p:sldId id="265" r:id="rId24"/>
+    <p:sldId id="302" r:id="rId25"/>
+    <p:sldId id="303" r:id="rId26"/>
+    <p:sldId id="301" r:id="rId27"/>
   </p:sldIdLst>
   <p:sldSz cx="12192000" cy="6858000"/>
   <p:notesSz cx="6858000" cy="9144000"/>
@@ -6474,6 +6477,677 @@
               <a:t>返回</a:t>
             </a:r>
             <a:endParaRPr lang="zh-CN" altLang="en-US" sz="1800"/>
+          </a:p>
+        </p:txBody>
+      </p:sp>
+    </p:spTree>
+  </p:cSld>
+  <p:clrMapOvr>
+    <a:masterClrMapping/>
+  </p:clrMapOvr>
+</p:sld>
+</file>
+
+<file path=ppt/slides/slide22.xml><?xml version="1.0" encoding="utf-8"?>
+<p:sld xmlns:a="http://schemas.openxmlformats.org/drawingml/2006/main" xmlns:r="http://schemas.openxmlformats.org/officeDocument/2006/relationships" xmlns:p="http://schemas.openxmlformats.org/presentationml/2006/main">
+  <p:cSld>
+    <p:spTree>
+      <p:nvGrpSpPr>
+        <p:cNvPr id="1" name=""/>
+        <p:cNvGrpSpPr/>
+        <p:nvPr/>
+      </p:nvGrpSpPr>
+      <p:grpSpPr/>
+      <p:sp>
+        <p:nvSpPr>
+          <p:cNvPr id="2" name="标题 1"/>
+          <p:cNvSpPr>
+            <a:spLocks noGrp="1"/>
+          </p:cNvSpPr>
+          <p:nvPr>
+            <p:ph type="title"/>
+          </p:nvPr>
+        </p:nvSpPr>
+        <p:spPr/>
+        <p:txBody>
+          <a:bodyPr/>
+          <a:p>
+            <a:r>
+              <a:rPr lang="zh-CN" altLang="en-US">
+                <a:sym typeface="+mn-ea"/>
+              </a:rPr>
+              <a:t>管道</a:t>
+            </a:r>
+            <a:endParaRPr lang="zh-CN" altLang="en-US"/>
+          </a:p>
+        </p:txBody>
+      </p:sp>
+      <p:sp>
+        <p:nvSpPr>
+          <p:cNvPr id="3" name="内容占位符 2"/>
+          <p:cNvSpPr>
+            <a:spLocks noGrp="1"/>
+          </p:cNvSpPr>
+          <p:nvPr>
+            <p:ph idx="1"/>
+          </p:nvPr>
+        </p:nvSpPr>
+        <p:spPr/>
+        <p:txBody>
+          <a:bodyPr>
+            <a:normAutofit fontScale="70000"/>
+          </a:bodyPr>
+          <a:p>
+            <a:pPr marL="0" indent="0" fontAlgn="auto">
+              <a:lnSpc>
+                <a:spcPct val="150000"/>
+              </a:lnSpc>
+              <a:buNone/>
+            </a:pPr>
+            <a:r>
+              <a:rPr lang="zh-CN" altLang="en-US"/>
+              <a:t>管道是Linux支持的最初Unix IPC形式之一，具有以下特点：</a:t>
+            </a:r>
+            <a:endParaRPr lang="zh-CN" altLang="en-US"/>
+          </a:p>
+          <a:p>
+            <a:pPr marL="0" indent="0" fontAlgn="auto">
+              <a:lnSpc>
+                <a:spcPct val="150000"/>
+              </a:lnSpc>
+              <a:buNone/>
+            </a:pPr>
+            <a:endParaRPr lang="zh-CN" altLang="en-US"/>
+          </a:p>
+          <a:p>
+            <a:pPr fontAlgn="auto">
+              <a:lnSpc>
+                <a:spcPct val="150000"/>
+              </a:lnSpc>
+              <a:buFont typeface="Wingdings" panose="05000000000000000000" charset="0"/>
+              <a:buChar char=""/>
+            </a:pPr>
+            <a:r>
+              <a:rPr lang="zh-CN" altLang="en-US"/>
+              <a:t>管道是半双工的，数据只能向一个方向流动；需要双方通信时，需要建立起两个管道；</a:t>
+            </a:r>
+            <a:endParaRPr lang="zh-CN" altLang="en-US"/>
+          </a:p>
+          <a:p>
+            <a:pPr fontAlgn="auto">
+              <a:lnSpc>
+                <a:spcPct val="150000"/>
+              </a:lnSpc>
+              <a:buFont typeface="Wingdings" panose="05000000000000000000" charset="0"/>
+              <a:buChar char=""/>
+            </a:pPr>
+            <a:r>
+              <a:rPr lang="zh-CN" altLang="en-US"/>
+              <a:t>只能用于父子进程或者兄弟进程之间（具有亲缘关系的进程）；</a:t>
+            </a:r>
+            <a:endParaRPr lang="zh-CN" altLang="en-US"/>
+          </a:p>
+          <a:p>
+            <a:pPr fontAlgn="auto">
+              <a:lnSpc>
+                <a:spcPct val="150000"/>
+              </a:lnSpc>
+              <a:buFont typeface="Wingdings" panose="05000000000000000000" charset="0"/>
+              <a:buChar char=""/>
+            </a:pPr>
+            <a:r>
+              <a:rPr lang="zh-CN" altLang="en-US"/>
+              <a:t>单独构成一种独立的文件系统：管道对于管道两端的进程而言，就是一个文件，但它不是普通的文件，它不属于某种文件系统，而是自立门户，单独构成一种文件系统，并且只存在与内存中。</a:t>
+            </a:r>
+            <a:endParaRPr lang="zh-CN" altLang="en-US"/>
+          </a:p>
+          <a:p>
+            <a:pPr fontAlgn="auto">
+              <a:lnSpc>
+                <a:spcPct val="150000"/>
+              </a:lnSpc>
+              <a:buFont typeface="Wingdings" panose="05000000000000000000" charset="0"/>
+              <a:buChar char=""/>
+            </a:pPr>
+            <a:r>
+              <a:rPr lang="zh-CN" altLang="en-US"/>
+              <a:t>数据的读出和写入：一个进程向管道中写的内容被管道另一端的进程读出。写入的内容每次都添加在管道缓冲区的末尾，并且每次都是从缓冲区的头部读出数据。</a:t>
+            </a:r>
+            <a:endParaRPr lang="zh-CN" altLang="en-US"/>
+          </a:p>
+        </p:txBody>
+      </p:sp>
+    </p:spTree>
+  </p:cSld>
+  <p:clrMapOvr>
+    <a:masterClrMapping/>
+  </p:clrMapOvr>
+</p:sld>
+</file>
+
+<file path=ppt/slides/slide23.xml><?xml version="1.0" encoding="utf-8"?>
+<p:sld xmlns:a="http://schemas.openxmlformats.org/drawingml/2006/main" xmlns:r="http://schemas.openxmlformats.org/officeDocument/2006/relationships" xmlns:p="http://schemas.openxmlformats.org/presentationml/2006/main">
+  <p:cSld>
+    <p:spTree>
+      <p:nvGrpSpPr>
+        <p:cNvPr id="1" name=""/>
+        <p:cNvGrpSpPr/>
+        <p:nvPr/>
+      </p:nvGrpSpPr>
+      <p:grpSpPr>
+        <a:xfrm>
+          <a:off x="0" y="0"/>
+          <a:ext cx="0" cy="0"/>
+          <a:chOff x="0" y="0"/>
+          <a:chExt cx="0" cy="0"/>
+        </a:xfrm>
+      </p:grpSpPr>
+      <p:sp>
+        <p:nvSpPr>
+          <p:cNvPr id="2" name="标题 1"/>
+          <p:cNvSpPr>
+            <a:spLocks noGrp="1"/>
+          </p:cNvSpPr>
+          <p:nvPr>
+            <p:ph type="title"/>
+          </p:nvPr>
+        </p:nvSpPr>
+        <p:spPr/>
+        <p:txBody>
+          <a:bodyPr/>
+          <a:lstStyle/>
+          <a:p>
+            <a:r>
+              <a:rPr lang="zh-CN" altLang="en-US">
+                <a:sym typeface="+mn-ea"/>
+              </a:rPr>
+              <a:t>匿名管道的创建</a:t>
+            </a:r>
+            <a:endParaRPr lang="zh-CN" altLang="en-US"/>
+          </a:p>
+        </p:txBody>
+      </p:sp>
+      <p:sp>
+        <p:nvSpPr>
+          <p:cNvPr id="3" name="内容占位符 2"/>
+          <p:cNvSpPr>
+            <a:spLocks noGrp="1"/>
+          </p:cNvSpPr>
+          <p:nvPr>
+            <p:ph idx="1"/>
+          </p:nvPr>
+        </p:nvSpPr>
+        <p:spPr>
+          <a:xfrm>
+            <a:off x="838200" y="1825625"/>
+            <a:ext cx="10515600" cy="4312285"/>
+          </a:xfrm>
+        </p:spPr>
+        <p:txBody>
+          <a:bodyPr>
+            <a:normAutofit/>
+          </a:bodyPr>
+          <a:lstStyle/>
+          <a:p>
+            <a:pPr marL="0" indent="0">
+              <a:buNone/>
+            </a:pPr>
+            <a:r>
+              <a:rPr lang="zh-CN" altLang="en-US">
+                <a:solidFill>
+                  <a:schemeClr val="accent1">
+                    <a:lumMod val="75000"/>
+                  </a:schemeClr>
+                </a:solidFill>
+              </a:rPr>
+              <a:t>管道的创建</a:t>
+            </a:r>
+            <a:r>
+              <a:rPr lang="en-US" altLang="zh-CN">
+                <a:solidFill>
+                  <a:schemeClr val="accent1">
+                    <a:lumMod val="75000"/>
+                  </a:schemeClr>
+                </a:solidFill>
+              </a:rPr>
+              <a:t>API</a:t>
+            </a:r>
+            <a:r>
+              <a:rPr lang="zh-CN" altLang="en-US">
+                <a:solidFill>
+                  <a:schemeClr val="accent1">
+                    <a:lumMod val="75000"/>
+                  </a:schemeClr>
+                </a:solidFill>
+              </a:rPr>
+              <a:t>函数声明</a:t>
+            </a:r>
+            <a:r>
+              <a:rPr lang="en-US" altLang="zh-CN">
+                <a:solidFill>
+                  <a:schemeClr val="accent1">
+                    <a:lumMod val="75000"/>
+                  </a:schemeClr>
+                </a:solidFill>
+              </a:rPr>
+              <a:t>:</a:t>
+            </a:r>
+            <a:endParaRPr lang="en-US" altLang="zh-CN">
+              <a:solidFill>
+                <a:schemeClr val="accent1">
+                  <a:lumMod val="75000"/>
+                </a:schemeClr>
+              </a:solidFill>
+            </a:endParaRPr>
+          </a:p>
+          <a:p>
+            <a:pPr marL="0" indent="0">
+              <a:buNone/>
+            </a:pPr>
+            <a:r>
+              <a:rPr lang="en-US" altLang="zh-CN">
+                <a:solidFill>
+                  <a:schemeClr val="accent1">
+                    <a:lumMod val="75000"/>
+                  </a:schemeClr>
+                </a:solidFill>
+              </a:rPr>
+              <a:t>int pipe(int fd[2]);</a:t>
+            </a:r>
+            <a:endParaRPr lang="en-US" altLang="zh-CN">
+              <a:solidFill>
+                <a:schemeClr val="accent1">
+                  <a:lumMod val="75000"/>
+                </a:schemeClr>
+              </a:solidFill>
+            </a:endParaRPr>
+          </a:p>
+          <a:p>
+            <a:pPr marL="0" indent="0">
+              <a:buNone/>
+            </a:pPr>
+            <a:r>
+              <a:rPr lang="zh-CN" altLang="en-US">
+                <a:solidFill>
+                  <a:schemeClr val="accent2">
+                    <a:lumMod val="75000"/>
+                  </a:schemeClr>
+                </a:solidFill>
+              </a:rPr>
+              <a:t>参数</a:t>
+            </a:r>
+            <a:r>
+              <a:rPr lang="en-US" altLang="zh-CN">
+                <a:solidFill>
+                  <a:schemeClr val="accent2">
+                    <a:lumMod val="75000"/>
+                  </a:schemeClr>
+                </a:solidFill>
+              </a:rPr>
+              <a:t>:</a:t>
+            </a:r>
+            <a:endParaRPr lang="en-US" altLang="zh-CN">
+              <a:solidFill>
+                <a:schemeClr val="accent2">
+                  <a:lumMod val="75000"/>
+                </a:schemeClr>
+              </a:solidFill>
+            </a:endParaRPr>
+          </a:p>
+          <a:p>
+            <a:pPr marL="0" indent="0">
+              <a:buNone/>
+            </a:pPr>
+            <a:r>
+              <a:rPr>
+                <a:solidFill>
+                  <a:schemeClr val="accent2">
+                    <a:lumMod val="75000"/>
+                  </a:schemeClr>
+                </a:solidFill>
+              </a:rPr>
+              <a:t>fd：文件描述符数组</a:t>
+            </a:r>
+            <a:endParaRPr>
+              <a:solidFill>
+                <a:schemeClr val="accent2">
+                  <a:lumMod val="75000"/>
+                </a:schemeClr>
+              </a:solidFill>
+            </a:endParaRPr>
+          </a:p>
+          <a:p>
+            <a:pPr marL="0" indent="0">
+              <a:buNone/>
+            </a:pPr>
+            <a:r>
+              <a:rPr>
+                <a:solidFill>
+                  <a:schemeClr val="accent2">
+                    <a:lumMod val="75000"/>
+                  </a:schemeClr>
+                </a:solidFill>
+              </a:rPr>
+              <a:t>fd[0]表示读端</a:t>
+            </a:r>
+            <a:endParaRPr>
+              <a:solidFill>
+                <a:schemeClr val="accent2">
+                  <a:lumMod val="75000"/>
+                </a:schemeClr>
+              </a:solidFill>
+            </a:endParaRPr>
+          </a:p>
+          <a:p>
+            <a:pPr marL="0" indent="0">
+              <a:buNone/>
+            </a:pPr>
+            <a:r>
+              <a:rPr>
+                <a:solidFill>
+                  <a:schemeClr val="accent2">
+                    <a:lumMod val="75000"/>
+                  </a:schemeClr>
+                </a:solidFill>
+              </a:rPr>
+              <a:t>fd[1]表示写端 </a:t>
+            </a:r>
+            <a:endParaRPr lang="en-US" altLang="zh-CN">
+              <a:solidFill>
+                <a:schemeClr val="accent2">
+                  <a:lumMod val="75000"/>
+                </a:schemeClr>
+              </a:solidFill>
+            </a:endParaRPr>
+          </a:p>
+          <a:p>
+            <a:pPr marL="0" indent="0">
+              <a:buNone/>
+            </a:pPr>
+            <a:r>
+              <a:rPr lang="zh-CN" altLang="en-US">
+                <a:solidFill>
+                  <a:schemeClr val="accent6">
+                    <a:lumMod val="75000"/>
+                  </a:schemeClr>
+                </a:solidFill>
+              </a:rPr>
+              <a:t>返回值</a:t>
+            </a:r>
+            <a:r>
+              <a:rPr lang="en-US" altLang="zh-CN">
+                <a:solidFill>
+                  <a:schemeClr val="accent6">
+                    <a:lumMod val="75000"/>
+                  </a:schemeClr>
+                </a:solidFill>
+              </a:rPr>
+              <a:t>:</a:t>
+            </a:r>
+            <a:endParaRPr lang="en-US" altLang="zh-CN">
+              <a:solidFill>
+                <a:schemeClr val="accent6">
+                  <a:lumMod val="75000"/>
+                </a:schemeClr>
+              </a:solidFill>
+            </a:endParaRPr>
+          </a:p>
+          <a:p>
+            <a:pPr marL="0" indent="0">
+              <a:buNone/>
+            </a:pPr>
+            <a:r>
+              <a:rPr lang="zh-CN" altLang="en-US">
+                <a:solidFill>
+                  <a:schemeClr val="accent6">
+                    <a:lumMod val="75000"/>
+                  </a:schemeClr>
+                </a:solidFill>
+              </a:rPr>
+              <a:t>失败</a:t>
+            </a:r>
+            <a:r>
+              <a:rPr lang="en-US" altLang="zh-CN">
+                <a:solidFill>
+                  <a:schemeClr val="accent6">
+                    <a:lumMod val="75000"/>
+                  </a:schemeClr>
+                </a:solidFill>
+              </a:rPr>
+              <a:t>:</a:t>
+            </a:r>
+            <a:r>
+              <a:rPr lang="zh-CN" altLang="en-US">
+                <a:solidFill>
+                  <a:schemeClr val="accent6">
+                    <a:lumMod val="75000"/>
+                  </a:schemeClr>
+                </a:solidFill>
+              </a:rPr>
+              <a:t>错误代码</a:t>
+            </a:r>
+            <a:r>
+              <a:rPr lang="en-US" altLang="zh-CN">
+                <a:solidFill>
+                  <a:schemeClr val="accent6">
+                    <a:lumMod val="75000"/>
+                  </a:schemeClr>
+                </a:solidFill>
+              </a:rPr>
+              <a:t>/</a:t>
+            </a:r>
+            <a:r>
+              <a:rPr lang="zh-CN" altLang="en-US">
+                <a:solidFill>
+                  <a:schemeClr val="accent6">
+                    <a:lumMod val="75000"/>
+                  </a:schemeClr>
+                </a:solidFill>
+              </a:rPr>
+              <a:t>成功</a:t>
+            </a:r>
+            <a:r>
+              <a:rPr lang="en-US" altLang="zh-CN">
+                <a:solidFill>
+                  <a:schemeClr val="accent6">
+                    <a:lumMod val="75000"/>
+                  </a:schemeClr>
+                </a:solidFill>
+              </a:rPr>
+              <a:t>:0</a:t>
+            </a:r>
+            <a:endParaRPr lang="en-US" altLang="zh-CN">
+              <a:solidFill>
+                <a:schemeClr val="accent6">
+                  <a:lumMod val="75000"/>
+                </a:schemeClr>
+              </a:solidFill>
+            </a:endParaRPr>
+          </a:p>
+          <a:p>
+            <a:pPr marL="0" indent="0">
+              <a:buNone/>
+            </a:pPr>
+            <a:r>
+              <a:rPr lang="zh-CN" altLang="en-US"/>
+              <a:t>头文件</a:t>
+            </a:r>
+            <a:r>
+              <a:rPr lang="en-US" altLang="zh-CN"/>
+              <a:t>:&lt;unistd.h&gt;</a:t>
+            </a:r>
+            <a:endParaRPr lang="en-US" altLang="zh-CN"/>
+          </a:p>
+        </p:txBody>
+      </p:sp>
+    </p:spTree>
+  </p:cSld>
+  <p:clrMapOvr>
+    <a:masterClrMapping/>
+  </p:clrMapOvr>
+</p:sld>
+</file>
+
+<file path=ppt/slides/slide24.xml><?xml version="1.0" encoding="utf-8"?>
+<p:sld xmlns:a="http://schemas.openxmlformats.org/drawingml/2006/main" xmlns:r="http://schemas.openxmlformats.org/officeDocument/2006/relationships" xmlns:p="http://schemas.openxmlformats.org/presentationml/2006/main">
+  <p:cSld>
+    <p:spTree>
+      <p:nvGrpSpPr>
+        <p:cNvPr id="1" name=""/>
+        <p:cNvGrpSpPr/>
+        <p:nvPr/>
+      </p:nvGrpSpPr>
+      <p:grpSpPr/>
+      <p:sp>
+        <p:nvSpPr>
+          <p:cNvPr id="2" name="标题 1"/>
+          <p:cNvSpPr>
+            <a:spLocks noGrp="1"/>
+          </p:cNvSpPr>
+          <p:nvPr>
+            <p:ph type="title"/>
+          </p:nvPr>
+        </p:nvSpPr>
+        <p:spPr/>
+        <p:txBody>
+          <a:bodyPr/>
+          <a:p>
+            <a:r>
+              <a:rPr lang="zh-CN" altLang="en-US"/>
+              <a:t>作业</a:t>
+            </a:r>
+            <a:endParaRPr lang="zh-CN" altLang="en-US"/>
+          </a:p>
+        </p:txBody>
+      </p:sp>
+      <p:sp>
+        <p:nvSpPr>
+          <p:cNvPr id="3" name="内容占位符 2"/>
+          <p:cNvSpPr>
+            <a:spLocks noGrp="1"/>
+          </p:cNvSpPr>
+          <p:nvPr>
+            <p:ph idx="1"/>
+          </p:nvPr>
+        </p:nvSpPr>
+        <p:spPr/>
+        <p:txBody>
+          <a:bodyPr/>
+          <a:p>
+            <a:pPr marL="0" indent="0">
+              <a:buNone/>
+            </a:pPr>
+            <a:r>
+              <a:rPr lang="zh-CN" altLang="en-US"/>
+              <a:t>编写</a:t>
+            </a:r>
+            <a:r>
+              <a:rPr lang="en-US" altLang="zh-CN"/>
+              <a:t>C</a:t>
+            </a:r>
+            <a:r>
+              <a:rPr lang="zh-CN" altLang="en-US"/>
+              <a:t>语言程序</a:t>
+            </a:r>
+            <a:r>
+              <a:rPr lang="en-US" altLang="zh-CN"/>
+              <a:t>m</a:t>
+            </a:r>
+            <a:r>
+              <a:rPr lang="en-US" altLang="zh-CN"/>
+              <a:t>yread.c</a:t>
+            </a:r>
+            <a:r>
+              <a:rPr lang="zh-CN" altLang="en-US"/>
+              <a:t>和</a:t>
+            </a:r>
+            <a:r>
+              <a:rPr lang="en-US" altLang="zh-CN"/>
+              <a:t>mywrite.c</a:t>
+            </a:r>
+            <a:r>
+              <a:rPr lang="zh-CN" altLang="en-US"/>
+              <a:t>，实现以下功能：</a:t>
+            </a:r>
+            <a:endParaRPr lang="zh-CN" altLang="en-US"/>
+          </a:p>
+          <a:p>
+            <a:pPr marL="0" indent="0">
+              <a:buNone/>
+            </a:pPr>
+            <a:r>
+              <a:rPr lang="en-US" altLang="zh-CN"/>
+              <a:t>mywrite.c</a:t>
+            </a:r>
+            <a:r>
+              <a:rPr lang="zh-CN" altLang="en-US"/>
+              <a:t>：</a:t>
+            </a:r>
+            <a:endParaRPr lang="zh-CN" altLang="en-US"/>
+          </a:p>
+          <a:p>
+            <a:pPr marL="457200" indent="-457200">
+              <a:buAutoNum type="arabicPeriod"/>
+            </a:pPr>
+            <a:r>
+              <a:rPr lang="zh-CN" altLang="en-US"/>
+              <a:t>利用匿名管道</a:t>
+            </a:r>
+            <a:endParaRPr lang="zh-CN" altLang="en-US"/>
+          </a:p>
+          <a:p>
+            <a:pPr marL="457200" indent="-457200">
+              <a:buAutoNum type="arabicPeriod"/>
+            </a:pPr>
+            <a:r>
+              <a:rPr lang="zh-CN" altLang="en-US"/>
+              <a:t>父进程读取标准输入</a:t>
+            </a:r>
+            <a:endParaRPr lang="zh-CN" altLang="en-US"/>
+          </a:p>
+          <a:p>
+            <a:pPr marL="457200" indent="-457200">
+              <a:buAutoNum type="arabicPeriod"/>
+            </a:pPr>
+            <a:r>
+              <a:rPr lang="zh-CN" altLang="en-US"/>
+              <a:t>父进程向子进程发送字符串消息</a:t>
+            </a:r>
+            <a:endParaRPr lang="zh-CN" altLang="en-US"/>
+          </a:p>
+          <a:p>
+            <a:pPr marL="457200" indent="-457200">
+              <a:buAutoNum type="arabicPeriod"/>
+            </a:pPr>
+            <a:r>
+              <a:rPr lang="zh-CN" altLang="en-US"/>
+              <a:t>然后子进程向文件写入经过包装的结构体</a:t>
+            </a:r>
+            <a:endParaRPr lang="zh-CN" altLang="en-US"/>
+          </a:p>
+          <a:p>
+            <a:pPr marL="0" indent="0">
+              <a:buNone/>
+            </a:pPr>
+            <a:r>
+              <a:rPr lang="en-US" altLang="zh-CN"/>
+              <a:t>myread.c</a:t>
+            </a:r>
+            <a:r>
+              <a:rPr lang="zh-CN" altLang="en-US"/>
+              <a:t>：</a:t>
+            </a:r>
+            <a:endParaRPr lang="zh-CN" altLang="en-US"/>
+          </a:p>
+          <a:p>
+            <a:pPr marL="0" indent="0">
+              <a:buNone/>
+            </a:pPr>
+            <a:r>
+              <a:rPr lang="zh-CN" altLang="en-US"/>
+              <a:t>读取文件中内容，输出何时写入什么消息</a:t>
+            </a:r>
+            <a:endParaRPr lang="zh-CN" altLang="en-US"/>
           </a:p>
         </p:txBody>
       </p:sp>

--- a/LinuxFileIO.pptx
+++ b/LinuxFileIO.pptx
@@ -7051,101 +7051,27 @@
             </a:r>
             <a:r>
               <a:rPr lang="en-US" altLang="zh-CN"/>
-              <a:t>m</a:t>
+              <a:t>mycat.c</a:t>
+            </a:r>
+            <a:r>
+              <a:rPr lang="zh-CN" altLang="en-US"/>
+              <a:t>实现</a:t>
             </a:r>
             <a:r>
               <a:rPr lang="en-US" altLang="zh-CN"/>
-              <a:t>yread.c</a:t>
-            </a:r>
-            <a:r>
-              <a:rPr lang="zh-CN" altLang="en-US"/>
-              <a:t>和</a:t>
+              <a:t>linux</a:t>
+            </a:r>
+            <a:r>
+              <a:rPr lang="zh-CN" altLang="en-US"/>
+              <a:t>下</a:t>
             </a:r>
             <a:r>
               <a:rPr lang="en-US" altLang="zh-CN"/>
-              <a:t>mywrite.c</a:t>
-            </a:r>
-            <a:r>
-              <a:rPr lang="zh-CN" altLang="en-US"/>
-              <a:t>，实现以下功能：</a:t>
-            </a:r>
-            <a:endParaRPr lang="zh-CN" altLang="en-US"/>
-          </a:p>
-          <a:p>
-            <a:pPr marL="0" indent="0">
-              <a:buNone/>
-            </a:pPr>
-            <a:r>
-              <a:rPr lang="en-US" altLang="zh-CN"/>
-              <a:t>mywrite.c</a:t>
-            </a:r>
-            <a:r>
-              <a:rPr lang="zh-CN" altLang="en-US"/>
-              <a:t>：</a:t>
-            </a:r>
-            <a:endParaRPr lang="zh-CN" altLang="en-US"/>
-          </a:p>
-          <a:p>
-            <a:pPr marL="457200" indent="-457200">
-              <a:buAutoNum type="arabicPeriod"/>
-            </a:pPr>
-            <a:r>
-              <a:rPr lang="zh-CN" altLang="en-US"/>
-              <a:t>利用匿名管道</a:t>
-            </a:r>
-            <a:endParaRPr lang="zh-CN" altLang="en-US"/>
-          </a:p>
-          <a:p>
-            <a:pPr marL="457200" indent="-457200">
-              <a:buAutoNum type="arabicPeriod"/>
-            </a:pPr>
-            <a:r>
-              <a:rPr lang="zh-CN" altLang="en-US"/>
-              <a:t>父进程读取标准输入</a:t>
-            </a:r>
-            <a:endParaRPr lang="zh-CN" altLang="en-US"/>
-          </a:p>
-          <a:p>
-            <a:pPr marL="457200" indent="-457200">
-              <a:buAutoNum type="arabicPeriod"/>
-            </a:pPr>
-            <a:r>
-              <a:rPr lang="zh-CN" altLang="en-US"/>
-              <a:t>父进程向子进程发送字符串消息</a:t>
-            </a:r>
-            <a:endParaRPr lang="zh-CN" altLang="en-US"/>
-          </a:p>
-          <a:p>
-            <a:pPr marL="457200" indent="-457200">
-              <a:buAutoNum type="arabicPeriod"/>
-            </a:pPr>
-            <a:r>
-              <a:rPr lang="zh-CN" altLang="en-US"/>
-              <a:t>然后子进程向文件写入经过包装的结构体</a:t>
-            </a:r>
-            <a:endParaRPr lang="zh-CN" altLang="en-US"/>
-          </a:p>
-          <a:p>
-            <a:pPr marL="0" indent="0">
-              <a:buNone/>
-            </a:pPr>
-            <a:r>
-              <a:rPr lang="en-US" altLang="zh-CN"/>
-              <a:t>myread.c</a:t>
-            </a:r>
-            <a:r>
-              <a:rPr lang="zh-CN" altLang="en-US"/>
-              <a:t>：</a:t>
-            </a:r>
-            <a:endParaRPr lang="zh-CN" altLang="en-US"/>
-          </a:p>
-          <a:p>
-            <a:pPr marL="0" indent="0">
-              <a:buNone/>
-            </a:pPr>
-            <a:r>
-              <a:rPr lang="zh-CN" altLang="en-US"/>
-              <a:t>读取文件中内容，输出何时写入什么消息</a:t>
+              <a:t>cat</a:t>
+            </a:r>
+            <a:r>
+              <a:rPr lang="zh-CN" altLang="en-US"/>
+              <a:t>指令对文本文件的效果</a:t>
             </a:r>
             <a:endParaRPr lang="zh-CN" altLang="en-US"/>
           </a:p>
